--- a/Visualize-Document-Infrastructure/ppt/VisualizeDocument.pptx
+++ b/Visualize-Document-Infrastructure/ppt/VisualizeDocument.pptx
@@ -5,34 +5,35 @@
     <p:sldMasterId id="2147483648" r:id="rId1"/>
   </p:sldMasterIdLst>
   <p:notesMasterIdLst>
-    <p:notesMasterId r:id="rId17"/>
+    <p:notesMasterId r:id="rId18"/>
   </p:notesMasterIdLst>
   <p:sldIdLst>
     <p:sldId id="259" r:id="rId2"/>
     <p:sldId id="256" r:id="rId3"/>
-    <p:sldId id="257" r:id="rId4"/>
-    <p:sldId id="267" r:id="rId5"/>
-    <p:sldId id="274" r:id="rId6"/>
-    <p:sldId id="276" r:id="rId7"/>
-    <p:sldId id="275" r:id="rId8"/>
-    <p:sldId id="278" r:id="rId9"/>
-    <p:sldId id="273" r:id="rId10"/>
-    <p:sldId id="272" r:id="rId11"/>
-    <p:sldId id="265" r:id="rId12"/>
-    <p:sldId id="271" r:id="rId13"/>
-    <p:sldId id="277" r:id="rId14"/>
-    <p:sldId id="279" r:id="rId15"/>
-    <p:sldId id="264" r:id="rId16"/>
+    <p:sldId id="280" r:id="rId4"/>
+    <p:sldId id="257" r:id="rId5"/>
+    <p:sldId id="267" r:id="rId6"/>
+    <p:sldId id="274" r:id="rId7"/>
+    <p:sldId id="276" r:id="rId8"/>
+    <p:sldId id="275" r:id="rId9"/>
+    <p:sldId id="278" r:id="rId10"/>
+    <p:sldId id="273" r:id="rId11"/>
+    <p:sldId id="272" r:id="rId12"/>
+    <p:sldId id="265" r:id="rId13"/>
+    <p:sldId id="271" r:id="rId14"/>
+    <p:sldId id="277" r:id="rId15"/>
+    <p:sldId id="279" r:id="rId16"/>
+    <p:sldId id="264" r:id="rId17"/>
   </p:sldIdLst>
   <p:sldSz cx="18288000" cy="10287000"/>
   <p:notesSz cx="6858000" cy="9144000"/>
   <p:embeddedFontLst>
     <p:embeddedFont>
       <p:font typeface="Calibri" panose="020F0502020204030204" pitchFamily="34" charset="0"/>
-      <p:regular r:id="rId18"/>
-      <p:bold r:id="rId19"/>
-      <p:italic r:id="rId20"/>
-      <p:boldItalic r:id="rId21"/>
+      <p:regular r:id="rId19"/>
+      <p:bold r:id="rId20"/>
+      <p:italic r:id="rId21"/>
+      <p:boldItalic r:id="rId22"/>
     </p:embeddedFont>
   </p:embeddedFontLst>
   <p:defaultTextStyle>
@@ -231,7 +232,7 @@
           <a:p>
             <a:fld id="{5B82031E-CC76-4CD4-B9E1-CA1DF7176803}" type="datetimeFigureOut">
               <a:rPr lang="en-US" smtClean="0"/>
-              <a:t>9/10/2019</a:t>
+              <a:t>9/14/2019</a:t>
             </a:fld>
             <a:endParaRPr lang="en-US" dirty="0"/>
           </a:p>
@@ -563,7 +564,7 @@
           <a:p>
             <a:fld id="{0F488A43-E6D0-42D1-8646-D1BD11322CD2}" type="slidenum">
               <a:rPr lang="en-US" smtClean="0"/>
-              <a:t>3</a:t>
+              <a:t>4</a:t>
             </a:fld>
             <a:endParaRPr lang="en-US" dirty="0"/>
           </a:p>
@@ -647,7 +648,7 @@
           <a:p>
             <a:fld id="{0F488A43-E6D0-42D1-8646-D1BD11322CD2}" type="slidenum">
               <a:rPr lang="en-US" smtClean="0"/>
-              <a:t>12</a:t>
+              <a:t>13</a:t>
             </a:fld>
             <a:endParaRPr lang="en-US" dirty="0"/>
           </a:p>
@@ -731,7 +732,7 @@
           <a:p>
             <a:fld id="{0F488A43-E6D0-42D1-8646-D1BD11322CD2}" type="slidenum">
               <a:rPr lang="en-US" smtClean="0"/>
-              <a:t>13</a:t>
+              <a:t>14</a:t>
             </a:fld>
             <a:endParaRPr lang="en-US" dirty="0"/>
           </a:p>
@@ -930,7 +931,7 @@
             <a:fld id="{1D8BD707-D9CF-40AE-B4C6-C98DA3205C09}" type="datetimeFigureOut">
               <a:rPr lang="en-US" smtClean="0"/>
               <a:pPr/>
-              <a:t>9/10/2019</a:t>
+              <a:t>9/14/2019</a:t>
             </a:fld>
             <a:endParaRPr lang="en-US" dirty="0"/>
           </a:p>
@@ -1095,7 +1096,7 @@
             <a:fld id="{1D8BD707-D9CF-40AE-B4C6-C98DA3205C09}" type="datetimeFigureOut">
               <a:rPr lang="en-US" smtClean="0"/>
               <a:pPr/>
-              <a:t>9/10/2019</a:t>
+              <a:t>9/14/2019</a:t>
             </a:fld>
             <a:endParaRPr lang="en-US" dirty="0"/>
           </a:p>
@@ -1270,7 +1271,7 @@
             <a:fld id="{1D8BD707-D9CF-40AE-B4C6-C98DA3205C09}" type="datetimeFigureOut">
               <a:rPr lang="en-US" smtClean="0"/>
               <a:pPr/>
-              <a:t>9/10/2019</a:t>
+              <a:t>9/14/2019</a:t>
             </a:fld>
             <a:endParaRPr lang="en-US" dirty="0"/>
           </a:p>
@@ -1435,7 +1436,7 @@
             <a:fld id="{1D8BD707-D9CF-40AE-B4C6-C98DA3205C09}" type="datetimeFigureOut">
               <a:rPr lang="en-US" smtClean="0"/>
               <a:pPr/>
-              <a:t>9/10/2019</a:t>
+              <a:t>9/14/2019</a:t>
             </a:fld>
             <a:endParaRPr lang="en-US" dirty="0"/>
           </a:p>
@@ -1677,7 +1678,7 @@
             <a:fld id="{1D8BD707-D9CF-40AE-B4C6-C98DA3205C09}" type="datetimeFigureOut">
               <a:rPr lang="en-US" smtClean="0"/>
               <a:pPr/>
-              <a:t>9/10/2019</a:t>
+              <a:t>9/14/2019</a:t>
             </a:fld>
             <a:endParaRPr lang="en-US" dirty="0"/>
           </a:p>
@@ -1959,7 +1960,7 @@
             <a:fld id="{1D8BD707-D9CF-40AE-B4C6-C98DA3205C09}" type="datetimeFigureOut">
               <a:rPr lang="en-US" smtClean="0"/>
               <a:pPr/>
-              <a:t>9/10/2019</a:t>
+              <a:t>9/14/2019</a:t>
             </a:fld>
             <a:endParaRPr lang="en-US" dirty="0"/>
           </a:p>
@@ -2375,7 +2376,7 @@
             <a:fld id="{1D8BD707-D9CF-40AE-B4C6-C98DA3205C09}" type="datetimeFigureOut">
               <a:rPr lang="en-US" smtClean="0"/>
               <a:pPr/>
-              <a:t>9/10/2019</a:t>
+              <a:t>9/14/2019</a:t>
             </a:fld>
             <a:endParaRPr lang="en-US" dirty="0"/>
           </a:p>
@@ -2489,7 +2490,7 @@
             <a:fld id="{1D8BD707-D9CF-40AE-B4C6-C98DA3205C09}" type="datetimeFigureOut">
               <a:rPr lang="en-US" smtClean="0"/>
               <a:pPr/>
-              <a:t>9/10/2019</a:t>
+              <a:t>9/14/2019</a:t>
             </a:fld>
             <a:endParaRPr lang="en-US" dirty="0"/>
           </a:p>
@@ -2581,7 +2582,7 @@
             <a:fld id="{1D8BD707-D9CF-40AE-B4C6-C98DA3205C09}" type="datetimeFigureOut">
               <a:rPr lang="en-US" smtClean="0"/>
               <a:pPr/>
-              <a:t>9/10/2019</a:t>
+              <a:t>9/14/2019</a:t>
             </a:fld>
             <a:endParaRPr lang="en-US" dirty="0"/>
           </a:p>
@@ -2853,7 +2854,7 @@
             <a:fld id="{1D8BD707-D9CF-40AE-B4C6-C98DA3205C09}" type="datetimeFigureOut">
               <a:rPr lang="en-US" smtClean="0"/>
               <a:pPr/>
-              <a:t>9/10/2019</a:t>
+              <a:t>9/14/2019</a:t>
             </a:fld>
             <a:endParaRPr lang="en-US" dirty="0"/>
           </a:p>
@@ -3102,7 +3103,7 @@
             <a:fld id="{1D8BD707-D9CF-40AE-B4C6-C98DA3205C09}" type="datetimeFigureOut">
               <a:rPr lang="en-US" smtClean="0"/>
               <a:pPr/>
-              <a:t>9/10/2019</a:t>
+              <a:t>9/14/2019</a:t>
             </a:fld>
             <a:endParaRPr lang="en-US" dirty="0"/>
           </a:p>
@@ -3310,7 +3311,7 @@
             <a:fld id="{1D8BD707-D9CF-40AE-B4C6-C98DA3205C09}" type="datetimeFigureOut">
               <a:rPr lang="en-US" smtClean="0"/>
               <a:pPr/>
-              <a:t>9/10/2019</a:t>
+              <a:t>9/14/2019</a:t>
             </a:fld>
             <a:endParaRPr lang="en-US" dirty="0"/>
           </a:p>
@@ -3778,6 +3779,998 @@
           <a:chExt cx="0" cy="0"/>
         </a:xfrm>
       </p:grpSpPr>
+      <p:pic>
+        <p:nvPicPr>
+          <p:cNvPr id="9226" name="Picture 10" descr="Image result for drake meme">
+            <a:extLst>
+              <a:ext uri="{FF2B5EF4-FFF2-40B4-BE49-F238E27FC236}">
+                <a16:creationId xmlns:a16="http://schemas.microsoft.com/office/drawing/2014/main" id="{221FCC1B-6B85-4A58-B60C-1117418B4184}"/>
+              </a:ext>
+            </a:extLst>
+          </p:cNvPr>
+          <p:cNvPicPr>
+            <a:picLocks noChangeAspect="1" noChangeArrowheads="1"/>
+          </p:cNvPicPr>
+          <p:nvPr/>
+        </p:nvPicPr>
+        <p:blipFill>
+          <a:blip r:embed="rId3">
+            <a:extLst>
+              <a:ext uri="{28A0092B-C50C-407E-A947-70E740481C1C}">
+                <a14:useLocalDpi xmlns:a14="http://schemas.microsoft.com/office/drawing/2010/main" val="0"/>
+              </a:ext>
+            </a:extLst>
+          </a:blip>
+          <a:srcRect/>
+          <a:stretch>
+            <a:fillRect/>
+          </a:stretch>
+        </p:blipFill>
+        <p:spPr bwMode="auto">
+          <a:xfrm>
+            <a:off x="152400" y="114300"/>
+            <a:ext cx="12612578" cy="10087537"/>
+          </a:xfrm>
+          <a:prstGeom prst="rect">
+            <a:avLst/>
+          </a:prstGeom>
+          <a:noFill/>
+          <a:extLst>
+            <a:ext uri="{909E8E84-426E-40DD-AFC4-6F175D3DCCD1}">
+              <a14:hiddenFill xmlns:a14="http://schemas.microsoft.com/office/drawing/2010/main">
+                <a:solidFill>
+                  <a:srgbClr val="FFFFFF"/>
+                </a:solidFill>
+              </a14:hiddenFill>
+            </a:ext>
+          </a:extLst>
+        </p:spPr>
+      </p:pic>
+      <p:pic>
+        <p:nvPicPr>
+          <p:cNvPr id="9218" name="Picture 2" descr="Image result for graphviz icon">
+            <a:extLst>
+              <a:ext uri="{FF2B5EF4-FFF2-40B4-BE49-F238E27FC236}">
+                <a16:creationId xmlns:a16="http://schemas.microsoft.com/office/drawing/2014/main" id="{AC577EAF-F61A-4034-9850-C5817894A43C}"/>
+              </a:ext>
+            </a:extLst>
+          </p:cNvPr>
+          <p:cNvPicPr>
+            <a:picLocks noChangeAspect="1" noChangeArrowheads="1"/>
+          </p:cNvPicPr>
+          <p:nvPr/>
+        </p:nvPicPr>
+        <p:blipFill rotWithShape="1">
+          <a:blip r:embed="rId4">
+            <a:extLst>
+              <a:ext uri="{28A0092B-C50C-407E-A947-70E740481C1C}">
+                <a14:useLocalDpi xmlns:a14="http://schemas.microsoft.com/office/drawing/2010/main" val="0"/>
+              </a:ext>
+            </a:extLst>
+          </a:blip>
+          <a:srcRect l="12500" r="12500"/>
+          <a:stretch/>
+        </p:blipFill>
+        <p:spPr bwMode="auto">
+          <a:xfrm>
+            <a:off x="5622418" y="6354774"/>
+            <a:ext cx="2205833" cy="2933862"/>
+          </a:xfrm>
+          <a:prstGeom prst="rect">
+            <a:avLst/>
+          </a:prstGeom>
+          <a:noFill/>
+          <a:extLst>
+            <a:ext uri="{909E8E84-426E-40DD-AFC4-6F175D3DCCD1}">
+              <a14:hiddenFill xmlns:a14="http://schemas.microsoft.com/office/drawing/2010/main">
+                <a:solidFill>
+                  <a:srgbClr val="FFFFFF"/>
+                </a:solidFill>
+              </a14:hiddenFill>
+            </a:ext>
+          </a:extLst>
+        </p:spPr>
+      </p:pic>
+      <p:pic>
+        <p:nvPicPr>
+          <p:cNvPr id="9220" name="Picture 4" descr="Image result for powershell icon">
+            <a:extLst>
+              <a:ext uri="{FF2B5EF4-FFF2-40B4-BE49-F238E27FC236}">
+                <a16:creationId xmlns:a16="http://schemas.microsoft.com/office/drawing/2014/main" id="{331E7F38-BC74-42EA-B8E4-2B8BC43527BD}"/>
+              </a:ext>
+            </a:extLst>
+          </p:cNvPr>
+          <p:cNvPicPr>
+            <a:picLocks noChangeAspect="1" noChangeArrowheads="1"/>
+          </p:cNvPicPr>
+          <p:nvPr/>
+        </p:nvPicPr>
+        <p:blipFill rotWithShape="1">
+          <a:blip r:embed="rId5">
+            <a:extLst>
+              <a:ext uri="{28A0092B-C50C-407E-A947-70E740481C1C}">
+                <a14:useLocalDpi xmlns:a14="http://schemas.microsoft.com/office/drawing/2010/main" val="0"/>
+              </a:ext>
+            </a:extLst>
+          </a:blip>
+          <a:srcRect t="12500" b="12500"/>
+          <a:stretch/>
+        </p:blipFill>
+        <p:spPr bwMode="auto">
+          <a:xfrm>
+            <a:off x="9004713" y="6819900"/>
+            <a:ext cx="2992708" cy="2239000"/>
+          </a:xfrm>
+          <a:prstGeom prst="rect">
+            <a:avLst/>
+          </a:prstGeom>
+          <a:noFill/>
+          <a:extLst>
+            <a:ext uri="{909E8E84-426E-40DD-AFC4-6F175D3DCCD1}">
+              <a14:hiddenFill xmlns:a14="http://schemas.microsoft.com/office/drawing/2010/main">
+                <a:solidFill>
+                  <a:srgbClr val="FFFFFF"/>
+                </a:solidFill>
+              </a14:hiddenFill>
+            </a:ext>
+          </a:extLst>
+        </p:spPr>
+      </p:pic>
+      <p:pic>
+        <p:nvPicPr>
+          <p:cNvPr id="9222" name="Picture 6" descr="Image result for visio icon">
+            <a:extLst>
+              <a:ext uri="{FF2B5EF4-FFF2-40B4-BE49-F238E27FC236}">
+                <a16:creationId xmlns:a16="http://schemas.microsoft.com/office/drawing/2014/main" id="{81B4AAE7-2B7E-4B39-8DF5-B262DF9E9AD3}"/>
+              </a:ext>
+            </a:extLst>
+          </p:cNvPr>
+          <p:cNvPicPr>
+            <a:picLocks noChangeAspect="1" noChangeArrowheads="1"/>
+          </p:cNvPicPr>
+          <p:nvPr/>
+        </p:nvPicPr>
+        <p:blipFill rotWithShape="1">
+          <a:blip r:embed="rId6">
+            <a:extLst>
+              <a:ext uri="{28A0092B-C50C-407E-A947-70E740481C1C}">
+                <a14:useLocalDpi xmlns:a14="http://schemas.microsoft.com/office/drawing/2010/main" val="0"/>
+              </a:ext>
+            </a:extLst>
+          </a:blip>
+          <a:srcRect l="6923" t="16400" r="5693" b="18000"/>
+          <a:stretch/>
+        </p:blipFill>
+        <p:spPr bwMode="auto">
+          <a:xfrm>
+            <a:off x="6016581" y="1257300"/>
+            <a:ext cx="5495231" cy="3165483"/>
+          </a:xfrm>
+          <a:prstGeom prst="rect">
+            <a:avLst/>
+          </a:prstGeom>
+          <a:noFill/>
+          <a:extLst>
+            <a:ext uri="{909E8E84-426E-40DD-AFC4-6F175D3DCCD1}">
+              <a14:hiddenFill xmlns:a14="http://schemas.microsoft.com/office/drawing/2010/main">
+                <a:solidFill>
+                  <a:srgbClr val="FFFFFF"/>
+                </a:solidFill>
+              </a14:hiddenFill>
+            </a:ext>
+          </a:extLst>
+        </p:spPr>
+      </p:pic>
+      <p:sp>
+        <p:nvSpPr>
+          <p:cNvPr id="8" name="TextBox 2">
+            <a:extLst>
+              <a:ext uri="{FF2B5EF4-FFF2-40B4-BE49-F238E27FC236}">
+                <a16:creationId xmlns:a16="http://schemas.microsoft.com/office/drawing/2014/main" id="{5DBCCE41-2CE9-49C4-90D6-00F2507C766C}"/>
+              </a:ext>
+            </a:extLst>
+          </p:cNvPr>
+          <p:cNvSpPr txBox="1"/>
+          <p:nvPr/>
+        </p:nvSpPr>
+        <p:spPr>
+          <a:xfrm>
+            <a:off x="8090782" y="7581900"/>
+            <a:ext cx="7142560" cy="1214179"/>
+          </a:xfrm>
+          <a:prstGeom prst="rect">
+            <a:avLst/>
+          </a:prstGeom>
+        </p:spPr>
+        <p:txBody>
+          <a:bodyPr lIns="0" tIns="0" rIns="0" bIns="0" rtlCol="0" anchor="t">
+            <a:spAutoFit/>
+          </a:bodyPr>
+          <a:lstStyle/>
+          <a:p>
+            <a:pPr>
+              <a:lnSpc>
+                <a:spcPts val="8400"/>
+              </a:lnSpc>
+              <a:spcBef>
+                <a:spcPct val="0"/>
+              </a:spcBef>
+            </a:pPr>
+            <a:r>
+              <a:rPr lang="en-US" sz="12000" b="1" spc="-126" dirty="0">
+                <a:solidFill>
+                  <a:srgbClr val="000000"/>
+                </a:solidFill>
+                <a:latin typeface="Barlow Medium"/>
+              </a:rPr>
+              <a:t>+</a:t>
+            </a:r>
+            <a:endParaRPr lang="en-US" sz="12000" b="1" spc="-126" dirty="0">
+              <a:solidFill>
+                <a:srgbClr val="5271FF"/>
+              </a:solidFill>
+              <a:latin typeface="Barlow Medium"/>
+            </a:endParaRPr>
+          </a:p>
+        </p:txBody>
+      </p:sp>
+      <p:sp>
+        <p:nvSpPr>
+          <p:cNvPr id="13" name="TextBox 12">
+            <a:extLst>
+              <a:ext uri="{FF2B5EF4-FFF2-40B4-BE49-F238E27FC236}">
+                <a16:creationId xmlns:a16="http://schemas.microsoft.com/office/drawing/2014/main" id="{D91BED42-0B01-4E2A-BDC1-01008C83901E}"/>
+              </a:ext>
+            </a:extLst>
+          </p:cNvPr>
+          <p:cNvSpPr txBox="1"/>
+          <p:nvPr/>
+        </p:nvSpPr>
+        <p:spPr>
+          <a:xfrm>
+            <a:off x="12782184" y="878984"/>
+            <a:ext cx="5505816" cy="4524315"/>
+          </a:xfrm>
+          <a:prstGeom prst="rect">
+            <a:avLst/>
+          </a:prstGeom>
+          <a:noFill/>
+        </p:spPr>
+        <p:txBody>
+          <a:bodyPr wrap="square" rtlCol="0">
+            <a:spAutoFit/>
+          </a:bodyPr>
+          <a:lstStyle/>
+          <a:p>
+            <a:pPr marL="285750" indent="-285750">
+              <a:buFont typeface="Arial" panose="020B0604020202020204" pitchFamily="34" charset="0"/>
+              <a:buChar char="•"/>
+            </a:pPr>
+            <a:r>
+              <a:rPr lang="en-US" sz="4800" b="1" dirty="0">
+                <a:latin typeface="Barlow Medium"/>
+              </a:rPr>
+              <a:t>Manual</a:t>
+            </a:r>
+          </a:p>
+          <a:p>
+            <a:pPr marL="285750" indent="-285750">
+              <a:buFont typeface="Arial" panose="020B0604020202020204" pitchFamily="34" charset="0"/>
+              <a:buChar char="•"/>
+            </a:pPr>
+            <a:r>
+              <a:rPr lang="en-US" sz="4800" b="1" dirty="0">
+                <a:latin typeface="Barlow Medium"/>
+              </a:rPr>
+              <a:t>Time consuming</a:t>
+            </a:r>
+          </a:p>
+          <a:p>
+            <a:pPr marL="285750" indent="-285750">
+              <a:buFont typeface="Arial" panose="020B0604020202020204" pitchFamily="34" charset="0"/>
+              <a:buChar char="•"/>
+            </a:pPr>
+            <a:r>
+              <a:rPr lang="en-US" sz="4800" b="1" dirty="0">
+                <a:latin typeface="Barlow Medium"/>
+              </a:rPr>
+              <a:t>Planning Phase</a:t>
+            </a:r>
+          </a:p>
+          <a:p>
+            <a:pPr marL="285750" indent="-285750">
+              <a:buFont typeface="Arial" panose="020B0604020202020204" pitchFamily="34" charset="0"/>
+              <a:buChar char="•"/>
+            </a:pPr>
+            <a:r>
+              <a:rPr lang="en-US" sz="4800" b="1" dirty="0">
+                <a:latin typeface="Barlow Medium"/>
+              </a:rPr>
+              <a:t>Non-Techies</a:t>
+            </a:r>
+          </a:p>
+          <a:p>
+            <a:pPr marL="285750" indent="-285750">
+              <a:buFont typeface="Arial" panose="020B0604020202020204" pitchFamily="34" charset="0"/>
+              <a:buChar char="•"/>
+            </a:pPr>
+            <a:r>
+              <a:rPr lang="en-US" sz="4800" b="1" dirty="0">
+                <a:latin typeface="Barlow Medium"/>
+              </a:rPr>
+              <a:t>More Control</a:t>
+            </a:r>
+          </a:p>
+          <a:p>
+            <a:endParaRPr lang="en-US" sz="4800" b="1" dirty="0"/>
+          </a:p>
+        </p:txBody>
+      </p:sp>
+      <p:sp>
+        <p:nvSpPr>
+          <p:cNvPr id="14" name="TextBox 13">
+            <a:extLst>
+              <a:ext uri="{FF2B5EF4-FFF2-40B4-BE49-F238E27FC236}">
+                <a16:creationId xmlns:a16="http://schemas.microsoft.com/office/drawing/2014/main" id="{2E160F6C-B8E5-43A1-BB74-13F1EA1B4020}"/>
+              </a:ext>
+            </a:extLst>
+          </p:cNvPr>
+          <p:cNvSpPr txBox="1"/>
+          <p:nvPr/>
+        </p:nvSpPr>
+        <p:spPr>
+          <a:xfrm>
+            <a:off x="12764978" y="5455135"/>
+            <a:ext cx="5142022" cy="5262979"/>
+          </a:xfrm>
+          <a:prstGeom prst="rect">
+            <a:avLst/>
+          </a:prstGeom>
+          <a:noFill/>
+        </p:spPr>
+        <p:txBody>
+          <a:bodyPr wrap="square" rtlCol="0">
+            <a:spAutoFit/>
+          </a:bodyPr>
+          <a:lstStyle/>
+          <a:p>
+            <a:pPr marL="285750" indent="-285750">
+              <a:buFont typeface="Arial" panose="020B0604020202020204" pitchFamily="34" charset="0"/>
+              <a:buChar char="•"/>
+            </a:pPr>
+            <a:r>
+              <a:rPr lang="en-US" sz="4800" b="1" dirty="0">
+                <a:latin typeface="Barlow Medium"/>
+              </a:rPr>
+              <a:t>Automated</a:t>
+            </a:r>
+          </a:p>
+          <a:p>
+            <a:pPr marL="285750" indent="-285750">
+              <a:buFont typeface="Arial" panose="020B0604020202020204" pitchFamily="34" charset="0"/>
+              <a:buChar char="•"/>
+            </a:pPr>
+            <a:r>
+              <a:rPr lang="en-US" sz="4800" b="1" dirty="0">
+                <a:latin typeface="Barlow Medium"/>
+              </a:rPr>
+              <a:t>Maintainable</a:t>
+            </a:r>
+          </a:p>
+          <a:p>
+            <a:pPr marL="285750" indent="-285750">
+              <a:buFont typeface="Arial" panose="020B0604020202020204" pitchFamily="34" charset="0"/>
+              <a:buChar char="•"/>
+            </a:pPr>
+            <a:r>
+              <a:rPr lang="en-US" sz="4800" b="1" dirty="0">
+                <a:latin typeface="Barlow Medium"/>
+              </a:rPr>
+              <a:t>Live Infrastructure</a:t>
+            </a:r>
+          </a:p>
+          <a:p>
+            <a:pPr marL="285750" indent="-285750">
+              <a:buFont typeface="Arial" panose="020B0604020202020204" pitchFamily="34" charset="0"/>
+              <a:buChar char="•"/>
+            </a:pPr>
+            <a:r>
+              <a:rPr lang="en-US" sz="4800" b="1" dirty="0">
+                <a:latin typeface="Barlow Medium"/>
+              </a:rPr>
+              <a:t>Engineers &amp; </a:t>
+            </a:r>
+            <a:r>
+              <a:rPr lang="en-US" sz="4800" b="1" dirty="0" err="1">
+                <a:latin typeface="Barlow Medium"/>
+              </a:rPr>
+              <a:t>Devs</a:t>
+            </a:r>
+            <a:endParaRPr lang="en-US" sz="4800" b="1" dirty="0">
+              <a:latin typeface="Barlow Medium"/>
+            </a:endParaRPr>
+          </a:p>
+          <a:p>
+            <a:pPr marL="285750" indent="-285750">
+              <a:buFont typeface="Arial" panose="020B0604020202020204" pitchFamily="34" charset="0"/>
+              <a:buChar char="•"/>
+            </a:pPr>
+            <a:r>
+              <a:rPr lang="en-US" sz="4800" b="1" dirty="0">
+                <a:latin typeface="Barlow Medium"/>
+              </a:rPr>
+              <a:t>Asset while troubleshooting</a:t>
+            </a:r>
+          </a:p>
+          <a:p>
+            <a:endParaRPr lang="en-US" sz="4800" b="1" dirty="0"/>
+          </a:p>
+        </p:txBody>
+      </p:sp>
+    </p:spTree>
+    <p:extLst>
+      <p:ext uri="{BB962C8B-B14F-4D97-AF65-F5344CB8AC3E}">
+        <p14:creationId xmlns:p14="http://schemas.microsoft.com/office/powerpoint/2010/main" val="2819432444"/>
+      </p:ext>
+    </p:extLst>
+  </p:cSld>
+  <p:clrMapOvr>
+    <a:masterClrMapping/>
+  </p:clrMapOvr>
+  <p:timing>
+    <p:tnLst>
+      <p:par>
+        <p:cTn id="1" dur="indefinite" restart="never" nodeType="tmRoot">
+          <p:childTnLst>
+            <p:seq concurrent="1" nextAc="seek">
+              <p:cTn id="2" dur="indefinite" nodeType="mainSeq">
+                <p:childTnLst>
+                  <p:par>
+                    <p:cTn id="3" fill="hold">
+                      <p:stCondLst>
+                        <p:cond delay="indefinite"/>
+                      </p:stCondLst>
+                      <p:childTnLst>
+                        <p:par>
+                          <p:cTn id="4" fill="hold">
+                            <p:stCondLst>
+                              <p:cond delay="0"/>
+                            </p:stCondLst>
+                            <p:childTnLst>
+                              <p:par>
+                                <p:cTn id="5" presetID="1" presetClass="entr" presetSubtype="0" fill="hold" nodeType="clickEffect">
+                                  <p:stCondLst>
+                                    <p:cond delay="0"/>
+                                  </p:stCondLst>
+                                  <p:childTnLst>
+                                    <p:set>
+                                      <p:cBhvr>
+                                        <p:cTn id="6" dur="1" fill="hold">
+                                          <p:stCondLst>
+                                            <p:cond delay="0"/>
+                                          </p:stCondLst>
+                                        </p:cTn>
+                                        <p:tgtEl>
+                                          <p:spTgt spid="13">
+                                            <p:txEl>
+                                              <p:pRg st="0" end="0"/>
+                                            </p:txEl>
+                                          </p:spTgt>
+                                        </p:tgtEl>
+                                        <p:attrNameLst>
+                                          <p:attrName>style.visibility</p:attrName>
+                                        </p:attrNameLst>
+                                      </p:cBhvr>
+                                      <p:to>
+                                        <p:strVal val="visible"/>
+                                      </p:to>
+                                    </p:set>
+                                  </p:childTnLst>
+                                </p:cTn>
+                              </p:par>
+                            </p:childTnLst>
+                          </p:cTn>
+                        </p:par>
+                      </p:childTnLst>
+                    </p:cTn>
+                  </p:par>
+                  <p:par>
+                    <p:cTn id="7" fill="hold">
+                      <p:stCondLst>
+                        <p:cond delay="indefinite"/>
+                      </p:stCondLst>
+                      <p:childTnLst>
+                        <p:par>
+                          <p:cTn id="8" fill="hold">
+                            <p:stCondLst>
+                              <p:cond delay="0"/>
+                            </p:stCondLst>
+                            <p:childTnLst>
+                              <p:par>
+                                <p:cTn id="9" presetID="1" presetClass="entr" presetSubtype="0" fill="hold" nodeType="clickEffect">
+                                  <p:stCondLst>
+                                    <p:cond delay="0"/>
+                                  </p:stCondLst>
+                                  <p:childTnLst>
+                                    <p:set>
+                                      <p:cBhvr>
+                                        <p:cTn id="10" dur="1" fill="hold">
+                                          <p:stCondLst>
+                                            <p:cond delay="0"/>
+                                          </p:stCondLst>
+                                        </p:cTn>
+                                        <p:tgtEl>
+                                          <p:spTgt spid="14">
+                                            <p:txEl>
+                                              <p:pRg st="0" end="0"/>
+                                            </p:txEl>
+                                          </p:spTgt>
+                                        </p:tgtEl>
+                                        <p:attrNameLst>
+                                          <p:attrName>style.visibility</p:attrName>
+                                        </p:attrNameLst>
+                                      </p:cBhvr>
+                                      <p:to>
+                                        <p:strVal val="visible"/>
+                                      </p:to>
+                                    </p:set>
+                                  </p:childTnLst>
+                                </p:cTn>
+                              </p:par>
+                            </p:childTnLst>
+                          </p:cTn>
+                        </p:par>
+                      </p:childTnLst>
+                    </p:cTn>
+                  </p:par>
+                  <p:par>
+                    <p:cTn id="11" fill="hold">
+                      <p:stCondLst>
+                        <p:cond delay="indefinite"/>
+                      </p:stCondLst>
+                      <p:childTnLst>
+                        <p:par>
+                          <p:cTn id="12" fill="hold">
+                            <p:stCondLst>
+                              <p:cond delay="0"/>
+                            </p:stCondLst>
+                            <p:childTnLst>
+                              <p:par>
+                                <p:cTn id="13" presetID="1" presetClass="entr" presetSubtype="0" fill="hold" nodeType="clickEffect">
+                                  <p:stCondLst>
+                                    <p:cond delay="0"/>
+                                  </p:stCondLst>
+                                  <p:childTnLst>
+                                    <p:set>
+                                      <p:cBhvr>
+                                        <p:cTn id="14" dur="1" fill="hold">
+                                          <p:stCondLst>
+                                            <p:cond delay="0"/>
+                                          </p:stCondLst>
+                                        </p:cTn>
+                                        <p:tgtEl>
+                                          <p:spTgt spid="13">
+                                            <p:txEl>
+                                              <p:pRg st="1" end="1"/>
+                                            </p:txEl>
+                                          </p:spTgt>
+                                        </p:tgtEl>
+                                        <p:attrNameLst>
+                                          <p:attrName>style.visibility</p:attrName>
+                                        </p:attrNameLst>
+                                      </p:cBhvr>
+                                      <p:to>
+                                        <p:strVal val="visible"/>
+                                      </p:to>
+                                    </p:set>
+                                  </p:childTnLst>
+                                </p:cTn>
+                              </p:par>
+                            </p:childTnLst>
+                          </p:cTn>
+                        </p:par>
+                      </p:childTnLst>
+                    </p:cTn>
+                  </p:par>
+                  <p:par>
+                    <p:cTn id="15" fill="hold">
+                      <p:stCondLst>
+                        <p:cond delay="indefinite"/>
+                      </p:stCondLst>
+                      <p:childTnLst>
+                        <p:par>
+                          <p:cTn id="16" fill="hold">
+                            <p:stCondLst>
+                              <p:cond delay="0"/>
+                            </p:stCondLst>
+                            <p:childTnLst>
+                              <p:par>
+                                <p:cTn id="17" presetID="1" presetClass="entr" presetSubtype="0" fill="hold" nodeType="clickEffect">
+                                  <p:stCondLst>
+                                    <p:cond delay="0"/>
+                                  </p:stCondLst>
+                                  <p:childTnLst>
+                                    <p:set>
+                                      <p:cBhvr>
+                                        <p:cTn id="18" dur="1" fill="hold">
+                                          <p:stCondLst>
+                                            <p:cond delay="0"/>
+                                          </p:stCondLst>
+                                        </p:cTn>
+                                        <p:tgtEl>
+                                          <p:spTgt spid="14">
+                                            <p:txEl>
+                                              <p:pRg st="1" end="1"/>
+                                            </p:txEl>
+                                          </p:spTgt>
+                                        </p:tgtEl>
+                                        <p:attrNameLst>
+                                          <p:attrName>style.visibility</p:attrName>
+                                        </p:attrNameLst>
+                                      </p:cBhvr>
+                                      <p:to>
+                                        <p:strVal val="visible"/>
+                                      </p:to>
+                                    </p:set>
+                                  </p:childTnLst>
+                                </p:cTn>
+                              </p:par>
+                            </p:childTnLst>
+                          </p:cTn>
+                        </p:par>
+                      </p:childTnLst>
+                    </p:cTn>
+                  </p:par>
+                  <p:par>
+                    <p:cTn id="19" fill="hold">
+                      <p:stCondLst>
+                        <p:cond delay="indefinite"/>
+                      </p:stCondLst>
+                      <p:childTnLst>
+                        <p:par>
+                          <p:cTn id="20" fill="hold">
+                            <p:stCondLst>
+                              <p:cond delay="0"/>
+                            </p:stCondLst>
+                            <p:childTnLst>
+                              <p:par>
+                                <p:cTn id="21" presetID="1" presetClass="entr" presetSubtype="0" fill="hold" nodeType="clickEffect">
+                                  <p:stCondLst>
+                                    <p:cond delay="0"/>
+                                  </p:stCondLst>
+                                  <p:childTnLst>
+                                    <p:set>
+                                      <p:cBhvr>
+                                        <p:cTn id="22" dur="1" fill="hold">
+                                          <p:stCondLst>
+                                            <p:cond delay="0"/>
+                                          </p:stCondLst>
+                                        </p:cTn>
+                                        <p:tgtEl>
+                                          <p:spTgt spid="13">
+                                            <p:txEl>
+                                              <p:pRg st="2" end="2"/>
+                                            </p:txEl>
+                                          </p:spTgt>
+                                        </p:tgtEl>
+                                        <p:attrNameLst>
+                                          <p:attrName>style.visibility</p:attrName>
+                                        </p:attrNameLst>
+                                      </p:cBhvr>
+                                      <p:to>
+                                        <p:strVal val="visible"/>
+                                      </p:to>
+                                    </p:set>
+                                  </p:childTnLst>
+                                </p:cTn>
+                              </p:par>
+                            </p:childTnLst>
+                          </p:cTn>
+                        </p:par>
+                      </p:childTnLst>
+                    </p:cTn>
+                  </p:par>
+                  <p:par>
+                    <p:cTn id="23" fill="hold">
+                      <p:stCondLst>
+                        <p:cond delay="indefinite"/>
+                      </p:stCondLst>
+                      <p:childTnLst>
+                        <p:par>
+                          <p:cTn id="24" fill="hold">
+                            <p:stCondLst>
+                              <p:cond delay="0"/>
+                            </p:stCondLst>
+                            <p:childTnLst>
+                              <p:par>
+                                <p:cTn id="25" presetID="1" presetClass="entr" presetSubtype="0" fill="hold" nodeType="clickEffect">
+                                  <p:stCondLst>
+                                    <p:cond delay="0"/>
+                                  </p:stCondLst>
+                                  <p:childTnLst>
+                                    <p:set>
+                                      <p:cBhvr>
+                                        <p:cTn id="26" dur="1" fill="hold">
+                                          <p:stCondLst>
+                                            <p:cond delay="0"/>
+                                          </p:stCondLst>
+                                        </p:cTn>
+                                        <p:tgtEl>
+                                          <p:spTgt spid="14">
+                                            <p:txEl>
+                                              <p:pRg st="2" end="2"/>
+                                            </p:txEl>
+                                          </p:spTgt>
+                                        </p:tgtEl>
+                                        <p:attrNameLst>
+                                          <p:attrName>style.visibility</p:attrName>
+                                        </p:attrNameLst>
+                                      </p:cBhvr>
+                                      <p:to>
+                                        <p:strVal val="visible"/>
+                                      </p:to>
+                                    </p:set>
+                                  </p:childTnLst>
+                                </p:cTn>
+                              </p:par>
+                            </p:childTnLst>
+                          </p:cTn>
+                        </p:par>
+                      </p:childTnLst>
+                    </p:cTn>
+                  </p:par>
+                  <p:par>
+                    <p:cTn id="27" fill="hold">
+                      <p:stCondLst>
+                        <p:cond delay="indefinite"/>
+                      </p:stCondLst>
+                      <p:childTnLst>
+                        <p:par>
+                          <p:cTn id="28" fill="hold">
+                            <p:stCondLst>
+                              <p:cond delay="0"/>
+                            </p:stCondLst>
+                            <p:childTnLst>
+                              <p:par>
+                                <p:cTn id="29" presetID="1" presetClass="entr" presetSubtype="0" fill="hold" nodeType="clickEffect">
+                                  <p:stCondLst>
+                                    <p:cond delay="0"/>
+                                  </p:stCondLst>
+                                  <p:childTnLst>
+                                    <p:set>
+                                      <p:cBhvr>
+                                        <p:cTn id="30" dur="1" fill="hold">
+                                          <p:stCondLst>
+                                            <p:cond delay="0"/>
+                                          </p:stCondLst>
+                                        </p:cTn>
+                                        <p:tgtEl>
+                                          <p:spTgt spid="13">
+                                            <p:txEl>
+                                              <p:pRg st="3" end="3"/>
+                                            </p:txEl>
+                                          </p:spTgt>
+                                        </p:tgtEl>
+                                        <p:attrNameLst>
+                                          <p:attrName>style.visibility</p:attrName>
+                                        </p:attrNameLst>
+                                      </p:cBhvr>
+                                      <p:to>
+                                        <p:strVal val="visible"/>
+                                      </p:to>
+                                    </p:set>
+                                  </p:childTnLst>
+                                </p:cTn>
+                              </p:par>
+                            </p:childTnLst>
+                          </p:cTn>
+                        </p:par>
+                      </p:childTnLst>
+                    </p:cTn>
+                  </p:par>
+                  <p:par>
+                    <p:cTn id="31" fill="hold">
+                      <p:stCondLst>
+                        <p:cond delay="indefinite"/>
+                      </p:stCondLst>
+                      <p:childTnLst>
+                        <p:par>
+                          <p:cTn id="32" fill="hold">
+                            <p:stCondLst>
+                              <p:cond delay="0"/>
+                            </p:stCondLst>
+                            <p:childTnLst>
+                              <p:par>
+                                <p:cTn id="33" presetID="1" presetClass="entr" presetSubtype="0" fill="hold" nodeType="clickEffect">
+                                  <p:stCondLst>
+                                    <p:cond delay="0"/>
+                                  </p:stCondLst>
+                                  <p:childTnLst>
+                                    <p:set>
+                                      <p:cBhvr>
+                                        <p:cTn id="34" dur="1" fill="hold">
+                                          <p:stCondLst>
+                                            <p:cond delay="0"/>
+                                          </p:stCondLst>
+                                        </p:cTn>
+                                        <p:tgtEl>
+                                          <p:spTgt spid="14">
+                                            <p:txEl>
+                                              <p:pRg st="3" end="3"/>
+                                            </p:txEl>
+                                          </p:spTgt>
+                                        </p:tgtEl>
+                                        <p:attrNameLst>
+                                          <p:attrName>style.visibility</p:attrName>
+                                        </p:attrNameLst>
+                                      </p:cBhvr>
+                                      <p:to>
+                                        <p:strVal val="visible"/>
+                                      </p:to>
+                                    </p:set>
+                                  </p:childTnLst>
+                                </p:cTn>
+                              </p:par>
+                            </p:childTnLst>
+                          </p:cTn>
+                        </p:par>
+                      </p:childTnLst>
+                    </p:cTn>
+                  </p:par>
+                  <p:par>
+                    <p:cTn id="35" fill="hold">
+                      <p:stCondLst>
+                        <p:cond delay="indefinite"/>
+                      </p:stCondLst>
+                      <p:childTnLst>
+                        <p:par>
+                          <p:cTn id="36" fill="hold">
+                            <p:stCondLst>
+                              <p:cond delay="0"/>
+                            </p:stCondLst>
+                            <p:childTnLst>
+                              <p:par>
+                                <p:cTn id="37" presetID="1" presetClass="entr" presetSubtype="0" fill="hold" nodeType="clickEffect">
+                                  <p:stCondLst>
+                                    <p:cond delay="0"/>
+                                  </p:stCondLst>
+                                  <p:childTnLst>
+                                    <p:set>
+                                      <p:cBhvr>
+                                        <p:cTn id="38" dur="1" fill="hold">
+                                          <p:stCondLst>
+                                            <p:cond delay="0"/>
+                                          </p:stCondLst>
+                                        </p:cTn>
+                                        <p:tgtEl>
+                                          <p:spTgt spid="13">
+                                            <p:txEl>
+                                              <p:pRg st="4" end="4"/>
+                                            </p:txEl>
+                                          </p:spTgt>
+                                        </p:tgtEl>
+                                        <p:attrNameLst>
+                                          <p:attrName>style.visibility</p:attrName>
+                                        </p:attrNameLst>
+                                      </p:cBhvr>
+                                      <p:to>
+                                        <p:strVal val="visible"/>
+                                      </p:to>
+                                    </p:set>
+                                  </p:childTnLst>
+                                </p:cTn>
+                              </p:par>
+                            </p:childTnLst>
+                          </p:cTn>
+                        </p:par>
+                      </p:childTnLst>
+                    </p:cTn>
+                  </p:par>
+                  <p:par>
+                    <p:cTn id="39" fill="hold">
+                      <p:stCondLst>
+                        <p:cond delay="indefinite"/>
+                      </p:stCondLst>
+                      <p:childTnLst>
+                        <p:par>
+                          <p:cTn id="40" fill="hold">
+                            <p:stCondLst>
+                              <p:cond delay="0"/>
+                            </p:stCondLst>
+                            <p:childTnLst>
+                              <p:par>
+                                <p:cTn id="41" presetID="1" presetClass="entr" presetSubtype="0" fill="hold" nodeType="clickEffect">
+                                  <p:stCondLst>
+                                    <p:cond delay="0"/>
+                                  </p:stCondLst>
+                                  <p:childTnLst>
+                                    <p:set>
+                                      <p:cBhvr>
+                                        <p:cTn id="42" dur="1" fill="hold">
+                                          <p:stCondLst>
+                                            <p:cond delay="0"/>
+                                          </p:stCondLst>
+                                        </p:cTn>
+                                        <p:tgtEl>
+                                          <p:spTgt spid="14">
+                                            <p:txEl>
+                                              <p:pRg st="4" end="4"/>
+                                            </p:txEl>
+                                          </p:spTgt>
+                                        </p:tgtEl>
+                                        <p:attrNameLst>
+                                          <p:attrName>style.visibility</p:attrName>
+                                        </p:attrNameLst>
+                                      </p:cBhvr>
+                                      <p:to>
+                                        <p:strVal val="visible"/>
+                                      </p:to>
+                                    </p:set>
+                                  </p:childTnLst>
+                                </p:cTn>
+                              </p:par>
+                            </p:childTnLst>
+                          </p:cTn>
+                        </p:par>
+                      </p:childTnLst>
+                    </p:cTn>
+                  </p:par>
+                </p:childTnLst>
+              </p:cTn>
+              <p:prevCondLst>
+                <p:cond evt="onPrev" delay="0">
+                  <p:tgtEl>
+                    <p:sldTgt/>
+                  </p:tgtEl>
+                </p:cond>
+              </p:prevCondLst>
+              <p:nextCondLst>
+                <p:cond evt="onNext" delay="0">
+                  <p:tgtEl>
+                    <p:sldTgt/>
+                  </p:tgtEl>
+                </p:cond>
+              </p:nextCondLst>
+            </p:seq>
+          </p:childTnLst>
+        </p:cTn>
+      </p:par>
+    </p:tnLst>
+  </p:timing>
+</p:sld>
+</file>
+
+<file path=ppt/slides/slide11.xml><?xml version="1.0" encoding="utf-8"?>
+<p:sld xmlns:a="http://schemas.openxmlformats.org/drawingml/2006/main" xmlns:r="http://schemas.openxmlformats.org/officeDocument/2006/relationships" xmlns:p="http://schemas.openxmlformats.org/presentationml/2006/main">
+  <p:cSld>
+    <p:bg>
+      <p:bgPr>
+        <a:blipFill dpi="0" rotWithShape="1">
+          <a:blip r:embed="rId2">
+            <a:lum/>
+          </a:blip>
+          <a:srcRect/>
+          <a:stretch>
+            <a:fillRect/>
+          </a:stretch>
+        </a:blipFill>
+        <a:effectLst/>
+      </p:bgPr>
+    </p:bg>
+    <p:spTree>
+      <p:nvGrpSpPr>
+        <p:cNvPr id="1" name=""/>
+        <p:cNvGrpSpPr/>
+        <p:nvPr/>
+      </p:nvGrpSpPr>
+      <p:grpSpPr>
+        <a:xfrm>
+          <a:off x="0" y="0"/>
+          <a:ext cx="0" cy="0"/>
+          <a:chOff x="0" y="0"/>
+          <a:chExt cx="0" cy="0"/>
+        </a:xfrm>
+      </p:grpSpPr>
       <p:sp>
         <p:nvSpPr>
           <p:cNvPr id="2" name="TextBox 2"/>
@@ -3929,7 +4922,7 @@
 </p:sld>
 </file>
 
-<file path=ppt/slides/slide11.xml><?xml version="1.0" encoding="utf-8"?>
+<file path=ppt/slides/slide12.xml><?xml version="1.0" encoding="utf-8"?>
 <p:sld xmlns:a="http://schemas.openxmlformats.org/drawingml/2006/main" xmlns:r="http://schemas.openxmlformats.org/officeDocument/2006/relationships" xmlns:p="http://schemas.openxmlformats.org/presentationml/2006/main">
   <p:cSld>
     <p:spTree>
@@ -4004,119 +4997,6 @@
 </p:sld>
 </file>
 
-<file path=ppt/slides/slide12.xml><?xml version="1.0" encoding="utf-8"?>
-<p:sld xmlns:a="http://schemas.openxmlformats.org/drawingml/2006/main" xmlns:r="http://schemas.openxmlformats.org/officeDocument/2006/relationships" xmlns:p="http://schemas.openxmlformats.org/presentationml/2006/main">
-  <p:cSld>
-    <p:spTree>
-      <p:nvGrpSpPr>
-        <p:cNvPr id="1" name=""/>
-        <p:cNvGrpSpPr/>
-        <p:nvPr/>
-      </p:nvGrpSpPr>
-      <p:grpSpPr>
-        <a:xfrm>
-          <a:off x="0" y="0"/>
-          <a:ext cx="0" cy="0"/>
-          <a:chOff x="0" y="0"/>
-          <a:chExt cx="0" cy="0"/>
-        </a:xfrm>
-      </p:grpSpPr>
-      <p:sp>
-        <p:nvSpPr>
-          <p:cNvPr id="3" name="TextBox 2">
-            <a:extLst>
-              <a:ext uri="{FF2B5EF4-FFF2-40B4-BE49-F238E27FC236}">
-                <a16:creationId xmlns:a16="http://schemas.microsoft.com/office/drawing/2014/main" id="{C715CFEE-4ED2-4F50-82E0-28DCD7D3614C}"/>
-              </a:ext>
-            </a:extLst>
-          </p:cNvPr>
-          <p:cNvSpPr txBox="1"/>
-          <p:nvPr/>
-        </p:nvSpPr>
-        <p:spPr>
-          <a:xfrm>
-            <a:off x="3865418" y="2925200"/>
-            <a:ext cx="10557164" cy="4436599"/>
-          </a:xfrm>
-          <a:prstGeom prst="rect">
-            <a:avLst/>
-          </a:prstGeom>
-          <a:noFill/>
-        </p:spPr>
-        <p:txBody>
-          <a:bodyPr wrap="square" rtlCol="0">
-            <a:spAutoFit/>
-          </a:bodyPr>
-          <a:lstStyle/>
-          <a:p>
-            <a:pPr algn="ctr">
-              <a:lnSpc>
-                <a:spcPts val="8400"/>
-              </a:lnSpc>
-              <a:spcBef>
-                <a:spcPct val="0"/>
-              </a:spcBef>
-            </a:pPr>
-            <a:r>
-              <a:rPr lang="en-US" sz="9000" b="1" spc="-126" dirty="0">
-                <a:latin typeface="Barlow Medium"/>
-              </a:rPr>
-              <a:t>DEMO – 1</a:t>
-            </a:r>
-            <a:br>
-              <a:rPr lang="en-US" sz="9000" b="1" spc="-126" dirty="0">
-                <a:latin typeface="Barlow Medium"/>
-              </a:rPr>
-            </a:br>
-            <a:br>
-              <a:rPr lang="en-US" sz="9000" b="1" spc="-126" dirty="0">
-                <a:latin typeface="Barlow Medium"/>
-              </a:rPr>
-            </a:br>
-            <a:r>
-              <a:rPr lang="en-US" sz="9000" b="1" spc="-126" dirty="0">
-                <a:latin typeface="Barlow Medium"/>
-              </a:rPr>
-              <a:t>Getting Started with </a:t>
-            </a:r>
-          </a:p>
-          <a:p>
-            <a:pPr algn="ctr">
-              <a:lnSpc>
-                <a:spcPts val="8400"/>
-              </a:lnSpc>
-              <a:spcBef>
-                <a:spcPct val="0"/>
-              </a:spcBef>
-            </a:pPr>
-            <a:r>
-              <a:rPr lang="en-US" sz="9000" b="1" spc="-126" dirty="0" err="1">
-                <a:latin typeface="Barlow Medium"/>
-              </a:rPr>
-              <a:t>PSGraph</a:t>
-            </a:r>
-            <a:r>
-              <a:rPr lang="en-US" sz="9000" b="1" spc="-126" dirty="0">
-                <a:latin typeface="Barlow Medium"/>
-              </a:rPr>
-              <a:t> Module</a:t>
-            </a:r>
-          </a:p>
-        </p:txBody>
-      </p:sp>
-    </p:spTree>
-    <p:extLst>
-      <p:ext uri="{BB962C8B-B14F-4D97-AF65-F5344CB8AC3E}">
-        <p14:creationId xmlns:p14="http://schemas.microsoft.com/office/powerpoint/2010/main" val="1571036666"/>
-      </p:ext>
-    </p:extLst>
-  </p:cSld>
-  <p:clrMapOvr>
-    <a:masterClrMapping/>
-  </p:clrMapOvr>
-</p:sld>
-</file>
-
 <file path=ppt/slides/slide13.xml><?xml version="1.0" encoding="utf-8"?>
 <p:sld xmlns:a="http://schemas.openxmlformats.org/drawingml/2006/main" xmlns:r="http://schemas.openxmlformats.org/officeDocument/2006/relationships" xmlns:p="http://schemas.openxmlformats.org/presentationml/2006/main">
   <p:cSld>
@@ -4149,6 +5029,119 @@
         <p:spPr>
           <a:xfrm>
             <a:off x="3865418" y="2925200"/>
+            <a:ext cx="10557164" cy="4436599"/>
+          </a:xfrm>
+          <a:prstGeom prst="rect">
+            <a:avLst/>
+          </a:prstGeom>
+          <a:noFill/>
+        </p:spPr>
+        <p:txBody>
+          <a:bodyPr wrap="square" rtlCol="0">
+            <a:spAutoFit/>
+          </a:bodyPr>
+          <a:lstStyle/>
+          <a:p>
+            <a:pPr algn="ctr">
+              <a:lnSpc>
+                <a:spcPts val="8400"/>
+              </a:lnSpc>
+              <a:spcBef>
+                <a:spcPct val="0"/>
+              </a:spcBef>
+            </a:pPr>
+            <a:r>
+              <a:rPr lang="en-US" sz="9000" b="1" spc="-126" dirty="0">
+                <a:latin typeface="Barlow Medium"/>
+              </a:rPr>
+              <a:t>DEMO – 1</a:t>
+            </a:r>
+            <a:br>
+              <a:rPr lang="en-US" sz="9000" b="1" spc="-126" dirty="0">
+                <a:latin typeface="Barlow Medium"/>
+              </a:rPr>
+            </a:br>
+            <a:br>
+              <a:rPr lang="en-US" sz="9000" b="1" spc="-126" dirty="0">
+                <a:latin typeface="Barlow Medium"/>
+              </a:rPr>
+            </a:br>
+            <a:r>
+              <a:rPr lang="en-US" sz="9000" b="1" spc="-126" dirty="0">
+                <a:latin typeface="Barlow Medium"/>
+              </a:rPr>
+              <a:t>Getting Started with </a:t>
+            </a:r>
+          </a:p>
+          <a:p>
+            <a:pPr algn="ctr">
+              <a:lnSpc>
+                <a:spcPts val="8400"/>
+              </a:lnSpc>
+              <a:spcBef>
+                <a:spcPct val="0"/>
+              </a:spcBef>
+            </a:pPr>
+            <a:r>
+              <a:rPr lang="en-US" sz="9000" b="1" spc="-126" dirty="0" err="1">
+                <a:latin typeface="Barlow Medium"/>
+              </a:rPr>
+              <a:t>PSGraph</a:t>
+            </a:r>
+            <a:r>
+              <a:rPr lang="en-US" sz="9000" b="1" spc="-126" dirty="0">
+                <a:latin typeface="Barlow Medium"/>
+              </a:rPr>
+              <a:t> Module</a:t>
+            </a:r>
+          </a:p>
+        </p:txBody>
+      </p:sp>
+    </p:spTree>
+    <p:extLst>
+      <p:ext uri="{BB962C8B-B14F-4D97-AF65-F5344CB8AC3E}">
+        <p14:creationId xmlns:p14="http://schemas.microsoft.com/office/powerpoint/2010/main" val="1571036666"/>
+      </p:ext>
+    </p:extLst>
+  </p:cSld>
+  <p:clrMapOvr>
+    <a:masterClrMapping/>
+  </p:clrMapOvr>
+</p:sld>
+</file>
+
+<file path=ppt/slides/slide14.xml><?xml version="1.0" encoding="utf-8"?>
+<p:sld xmlns:a="http://schemas.openxmlformats.org/drawingml/2006/main" xmlns:r="http://schemas.openxmlformats.org/officeDocument/2006/relationships" xmlns:p="http://schemas.openxmlformats.org/presentationml/2006/main">
+  <p:cSld>
+    <p:spTree>
+      <p:nvGrpSpPr>
+        <p:cNvPr id="1" name=""/>
+        <p:cNvGrpSpPr/>
+        <p:nvPr/>
+      </p:nvGrpSpPr>
+      <p:grpSpPr>
+        <a:xfrm>
+          <a:off x="0" y="0"/>
+          <a:ext cx="0" cy="0"/>
+          <a:chOff x="0" y="0"/>
+          <a:chExt cx="0" cy="0"/>
+        </a:xfrm>
+      </p:grpSpPr>
+      <p:sp>
+        <p:nvSpPr>
+          <p:cNvPr id="3" name="TextBox 2">
+            <a:extLst>
+              <a:ext uri="{FF2B5EF4-FFF2-40B4-BE49-F238E27FC236}">
+                <a16:creationId xmlns:a16="http://schemas.microsoft.com/office/drawing/2014/main" id="{C715CFEE-4ED2-4F50-82E0-28DCD7D3614C}"/>
+              </a:ext>
+            </a:extLst>
+          </p:cNvPr>
+          <p:cNvSpPr txBox="1"/>
+          <p:nvPr/>
+        </p:nvSpPr>
+        <p:spPr>
+          <a:xfrm>
+            <a:off x="3865418" y="2925200"/>
             <a:ext cx="10557164" cy="3359381"/>
           </a:xfrm>
           <a:prstGeom prst="rect">
@@ -4208,7 +5201,7 @@
 </p:sld>
 </file>
 
-<file path=ppt/slides/slide14.xml><?xml version="1.0" encoding="utf-8"?>
+<file path=ppt/slides/slide15.xml><?xml version="1.0" encoding="utf-8"?>
 <p:sld xmlns:a="http://schemas.openxmlformats.org/drawingml/2006/main" xmlns:r="http://schemas.openxmlformats.org/officeDocument/2006/relationships" xmlns:p="http://schemas.openxmlformats.org/presentationml/2006/main">
   <p:cSld>
     <p:spTree>
@@ -4694,7 +5687,7 @@
 </p:sld>
 </file>
 
-<file path=ppt/slides/slide15.xml><?xml version="1.0" encoding="utf-8"?>
+<file path=ppt/slides/slide16.xml><?xml version="1.0" encoding="utf-8"?>
 <p:sld xmlns:a="http://schemas.openxmlformats.org/drawingml/2006/main" xmlns:r="http://schemas.openxmlformats.org/officeDocument/2006/relationships" xmlns:p="http://schemas.openxmlformats.org/presentationml/2006/main">
   <p:cSld>
     <p:bg>
@@ -5757,6 +6750,337 @@
 </file>
 
 <file path=ppt/slides/slide3.xml><?xml version="1.0" encoding="utf-8"?>
+<p:sld xmlns:a="http://schemas.openxmlformats.org/drawingml/2006/main" xmlns:r="http://schemas.openxmlformats.org/officeDocument/2006/relationships" xmlns:p="http://schemas.openxmlformats.org/presentationml/2006/main">
+  <p:cSld>
+    <p:spTree>
+      <p:nvGrpSpPr>
+        <p:cNvPr id="1" name=""/>
+        <p:cNvGrpSpPr/>
+        <p:nvPr/>
+      </p:nvGrpSpPr>
+      <p:grpSpPr>
+        <a:xfrm>
+          <a:off x="0" y="0"/>
+          <a:ext cx="0" cy="0"/>
+          <a:chOff x="0" y="0"/>
+          <a:chExt cx="0" cy="0"/>
+        </a:xfrm>
+      </p:grpSpPr>
+      <p:pic>
+        <p:nvPicPr>
+          <p:cNvPr id="11" name="Picture 10">
+            <a:extLst>
+              <a:ext uri="{FF2B5EF4-FFF2-40B4-BE49-F238E27FC236}">
+                <a16:creationId xmlns:a16="http://schemas.microsoft.com/office/drawing/2014/main" id="{C3E0AB81-2457-454A-A781-B0D2E263722B}"/>
+              </a:ext>
+            </a:extLst>
+          </p:cNvPr>
+          <p:cNvPicPr>
+            <a:picLocks noChangeAspect="1"/>
+          </p:cNvPicPr>
+          <p:nvPr/>
+        </p:nvPicPr>
+        <p:blipFill>
+          <a:blip r:embed="rId2">
+            <a:extLst>
+              <a:ext uri="{28A0092B-C50C-407E-A947-70E740481C1C}">
+                <a14:useLocalDpi xmlns:a14="http://schemas.microsoft.com/office/drawing/2010/main" val="0"/>
+              </a:ext>
+            </a:extLst>
+          </a:blip>
+          <a:stretch>
+            <a:fillRect/>
+          </a:stretch>
+        </p:blipFill>
+        <p:spPr>
+          <a:xfrm>
+            <a:off x="1143" y="643"/>
+            <a:ext cx="18285714" cy="10285714"/>
+          </a:xfrm>
+          <a:prstGeom prst="rect">
+            <a:avLst/>
+          </a:prstGeom>
+        </p:spPr>
+      </p:pic>
+      <p:sp>
+        <p:nvSpPr>
+          <p:cNvPr id="2" name="TextBox 1">
+            <a:extLst>
+              <a:ext uri="{FF2B5EF4-FFF2-40B4-BE49-F238E27FC236}">
+                <a16:creationId xmlns:a16="http://schemas.microsoft.com/office/drawing/2014/main" id="{8DCFBC66-27D6-46C5-9961-6DDE21C1992E}"/>
+              </a:ext>
+            </a:extLst>
+          </p:cNvPr>
+          <p:cNvSpPr txBox="1"/>
+          <p:nvPr/>
+        </p:nvSpPr>
+        <p:spPr>
+          <a:xfrm>
+            <a:off x="2874818" y="2606273"/>
+            <a:ext cx="12954000" cy="2554545"/>
+          </a:xfrm>
+          <a:prstGeom prst="rect">
+            <a:avLst/>
+          </a:prstGeom>
+          <a:noFill/>
+        </p:spPr>
+        <p:txBody>
+          <a:bodyPr wrap="square" rtlCol="0">
+            <a:spAutoFit/>
+          </a:bodyPr>
+          <a:lstStyle/>
+          <a:p>
+            <a:pPr algn="ctr"/>
+            <a:r>
+              <a:rPr lang="en-US" sz="8000" dirty="0">
+                <a:latin typeface="Barlow Medium"/>
+              </a:rPr>
+              <a:t>“</a:t>
+            </a:r>
+            <a:r>
+              <a:rPr lang="en-US" dirty="0"/>
+              <a:t>“</a:t>
+            </a:r>
+            <a:r>
+              <a:rPr lang="en-US" sz="8000" dirty="0">
+                <a:latin typeface="Barlow Medium"/>
+              </a:rPr>
+              <a:t>The purpose of visualization is insight, not pictures.”</a:t>
+            </a:r>
+          </a:p>
+        </p:txBody>
+      </p:sp>
+      <p:sp>
+        <p:nvSpPr>
+          <p:cNvPr id="3" name="TextBox 2">
+            <a:extLst>
+              <a:ext uri="{FF2B5EF4-FFF2-40B4-BE49-F238E27FC236}">
+                <a16:creationId xmlns:a16="http://schemas.microsoft.com/office/drawing/2014/main" id="{4D218265-8C46-4FA5-808A-849C94852ED0}"/>
+              </a:ext>
+            </a:extLst>
+          </p:cNvPr>
+          <p:cNvSpPr txBox="1"/>
+          <p:nvPr/>
+        </p:nvSpPr>
+        <p:spPr>
+          <a:xfrm>
+            <a:off x="6934200" y="5753100"/>
+            <a:ext cx="8382000" cy="630942"/>
+          </a:xfrm>
+          <a:prstGeom prst="rect">
+            <a:avLst/>
+          </a:prstGeom>
+          <a:noFill/>
+        </p:spPr>
+        <p:txBody>
+          <a:bodyPr wrap="square" rtlCol="0">
+            <a:spAutoFit/>
+          </a:bodyPr>
+          <a:lstStyle/>
+          <a:p>
+            <a:pPr algn="r"/>
+            <a:r>
+              <a:rPr lang="en-US" sz="3500" i="1" dirty="0">
+                <a:solidFill>
+                  <a:schemeClr val="bg1">
+                    <a:lumMod val="50000"/>
+                  </a:schemeClr>
+                </a:solidFill>
+                <a:latin typeface="Barlow Medium"/>
+              </a:rPr>
+              <a:t>Ben </a:t>
+            </a:r>
+            <a:r>
+              <a:rPr lang="en-US" sz="3500" i="1" dirty="0" err="1">
+                <a:solidFill>
+                  <a:schemeClr val="bg1">
+                    <a:lumMod val="50000"/>
+                  </a:schemeClr>
+                </a:solidFill>
+                <a:latin typeface="Barlow Medium"/>
+              </a:rPr>
+              <a:t>Shneiderman</a:t>
+            </a:r>
+            <a:endParaRPr lang="en-US" sz="3500" i="1" dirty="0">
+              <a:solidFill>
+                <a:schemeClr val="bg1">
+                  <a:lumMod val="50000"/>
+                </a:schemeClr>
+              </a:solidFill>
+              <a:latin typeface="Barlow Medium"/>
+            </a:endParaRPr>
+          </a:p>
+        </p:txBody>
+      </p:sp>
+    </p:spTree>
+    <p:extLst>
+      <p:ext uri="{BB962C8B-B14F-4D97-AF65-F5344CB8AC3E}">
+        <p14:creationId xmlns:p14="http://schemas.microsoft.com/office/powerpoint/2010/main" val="260098542"/>
+      </p:ext>
+    </p:extLst>
+  </p:cSld>
+  <p:clrMapOvr>
+    <a:masterClrMapping/>
+  </p:clrMapOvr>
+  <p:timing>
+    <p:tnLst>
+      <p:par>
+        <p:cTn id="1" dur="indefinite" restart="never" nodeType="tmRoot">
+          <p:childTnLst>
+            <p:seq concurrent="1" nextAc="seek">
+              <p:cTn id="2" dur="indefinite" nodeType="mainSeq">
+                <p:childTnLst>
+                  <p:par>
+                    <p:cTn id="3" fill="hold">
+                      <p:stCondLst>
+                        <p:cond delay="indefinite"/>
+                        <p:cond evt="onBegin" delay="0">
+                          <p:tn val="2"/>
+                        </p:cond>
+                      </p:stCondLst>
+                      <p:childTnLst>
+                        <p:par>
+                          <p:cTn id="4" fill="hold">
+                            <p:stCondLst>
+                              <p:cond delay="0"/>
+                            </p:stCondLst>
+                            <p:childTnLst>
+                              <p:par>
+                                <p:cTn id="5" presetID="1" presetClass="entr" presetSubtype="0" fill="hold" grpId="0" nodeType="withEffect">
+                                  <p:stCondLst>
+                                    <p:cond delay="0"/>
+                                  </p:stCondLst>
+                                  <p:childTnLst>
+                                    <p:set>
+                                      <p:cBhvr>
+                                        <p:cTn id="6" dur="1" fill="hold">
+                                          <p:stCondLst>
+                                            <p:cond delay="0"/>
+                                          </p:stCondLst>
+                                        </p:cTn>
+                                        <p:tgtEl>
+                                          <p:spTgt spid="2"/>
+                                        </p:tgtEl>
+                                        <p:attrNameLst>
+                                          <p:attrName>style.visibility</p:attrName>
+                                        </p:attrNameLst>
+                                      </p:cBhvr>
+                                      <p:to>
+                                        <p:strVal val="visible"/>
+                                      </p:to>
+                                    </p:set>
+                                  </p:childTnLst>
+                                </p:cTn>
+                              </p:par>
+                              <p:par>
+                                <p:cTn id="7" presetID="1" presetClass="entr" presetSubtype="0" fill="hold" grpId="0" nodeType="withEffect">
+                                  <p:stCondLst>
+                                    <p:cond delay="0"/>
+                                  </p:stCondLst>
+                                  <p:childTnLst>
+                                    <p:set>
+                                      <p:cBhvr>
+                                        <p:cTn id="8" dur="1" fill="hold">
+                                          <p:stCondLst>
+                                            <p:cond delay="0"/>
+                                          </p:stCondLst>
+                                        </p:cTn>
+                                        <p:tgtEl>
+                                          <p:spTgt spid="3"/>
+                                        </p:tgtEl>
+                                        <p:attrNameLst>
+                                          <p:attrName>style.visibility</p:attrName>
+                                        </p:attrNameLst>
+                                      </p:cBhvr>
+                                      <p:to>
+                                        <p:strVal val="visible"/>
+                                      </p:to>
+                                    </p:set>
+                                  </p:childTnLst>
+                                </p:cTn>
+                              </p:par>
+                            </p:childTnLst>
+                          </p:cTn>
+                        </p:par>
+                      </p:childTnLst>
+                    </p:cTn>
+                  </p:par>
+                  <p:par>
+                    <p:cTn id="9" fill="hold">
+                      <p:stCondLst>
+                        <p:cond delay="indefinite"/>
+                      </p:stCondLst>
+                      <p:childTnLst>
+                        <p:par>
+                          <p:cTn id="10" fill="hold">
+                            <p:stCondLst>
+                              <p:cond delay="0"/>
+                            </p:stCondLst>
+                            <p:childTnLst>
+                              <p:par>
+                                <p:cTn id="11" presetID="1" presetClass="exit" presetSubtype="0" fill="hold" grpId="1" nodeType="clickEffect">
+                                  <p:stCondLst>
+                                    <p:cond delay="0"/>
+                                  </p:stCondLst>
+                                  <p:childTnLst>
+                                    <p:set>
+                                      <p:cBhvr>
+                                        <p:cTn id="12" dur="1" fill="hold">
+                                          <p:stCondLst>
+                                            <p:cond delay="0"/>
+                                          </p:stCondLst>
+                                        </p:cTn>
+                                        <p:tgtEl>
+                                          <p:spTgt spid="2"/>
+                                        </p:tgtEl>
+                                        <p:attrNameLst>
+                                          <p:attrName>style.visibility</p:attrName>
+                                        </p:attrNameLst>
+                                      </p:cBhvr>
+                                      <p:to>
+                                        <p:strVal val="hidden"/>
+                                      </p:to>
+                                    </p:set>
+                                  </p:childTnLst>
+                                </p:cTn>
+                              </p:par>
+                            </p:childTnLst>
+                          </p:cTn>
+                        </p:par>
+                      </p:childTnLst>
+                    </p:cTn>
+                  </p:par>
+                </p:childTnLst>
+              </p:cTn>
+              <p:prevCondLst>
+                <p:cond evt="onPrev" delay="0">
+                  <p:tgtEl>
+                    <p:sldTgt/>
+                  </p:tgtEl>
+                </p:cond>
+              </p:prevCondLst>
+              <p:nextCondLst>
+                <p:cond evt="onNext" delay="0">
+                  <p:tgtEl>
+                    <p:sldTgt/>
+                  </p:tgtEl>
+                </p:cond>
+              </p:nextCondLst>
+            </p:seq>
+          </p:childTnLst>
+        </p:cTn>
+      </p:par>
+    </p:tnLst>
+    <p:bldLst>
+      <p:bldP spid="2" grpId="0"/>
+      <p:bldP spid="2" grpId="1"/>
+      <p:bldP spid="3" grpId="0"/>
+    </p:bldLst>
+  </p:timing>
+</p:sld>
+</file>
+
+<file path=ppt/slides/slide4.xml><?xml version="1.0" encoding="utf-8"?>
 <p:sld xmlns:a="http://schemas.openxmlformats.org/drawingml/2006/main" xmlns:r="http://schemas.openxmlformats.org/officeDocument/2006/relationships" xmlns:p="http://schemas.openxmlformats.org/presentationml/2006/main">
   <p:cSld>
     <p:bg>
@@ -6706,7 +8030,7 @@
 </p:sld>
 </file>
 
-<file path=ppt/slides/slide4.xml><?xml version="1.0" encoding="utf-8"?>
+<file path=ppt/slides/slide5.xml><?xml version="1.0" encoding="utf-8"?>
 <p:sld xmlns:a="http://schemas.openxmlformats.org/drawingml/2006/main" xmlns:r="http://schemas.openxmlformats.org/officeDocument/2006/relationships" xmlns:p="http://schemas.openxmlformats.org/presentationml/2006/main">
   <p:cSld>
     <p:bg>
@@ -8095,7 +9419,7 @@
 </p:sld>
 </file>
 
-<file path=ppt/slides/slide5.xml><?xml version="1.0" encoding="utf-8"?>
+<file path=ppt/slides/slide6.xml><?xml version="1.0" encoding="utf-8"?>
 <p:sld xmlns:a="http://schemas.openxmlformats.org/drawingml/2006/main" xmlns:r="http://schemas.openxmlformats.org/officeDocument/2006/relationships" xmlns:p="http://schemas.openxmlformats.org/presentationml/2006/main">
   <p:cSld>
     <p:spTree>
@@ -8710,7 +10034,7 @@
 </p:sld>
 </file>
 
-<file path=ppt/slides/slide6.xml><?xml version="1.0" encoding="utf-8"?>
+<file path=ppt/slides/slide7.xml><?xml version="1.0" encoding="utf-8"?>
 <p:sld xmlns:a="http://schemas.openxmlformats.org/drawingml/2006/main" xmlns:r="http://schemas.openxmlformats.org/officeDocument/2006/relationships" xmlns:p="http://schemas.openxmlformats.org/presentationml/2006/main">
   <p:cSld>
     <p:bg>
@@ -9887,7 +11211,7 @@
 </p:sld>
 </file>
 
-<file path=ppt/slides/slide7.xml><?xml version="1.0" encoding="utf-8"?>
+<file path=ppt/slides/slide8.xml><?xml version="1.0" encoding="utf-8"?>
 <p:sld xmlns:a="http://schemas.openxmlformats.org/drawingml/2006/main" xmlns:r="http://schemas.openxmlformats.org/officeDocument/2006/relationships" xmlns:p="http://schemas.openxmlformats.org/presentationml/2006/main">
   <p:cSld>
     <p:spTree>
@@ -10036,7 +11360,7 @@
 </p:sld>
 </file>
 
-<file path=ppt/slides/slide8.xml><?xml version="1.0" encoding="utf-8"?>
+<file path=ppt/slides/slide9.xml><?xml version="1.0" encoding="utf-8"?>
 <p:sld xmlns:a="http://schemas.openxmlformats.org/drawingml/2006/main" xmlns:r="http://schemas.openxmlformats.org/officeDocument/2006/relationships" xmlns:p="http://schemas.openxmlformats.org/presentationml/2006/main">
   <p:cSld>
     <p:spTree>
@@ -10594,998 +11918,6 @@
       <p:bldP spid="17" grpId="1"/>
       <p:bldP spid="12" grpId="0"/>
     </p:bldLst>
-  </p:timing>
-</p:sld>
-</file>
-
-<file path=ppt/slides/slide9.xml><?xml version="1.0" encoding="utf-8"?>
-<p:sld xmlns:a="http://schemas.openxmlformats.org/drawingml/2006/main" xmlns:r="http://schemas.openxmlformats.org/officeDocument/2006/relationships" xmlns:p="http://schemas.openxmlformats.org/presentationml/2006/main">
-  <p:cSld>
-    <p:bg>
-      <p:bgPr>
-        <a:blipFill dpi="0" rotWithShape="1">
-          <a:blip r:embed="rId2">
-            <a:lum/>
-          </a:blip>
-          <a:srcRect/>
-          <a:stretch>
-            <a:fillRect/>
-          </a:stretch>
-        </a:blipFill>
-        <a:effectLst/>
-      </p:bgPr>
-    </p:bg>
-    <p:spTree>
-      <p:nvGrpSpPr>
-        <p:cNvPr id="1" name=""/>
-        <p:cNvGrpSpPr/>
-        <p:nvPr/>
-      </p:nvGrpSpPr>
-      <p:grpSpPr>
-        <a:xfrm>
-          <a:off x="0" y="0"/>
-          <a:ext cx="0" cy="0"/>
-          <a:chOff x="0" y="0"/>
-          <a:chExt cx="0" cy="0"/>
-        </a:xfrm>
-      </p:grpSpPr>
-      <p:pic>
-        <p:nvPicPr>
-          <p:cNvPr id="9226" name="Picture 10" descr="Image result for drake meme">
-            <a:extLst>
-              <a:ext uri="{FF2B5EF4-FFF2-40B4-BE49-F238E27FC236}">
-                <a16:creationId xmlns:a16="http://schemas.microsoft.com/office/drawing/2014/main" id="{221FCC1B-6B85-4A58-B60C-1117418B4184}"/>
-              </a:ext>
-            </a:extLst>
-          </p:cNvPr>
-          <p:cNvPicPr>
-            <a:picLocks noChangeAspect="1" noChangeArrowheads="1"/>
-          </p:cNvPicPr>
-          <p:nvPr/>
-        </p:nvPicPr>
-        <p:blipFill>
-          <a:blip r:embed="rId3">
-            <a:extLst>
-              <a:ext uri="{28A0092B-C50C-407E-A947-70E740481C1C}">
-                <a14:useLocalDpi xmlns:a14="http://schemas.microsoft.com/office/drawing/2010/main" val="0"/>
-              </a:ext>
-            </a:extLst>
-          </a:blip>
-          <a:srcRect/>
-          <a:stretch>
-            <a:fillRect/>
-          </a:stretch>
-        </p:blipFill>
-        <p:spPr bwMode="auto">
-          <a:xfrm>
-            <a:off x="152400" y="114300"/>
-            <a:ext cx="12612578" cy="10087537"/>
-          </a:xfrm>
-          <a:prstGeom prst="rect">
-            <a:avLst/>
-          </a:prstGeom>
-          <a:noFill/>
-          <a:extLst>
-            <a:ext uri="{909E8E84-426E-40DD-AFC4-6F175D3DCCD1}">
-              <a14:hiddenFill xmlns:a14="http://schemas.microsoft.com/office/drawing/2010/main">
-                <a:solidFill>
-                  <a:srgbClr val="FFFFFF"/>
-                </a:solidFill>
-              </a14:hiddenFill>
-            </a:ext>
-          </a:extLst>
-        </p:spPr>
-      </p:pic>
-      <p:pic>
-        <p:nvPicPr>
-          <p:cNvPr id="9218" name="Picture 2" descr="Image result for graphviz icon">
-            <a:extLst>
-              <a:ext uri="{FF2B5EF4-FFF2-40B4-BE49-F238E27FC236}">
-                <a16:creationId xmlns:a16="http://schemas.microsoft.com/office/drawing/2014/main" id="{AC577EAF-F61A-4034-9850-C5817894A43C}"/>
-              </a:ext>
-            </a:extLst>
-          </p:cNvPr>
-          <p:cNvPicPr>
-            <a:picLocks noChangeAspect="1" noChangeArrowheads="1"/>
-          </p:cNvPicPr>
-          <p:nvPr/>
-        </p:nvPicPr>
-        <p:blipFill rotWithShape="1">
-          <a:blip r:embed="rId4">
-            <a:extLst>
-              <a:ext uri="{28A0092B-C50C-407E-A947-70E740481C1C}">
-                <a14:useLocalDpi xmlns:a14="http://schemas.microsoft.com/office/drawing/2010/main" val="0"/>
-              </a:ext>
-            </a:extLst>
-          </a:blip>
-          <a:srcRect l="12500" r="12500"/>
-          <a:stretch/>
-        </p:blipFill>
-        <p:spPr bwMode="auto">
-          <a:xfrm>
-            <a:off x="5622418" y="6354774"/>
-            <a:ext cx="2205833" cy="2933862"/>
-          </a:xfrm>
-          <a:prstGeom prst="rect">
-            <a:avLst/>
-          </a:prstGeom>
-          <a:noFill/>
-          <a:extLst>
-            <a:ext uri="{909E8E84-426E-40DD-AFC4-6F175D3DCCD1}">
-              <a14:hiddenFill xmlns:a14="http://schemas.microsoft.com/office/drawing/2010/main">
-                <a:solidFill>
-                  <a:srgbClr val="FFFFFF"/>
-                </a:solidFill>
-              </a14:hiddenFill>
-            </a:ext>
-          </a:extLst>
-        </p:spPr>
-      </p:pic>
-      <p:pic>
-        <p:nvPicPr>
-          <p:cNvPr id="9220" name="Picture 4" descr="Image result for powershell icon">
-            <a:extLst>
-              <a:ext uri="{FF2B5EF4-FFF2-40B4-BE49-F238E27FC236}">
-                <a16:creationId xmlns:a16="http://schemas.microsoft.com/office/drawing/2014/main" id="{331E7F38-BC74-42EA-B8E4-2B8BC43527BD}"/>
-              </a:ext>
-            </a:extLst>
-          </p:cNvPr>
-          <p:cNvPicPr>
-            <a:picLocks noChangeAspect="1" noChangeArrowheads="1"/>
-          </p:cNvPicPr>
-          <p:nvPr/>
-        </p:nvPicPr>
-        <p:blipFill rotWithShape="1">
-          <a:blip r:embed="rId5">
-            <a:extLst>
-              <a:ext uri="{28A0092B-C50C-407E-A947-70E740481C1C}">
-                <a14:useLocalDpi xmlns:a14="http://schemas.microsoft.com/office/drawing/2010/main" val="0"/>
-              </a:ext>
-            </a:extLst>
-          </a:blip>
-          <a:srcRect t="12500" b="12500"/>
-          <a:stretch/>
-        </p:blipFill>
-        <p:spPr bwMode="auto">
-          <a:xfrm>
-            <a:off x="9004713" y="6819900"/>
-            <a:ext cx="2992708" cy="2239000"/>
-          </a:xfrm>
-          <a:prstGeom prst="rect">
-            <a:avLst/>
-          </a:prstGeom>
-          <a:noFill/>
-          <a:extLst>
-            <a:ext uri="{909E8E84-426E-40DD-AFC4-6F175D3DCCD1}">
-              <a14:hiddenFill xmlns:a14="http://schemas.microsoft.com/office/drawing/2010/main">
-                <a:solidFill>
-                  <a:srgbClr val="FFFFFF"/>
-                </a:solidFill>
-              </a14:hiddenFill>
-            </a:ext>
-          </a:extLst>
-        </p:spPr>
-      </p:pic>
-      <p:pic>
-        <p:nvPicPr>
-          <p:cNvPr id="9222" name="Picture 6" descr="Image result for visio icon">
-            <a:extLst>
-              <a:ext uri="{FF2B5EF4-FFF2-40B4-BE49-F238E27FC236}">
-                <a16:creationId xmlns:a16="http://schemas.microsoft.com/office/drawing/2014/main" id="{81B4AAE7-2B7E-4B39-8DF5-B262DF9E9AD3}"/>
-              </a:ext>
-            </a:extLst>
-          </p:cNvPr>
-          <p:cNvPicPr>
-            <a:picLocks noChangeAspect="1" noChangeArrowheads="1"/>
-          </p:cNvPicPr>
-          <p:nvPr/>
-        </p:nvPicPr>
-        <p:blipFill rotWithShape="1">
-          <a:blip r:embed="rId6">
-            <a:extLst>
-              <a:ext uri="{28A0092B-C50C-407E-A947-70E740481C1C}">
-                <a14:useLocalDpi xmlns:a14="http://schemas.microsoft.com/office/drawing/2010/main" val="0"/>
-              </a:ext>
-            </a:extLst>
-          </a:blip>
-          <a:srcRect l="6923" t="16400" r="5693" b="18000"/>
-          <a:stretch/>
-        </p:blipFill>
-        <p:spPr bwMode="auto">
-          <a:xfrm>
-            <a:off x="6016581" y="1257300"/>
-            <a:ext cx="5495231" cy="3165483"/>
-          </a:xfrm>
-          <a:prstGeom prst="rect">
-            <a:avLst/>
-          </a:prstGeom>
-          <a:noFill/>
-          <a:extLst>
-            <a:ext uri="{909E8E84-426E-40DD-AFC4-6F175D3DCCD1}">
-              <a14:hiddenFill xmlns:a14="http://schemas.microsoft.com/office/drawing/2010/main">
-                <a:solidFill>
-                  <a:srgbClr val="FFFFFF"/>
-                </a:solidFill>
-              </a14:hiddenFill>
-            </a:ext>
-          </a:extLst>
-        </p:spPr>
-      </p:pic>
-      <p:sp>
-        <p:nvSpPr>
-          <p:cNvPr id="8" name="TextBox 2">
-            <a:extLst>
-              <a:ext uri="{FF2B5EF4-FFF2-40B4-BE49-F238E27FC236}">
-                <a16:creationId xmlns:a16="http://schemas.microsoft.com/office/drawing/2014/main" id="{5DBCCE41-2CE9-49C4-90D6-00F2507C766C}"/>
-              </a:ext>
-            </a:extLst>
-          </p:cNvPr>
-          <p:cNvSpPr txBox="1"/>
-          <p:nvPr/>
-        </p:nvSpPr>
-        <p:spPr>
-          <a:xfrm>
-            <a:off x="8090782" y="7581900"/>
-            <a:ext cx="7142560" cy="1214179"/>
-          </a:xfrm>
-          <a:prstGeom prst="rect">
-            <a:avLst/>
-          </a:prstGeom>
-        </p:spPr>
-        <p:txBody>
-          <a:bodyPr lIns="0" tIns="0" rIns="0" bIns="0" rtlCol="0" anchor="t">
-            <a:spAutoFit/>
-          </a:bodyPr>
-          <a:lstStyle/>
-          <a:p>
-            <a:pPr>
-              <a:lnSpc>
-                <a:spcPts val="8400"/>
-              </a:lnSpc>
-              <a:spcBef>
-                <a:spcPct val="0"/>
-              </a:spcBef>
-            </a:pPr>
-            <a:r>
-              <a:rPr lang="en-US" sz="12000" b="1" spc="-126" dirty="0">
-                <a:solidFill>
-                  <a:srgbClr val="000000"/>
-                </a:solidFill>
-                <a:latin typeface="Barlow Medium"/>
-              </a:rPr>
-              <a:t>+</a:t>
-            </a:r>
-            <a:endParaRPr lang="en-US" sz="12000" b="1" spc="-126" dirty="0">
-              <a:solidFill>
-                <a:srgbClr val="5271FF"/>
-              </a:solidFill>
-              <a:latin typeface="Barlow Medium"/>
-            </a:endParaRPr>
-          </a:p>
-        </p:txBody>
-      </p:sp>
-      <p:sp>
-        <p:nvSpPr>
-          <p:cNvPr id="13" name="TextBox 12">
-            <a:extLst>
-              <a:ext uri="{FF2B5EF4-FFF2-40B4-BE49-F238E27FC236}">
-                <a16:creationId xmlns:a16="http://schemas.microsoft.com/office/drawing/2014/main" id="{D91BED42-0B01-4E2A-BDC1-01008C83901E}"/>
-              </a:ext>
-            </a:extLst>
-          </p:cNvPr>
-          <p:cNvSpPr txBox="1"/>
-          <p:nvPr/>
-        </p:nvSpPr>
-        <p:spPr>
-          <a:xfrm>
-            <a:off x="12782184" y="878984"/>
-            <a:ext cx="5505816" cy="4524315"/>
-          </a:xfrm>
-          <a:prstGeom prst="rect">
-            <a:avLst/>
-          </a:prstGeom>
-          <a:noFill/>
-        </p:spPr>
-        <p:txBody>
-          <a:bodyPr wrap="square" rtlCol="0">
-            <a:spAutoFit/>
-          </a:bodyPr>
-          <a:lstStyle/>
-          <a:p>
-            <a:pPr marL="285750" indent="-285750">
-              <a:buFont typeface="Arial" panose="020B0604020202020204" pitchFamily="34" charset="0"/>
-              <a:buChar char="•"/>
-            </a:pPr>
-            <a:r>
-              <a:rPr lang="en-US" sz="4800" b="1" dirty="0">
-                <a:latin typeface="Barlow Medium"/>
-              </a:rPr>
-              <a:t>Manual</a:t>
-            </a:r>
-          </a:p>
-          <a:p>
-            <a:pPr marL="285750" indent="-285750">
-              <a:buFont typeface="Arial" panose="020B0604020202020204" pitchFamily="34" charset="0"/>
-              <a:buChar char="•"/>
-            </a:pPr>
-            <a:r>
-              <a:rPr lang="en-US" sz="4800" b="1" dirty="0">
-                <a:latin typeface="Barlow Medium"/>
-              </a:rPr>
-              <a:t>Time consuming</a:t>
-            </a:r>
-          </a:p>
-          <a:p>
-            <a:pPr marL="285750" indent="-285750">
-              <a:buFont typeface="Arial" panose="020B0604020202020204" pitchFamily="34" charset="0"/>
-              <a:buChar char="•"/>
-            </a:pPr>
-            <a:r>
-              <a:rPr lang="en-US" sz="4800" b="1" dirty="0">
-                <a:latin typeface="Barlow Medium"/>
-              </a:rPr>
-              <a:t>Planning Phase</a:t>
-            </a:r>
-          </a:p>
-          <a:p>
-            <a:pPr marL="285750" indent="-285750">
-              <a:buFont typeface="Arial" panose="020B0604020202020204" pitchFamily="34" charset="0"/>
-              <a:buChar char="•"/>
-            </a:pPr>
-            <a:r>
-              <a:rPr lang="en-US" sz="4800" b="1" dirty="0">
-                <a:latin typeface="Barlow Medium"/>
-              </a:rPr>
-              <a:t>Non-Techies</a:t>
-            </a:r>
-          </a:p>
-          <a:p>
-            <a:pPr marL="285750" indent="-285750">
-              <a:buFont typeface="Arial" panose="020B0604020202020204" pitchFamily="34" charset="0"/>
-              <a:buChar char="•"/>
-            </a:pPr>
-            <a:r>
-              <a:rPr lang="en-US" sz="4800" b="1" dirty="0">
-                <a:latin typeface="Barlow Medium"/>
-              </a:rPr>
-              <a:t>More Control</a:t>
-            </a:r>
-          </a:p>
-          <a:p>
-            <a:endParaRPr lang="en-US" sz="4800" b="1" dirty="0"/>
-          </a:p>
-        </p:txBody>
-      </p:sp>
-      <p:sp>
-        <p:nvSpPr>
-          <p:cNvPr id="14" name="TextBox 13">
-            <a:extLst>
-              <a:ext uri="{FF2B5EF4-FFF2-40B4-BE49-F238E27FC236}">
-                <a16:creationId xmlns:a16="http://schemas.microsoft.com/office/drawing/2014/main" id="{2E160F6C-B8E5-43A1-BB74-13F1EA1B4020}"/>
-              </a:ext>
-            </a:extLst>
-          </p:cNvPr>
-          <p:cNvSpPr txBox="1"/>
-          <p:nvPr/>
-        </p:nvSpPr>
-        <p:spPr>
-          <a:xfrm>
-            <a:off x="12764978" y="5455135"/>
-            <a:ext cx="5142022" cy="5262979"/>
-          </a:xfrm>
-          <a:prstGeom prst="rect">
-            <a:avLst/>
-          </a:prstGeom>
-          <a:noFill/>
-        </p:spPr>
-        <p:txBody>
-          <a:bodyPr wrap="square" rtlCol="0">
-            <a:spAutoFit/>
-          </a:bodyPr>
-          <a:lstStyle/>
-          <a:p>
-            <a:pPr marL="285750" indent="-285750">
-              <a:buFont typeface="Arial" panose="020B0604020202020204" pitchFamily="34" charset="0"/>
-              <a:buChar char="•"/>
-            </a:pPr>
-            <a:r>
-              <a:rPr lang="en-US" sz="4800" b="1" dirty="0">
-                <a:latin typeface="Barlow Medium"/>
-              </a:rPr>
-              <a:t>Automated</a:t>
-            </a:r>
-          </a:p>
-          <a:p>
-            <a:pPr marL="285750" indent="-285750">
-              <a:buFont typeface="Arial" panose="020B0604020202020204" pitchFamily="34" charset="0"/>
-              <a:buChar char="•"/>
-            </a:pPr>
-            <a:r>
-              <a:rPr lang="en-US" sz="4800" b="1" dirty="0">
-                <a:latin typeface="Barlow Medium"/>
-              </a:rPr>
-              <a:t>Maintainable</a:t>
-            </a:r>
-          </a:p>
-          <a:p>
-            <a:pPr marL="285750" indent="-285750">
-              <a:buFont typeface="Arial" panose="020B0604020202020204" pitchFamily="34" charset="0"/>
-              <a:buChar char="•"/>
-            </a:pPr>
-            <a:r>
-              <a:rPr lang="en-US" sz="4800" b="1" dirty="0">
-                <a:latin typeface="Barlow Medium"/>
-              </a:rPr>
-              <a:t>Live Infrastructure</a:t>
-            </a:r>
-          </a:p>
-          <a:p>
-            <a:pPr marL="285750" indent="-285750">
-              <a:buFont typeface="Arial" panose="020B0604020202020204" pitchFamily="34" charset="0"/>
-              <a:buChar char="•"/>
-            </a:pPr>
-            <a:r>
-              <a:rPr lang="en-US" sz="4800" b="1" dirty="0">
-                <a:latin typeface="Barlow Medium"/>
-              </a:rPr>
-              <a:t>Engineers &amp; </a:t>
-            </a:r>
-            <a:r>
-              <a:rPr lang="en-US" sz="4800" b="1" dirty="0" err="1">
-                <a:latin typeface="Barlow Medium"/>
-              </a:rPr>
-              <a:t>Devs</a:t>
-            </a:r>
-            <a:endParaRPr lang="en-US" sz="4800" b="1" dirty="0">
-              <a:latin typeface="Barlow Medium"/>
-            </a:endParaRPr>
-          </a:p>
-          <a:p>
-            <a:pPr marL="285750" indent="-285750">
-              <a:buFont typeface="Arial" panose="020B0604020202020204" pitchFamily="34" charset="0"/>
-              <a:buChar char="•"/>
-            </a:pPr>
-            <a:r>
-              <a:rPr lang="en-US" sz="4800" b="1" dirty="0">
-                <a:latin typeface="Barlow Medium"/>
-              </a:rPr>
-              <a:t>Asset while troubleshooting</a:t>
-            </a:r>
-          </a:p>
-          <a:p>
-            <a:endParaRPr lang="en-US" sz="4800" b="1" dirty="0"/>
-          </a:p>
-        </p:txBody>
-      </p:sp>
-    </p:spTree>
-    <p:extLst>
-      <p:ext uri="{BB962C8B-B14F-4D97-AF65-F5344CB8AC3E}">
-        <p14:creationId xmlns:p14="http://schemas.microsoft.com/office/powerpoint/2010/main" val="2819432444"/>
-      </p:ext>
-    </p:extLst>
-  </p:cSld>
-  <p:clrMapOvr>
-    <a:masterClrMapping/>
-  </p:clrMapOvr>
-  <p:timing>
-    <p:tnLst>
-      <p:par>
-        <p:cTn id="1" dur="indefinite" restart="never" nodeType="tmRoot">
-          <p:childTnLst>
-            <p:seq concurrent="1" nextAc="seek">
-              <p:cTn id="2" dur="indefinite" nodeType="mainSeq">
-                <p:childTnLst>
-                  <p:par>
-                    <p:cTn id="3" fill="hold">
-                      <p:stCondLst>
-                        <p:cond delay="indefinite"/>
-                      </p:stCondLst>
-                      <p:childTnLst>
-                        <p:par>
-                          <p:cTn id="4" fill="hold">
-                            <p:stCondLst>
-                              <p:cond delay="0"/>
-                            </p:stCondLst>
-                            <p:childTnLst>
-                              <p:par>
-                                <p:cTn id="5" presetID="1" presetClass="entr" presetSubtype="0" fill="hold" nodeType="clickEffect">
-                                  <p:stCondLst>
-                                    <p:cond delay="0"/>
-                                  </p:stCondLst>
-                                  <p:childTnLst>
-                                    <p:set>
-                                      <p:cBhvr>
-                                        <p:cTn id="6" dur="1" fill="hold">
-                                          <p:stCondLst>
-                                            <p:cond delay="0"/>
-                                          </p:stCondLst>
-                                        </p:cTn>
-                                        <p:tgtEl>
-                                          <p:spTgt spid="13">
-                                            <p:txEl>
-                                              <p:pRg st="0" end="0"/>
-                                            </p:txEl>
-                                          </p:spTgt>
-                                        </p:tgtEl>
-                                        <p:attrNameLst>
-                                          <p:attrName>style.visibility</p:attrName>
-                                        </p:attrNameLst>
-                                      </p:cBhvr>
-                                      <p:to>
-                                        <p:strVal val="visible"/>
-                                      </p:to>
-                                    </p:set>
-                                  </p:childTnLst>
-                                </p:cTn>
-                              </p:par>
-                            </p:childTnLst>
-                          </p:cTn>
-                        </p:par>
-                      </p:childTnLst>
-                    </p:cTn>
-                  </p:par>
-                  <p:par>
-                    <p:cTn id="7" fill="hold">
-                      <p:stCondLst>
-                        <p:cond delay="indefinite"/>
-                      </p:stCondLst>
-                      <p:childTnLst>
-                        <p:par>
-                          <p:cTn id="8" fill="hold">
-                            <p:stCondLst>
-                              <p:cond delay="0"/>
-                            </p:stCondLst>
-                            <p:childTnLst>
-                              <p:par>
-                                <p:cTn id="9" presetID="1" presetClass="entr" presetSubtype="0" fill="hold" nodeType="clickEffect">
-                                  <p:stCondLst>
-                                    <p:cond delay="0"/>
-                                  </p:stCondLst>
-                                  <p:childTnLst>
-                                    <p:set>
-                                      <p:cBhvr>
-                                        <p:cTn id="10" dur="1" fill="hold">
-                                          <p:stCondLst>
-                                            <p:cond delay="0"/>
-                                          </p:stCondLst>
-                                        </p:cTn>
-                                        <p:tgtEl>
-                                          <p:spTgt spid="14">
-                                            <p:txEl>
-                                              <p:pRg st="0" end="0"/>
-                                            </p:txEl>
-                                          </p:spTgt>
-                                        </p:tgtEl>
-                                        <p:attrNameLst>
-                                          <p:attrName>style.visibility</p:attrName>
-                                        </p:attrNameLst>
-                                      </p:cBhvr>
-                                      <p:to>
-                                        <p:strVal val="visible"/>
-                                      </p:to>
-                                    </p:set>
-                                  </p:childTnLst>
-                                </p:cTn>
-                              </p:par>
-                            </p:childTnLst>
-                          </p:cTn>
-                        </p:par>
-                      </p:childTnLst>
-                    </p:cTn>
-                  </p:par>
-                  <p:par>
-                    <p:cTn id="11" fill="hold">
-                      <p:stCondLst>
-                        <p:cond delay="indefinite"/>
-                      </p:stCondLst>
-                      <p:childTnLst>
-                        <p:par>
-                          <p:cTn id="12" fill="hold">
-                            <p:stCondLst>
-                              <p:cond delay="0"/>
-                            </p:stCondLst>
-                            <p:childTnLst>
-                              <p:par>
-                                <p:cTn id="13" presetID="1" presetClass="entr" presetSubtype="0" fill="hold" nodeType="clickEffect">
-                                  <p:stCondLst>
-                                    <p:cond delay="0"/>
-                                  </p:stCondLst>
-                                  <p:childTnLst>
-                                    <p:set>
-                                      <p:cBhvr>
-                                        <p:cTn id="14" dur="1" fill="hold">
-                                          <p:stCondLst>
-                                            <p:cond delay="0"/>
-                                          </p:stCondLst>
-                                        </p:cTn>
-                                        <p:tgtEl>
-                                          <p:spTgt spid="13">
-                                            <p:txEl>
-                                              <p:pRg st="1" end="1"/>
-                                            </p:txEl>
-                                          </p:spTgt>
-                                        </p:tgtEl>
-                                        <p:attrNameLst>
-                                          <p:attrName>style.visibility</p:attrName>
-                                        </p:attrNameLst>
-                                      </p:cBhvr>
-                                      <p:to>
-                                        <p:strVal val="visible"/>
-                                      </p:to>
-                                    </p:set>
-                                  </p:childTnLst>
-                                </p:cTn>
-                              </p:par>
-                            </p:childTnLst>
-                          </p:cTn>
-                        </p:par>
-                      </p:childTnLst>
-                    </p:cTn>
-                  </p:par>
-                  <p:par>
-                    <p:cTn id="15" fill="hold">
-                      <p:stCondLst>
-                        <p:cond delay="indefinite"/>
-                      </p:stCondLst>
-                      <p:childTnLst>
-                        <p:par>
-                          <p:cTn id="16" fill="hold">
-                            <p:stCondLst>
-                              <p:cond delay="0"/>
-                            </p:stCondLst>
-                            <p:childTnLst>
-                              <p:par>
-                                <p:cTn id="17" presetID="1" presetClass="entr" presetSubtype="0" fill="hold" nodeType="clickEffect">
-                                  <p:stCondLst>
-                                    <p:cond delay="0"/>
-                                  </p:stCondLst>
-                                  <p:childTnLst>
-                                    <p:set>
-                                      <p:cBhvr>
-                                        <p:cTn id="18" dur="1" fill="hold">
-                                          <p:stCondLst>
-                                            <p:cond delay="0"/>
-                                          </p:stCondLst>
-                                        </p:cTn>
-                                        <p:tgtEl>
-                                          <p:spTgt spid="14">
-                                            <p:txEl>
-                                              <p:pRg st="1" end="1"/>
-                                            </p:txEl>
-                                          </p:spTgt>
-                                        </p:tgtEl>
-                                        <p:attrNameLst>
-                                          <p:attrName>style.visibility</p:attrName>
-                                        </p:attrNameLst>
-                                      </p:cBhvr>
-                                      <p:to>
-                                        <p:strVal val="visible"/>
-                                      </p:to>
-                                    </p:set>
-                                  </p:childTnLst>
-                                </p:cTn>
-                              </p:par>
-                            </p:childTnLst>
-                          </p:cTn>
-                        </p:par>
-                      </p:childTnLst>
-                    </p:cTn>
-                  </p:par>
-                  <p:par>
-                    <p:cTn id="19" fill="hold">
-                      <p:stCondLst>
-                        <p:cond delay="indefinite"/>
-                      </p:stCondLst>
-                      <p:childTnLst>
-                        <p:par>
-                          <p:cTn id="20" fill="hold">
-                            <p:stCondLst>
-                              <p:cond delay="0"/>
-                            </p:stCondLst>
-                            <p:childTnLst>
-                              <p:par>
-                                <p:cTn id="21" presetID="1" presetClass="entr" presetSubtype="0" fill="hold" nodeType="clickEffect">
-                                  <p:stCondLst>
-                                    <p:cond delay="0"/>
-                                  </p:stCondLst>
-                                  <p:childTnLst>
-                                    <p:set>
-                                      <p:cBhvr>
-                                        <p:cTn id="22" dur="1" fill="hold">
-                                          <p:stCondLst>
-                                            <p:cond delay="0"/>
-                                          </p:stCondLst>
-                                        </p:cTn>
-                                        <p:tgtEl>
-                                          <p:spTgt spid="13">
-                                            <p:txEl>
-                                              <p:pRg st="2" end="2"/>
-                                            </p:txEl>
-                                          </p:spTgt>
-                                        </p:tgtEl>
-                                        <p:attrNameLst>
-                                          <p:attrName>style.visibility</p:attrName>
-                                        </p:attrNameLst>
-                                      </p:cBhvr>
-                                      <p:to>
-                                        <p:strVal val="visible"/>
-                                      </p:to>
-                                    </p:set>
-                                  </p:childTnLst>
-                                </p:cTn>
-                              </p:par>
-                            </p:childTnLst>
-                          </p:cTn>
-                        </p:par>
-                      </p:childTnLst>
-                    </p:cTn>
-                  </p:par>
-                  <p:par>
-                    <p:cTn id="23" fill="hold">
-                      <p:stCondLst>
-                        <p:cond delay="indefinite"/>
-                      </p:stCondLst>
-                      <p:childTnLst>
-                        <p:par>
-                          <p:cTn id="24" fill="hold">
-                            <p:stCondLst>
-                              <p:cond delay="0"/>
-                            </p:stCondLst>
-                            <p:childTnLst>
-                              <p:par>
-                                <p:cTn id="25" presetID="1" presetClass="entr" presetSubtype="0" fill="hold" nodeType="clickEffect">
-                                  <p:stCondLst>
-                                    <p:cond delay="0"/>
-                                  </p:stCondLst>
-                                  <p:childTnLst>
-                                    <p:set>
-                                      <p:cBhvr>
-                                        <p:cTn id="26" dur="1" fill="hold">
-                                          <p:stCondLst>
-                                            <p:cond delay="0"/>
-                                          </p:stCondLst>
-                                        </p:cTn>
-                                        <p:tgtEl>
-                                          <p:spTgt spid="14">
-                                            <p:txEl>
-                                              <p:pRg st="2" end="2"/>
-                                            </p:txEl>
-                                          </p:spTgt>
-                                        </p:tgtEl>
-                                        <p:attrNameLst>
-                                          <p:attrName>style.visibility</p:attrName>
-                                        </p:attrNameLst>
-                                      </p:cBhvr>
-                                      <p:to>
-                                        <p:strVal val="visible"/>
-                                      </p:to>
-                                    </p:set>
-                                  </p:childTnLst>
-                                </p:cTn>
-                              </p:par>
-                            </p:childTnLst>
-                          </p:cTn>
-                        </p:par>
-                      </p:childTnLst>
-                    </p:cTn>
-                  </p:par>
-                  <p:par>
-                    <p:cTn id="27" fill="hold">
-                      <p:stCondLst>
-                        <p:cond delay="indefinite"/>
-                      </p:stCondLst>
-                      <p:childTnLst>
-                        <p:par>
-                          <p:cTn id="28" fill="hold">
-                            <p:stCondLst>
-                              <p:cond delay="0"/>
-                            </p:stCondLst>
-                            <p:childTnLst>
-                              <p:par>
-                                <p:cTn id="29" presetID="1" presetClass="entr" presetSubtype="0" fill="hold" nodeType="clickEffect">
-                                  <p:stCondLst>
-                                    <p:cond delay="0"/>
-                                  </p:stCondLst>
-                                  <p:childTnLst>
-                                    <p:set>
-                                      <p:cBhvr>
-                                        <p:cTn id="30" dur="1" fill="hold">
-                                          <p:stCondLst>
-                                            <p:cond delay="0"/>
-                                          </p:stCondLst>
-                                        </p:cTn>
-                                        <p:tgtEl>
-                                          <p:spTgt spid="13">
-                                            <p:txEl>
-                                              <p:pRg st="3" end="3"/>
-                                            </p:txEl>
-                                          </p:spTgt>
-                                        </p:tgtEl>
-                                        <p:attrNameLst>
-                                          <p:attrName>style.visibility</p:attrName>
-                                        </p:attrNameLst>
-                                      </p:cBhvr>
-                                      <p:to>
-                                        <p:strVal val="visible"/>
-                                      </p:to>
-                                    </p:set>
-                                  </p:childTnLst>
-                                </p:cTn>
-                              </p:par>
-                            </p:childTnLst>
-                          </p:cTn>
-                        </p:par>
-                      </p:childTnLst>
-                    </p:cTn>
-                  </p:par>
-                  <p:par>
-                    <p:cTn id="31" fill="hold">
-                      <p:stCondLst>
-                        <p:cond delay="indefinite"/>
-                      </p:stCondLst>
-                      <p:childTnLst>
-                        <p:par>
-                          <p:cTn id="32" fill="hold">
-                            <p:stCondLst>
-                              <p:cond delay="0"/>
-                            </p:stCondLst>
-                            <p:childTnLst>
-                              <p:par>
-                                <p:cTn id="33" presetID="1" presetClass="entr" presetSubtype="0" fill="hold" nodeType="clickEffect">
-                                  <p:stCondLst>
-                                    <p:cond delay="0"/>
-                                  </p:stCondLst>
-                                  <p:childTnLst>
-                                    <p:set>
-                                      <p:cBhvr>
-                                        <p:cTn id="34" dur="1" fill="hold">
-                                          <p:stCondLst>
-                                            <p:cond delay="0"/>
-                                          </p:stCondLst>
-                                        </p:cTn>
-                                        <p:tgtEl>
-                                          <p:spTgt spid="14">
-                                            <p:txEl>
-                                              <p:pRg st="3" end="3"/>
-                                            </p:txEl>
-                                          </p:spTgt>
-                                        </p:tgtEl>
-                                        <p:attrNameLst>
-                                          <p:attrName>style.visibility</p:attrName>
-                                        </p:attrNameLst>
-                                      </p:cBhvr>
-                                      <p:to>
-                                        <p:strVal val="visible"/>
-                                      </p:to>
-                                    </p:set>
-                                  </p:childTnLst>
-                                </p:cTn>
-                              </p:par>
-                            </p:childTnLst>
-                          </p:cTn>
-                        </p:par>
-                      </p:childTnLst>
-                    </p:cTn>
-                  </p:par>
-                  <p:par>
-                    <p:cTn id="35" fill="hold">
-                      <p:stCondLst>
-                        <p:cond delay="indefinite"/>
-                      </p:stCondLst>
-                      <p:childTnLst>
-                        <p:par>
-                          <p:cTn id="36" fill="hold">
-                            <p:stCondLst>
-                              <p:cond delay="0"/>
-                            </p:stCondLst>
-                            <p:childTnLst>
-                              <p:par>
-                                <p:cTn id="37" presetID="1" presetClass="entr" presetSubtype="0" fill="hold" nodeType="clickEffect">
-                                  <p:stCondLst>
-                                    <p:cond delay="0"/>
-                                  </p:stCondLst>
-                                  <p:childTnLst>
-                                    <p:set>
-                                      <p:cBhvr>
-                                        <p:cTn id="38" dur="1" fill="hold">
-                                          <p:stCondLst>
-                                            <p:cond delay="0"/>
-                                          </p:stCondLst>
-                                        </p:cTn>
-                                        <p:tgtEl>
-                                          <p:spTgt spid="13">
-                                            <p:txEl>
-                                              <p:pRg st="4" end="4"/>
-                                            </p:txEl>
-                                          </p:spTgt>
-                                        </p:tgtEl>
-                                        <p:attrNameLst>
-                                          <p:attrName>style.visibility</p:attrName>
-                                        </p:attrNameLst>
-                                      </p:cBhvr>
-                                      <p:to>
-                                        <p:strVal val="visible"/>
-                                      </p:to>
-                                    </p:set>
-                                  </p:childTnLst>
-                                </p:cTn>
-                              </p:par>
-                            </p:childTnLst>
-                          </p:cTn>
-                        </p:par>
-                      </p:childTnLst>
-                    </p:cTn>
-                  </p:par>
-                  <p:par>
-                    <p:cTn id="39" fill="hold">
-                      <p:stCondLst>
-                        <p:cond delay="indefinite"/>
-                      </p:stCondLst>
-                      <p:childTnLst>
-                        <p:par>
-                          <p:cTn id="40" fill="hold">
-                            <p:stCondLst>
-                              <p:cond delay="0"/>
-                            </p:stCondLst>
-                            <p:childTnLst>
-                              <p:par>
-                                <p:cTn id="41" presetID="1" presetClass="entr" presetSubtype="0" fill="hold" nodeType="clickEffect">
-                                  <p:stCondLst>
-                                    <p:cond delay="0"/>
-                                  </p:stCondLst>
-                                  <p:childTnLst>
-                                    <p:set>
-                                      <p:cBhvr>
-                                        <p:cTn id="42" dur="1" fill="hold">
-                                          <p:stCondLst>
-                                            <p:cond delay="0"/>
-                                          </p:stCondLst>
-                                        </p:cTn>
-                                        <p:tgtEl>
-                                          <p:spTgt spid="14">
-                                            <p:txEl>
-                                              <p:pRg st="4" end="4"/>
-                                            </p:txEl>
-                                          </p:spTgt>
-                                        </p:tgtEl>
-                                        <p:attrNameLst>
-                                          <p:attrName>style.visibility</p:attrName>
-                                        </p:attrNameLst>
-                                      </p:cBhvr>
-                                      <p:to>
-                                        <p:strVal val="visible"/>
-                                      </p:to>
-                                    </p:set>
-                                  </p:childTnLst>
-                                </p:cTn>
-                              </p:par>
-                            </p:childTnLst>
-                          </p:cTn>
-                        </p:par>
-                      </p:childTnLst>
-                    </p:cTn>
-                  </p:par>
-                </p:childTnLst>
-              </p:cTn>
-              <p:prevCondLst>
-                <p:cond evt="onPrev" delay="0">
-                  <p:tgtEl>
-                    <p:sldTgt/>
-                  </p:tgtEl>
-                </p:cond>
-              </p:prevCondLst>
-              <p:nextCondLst>
-                <p:cond evt="onNext" delay="0">
-                  <p:tgtEl>
-                    <p:sldTgt/>
-                  </p:tgtEl>
-                </p:cond>
-              </p:nextCondLst>
-            </p:seq>
-          </p:childTnLst>
-        </p:cTn>
-      </p:par>
-    </p:tnLst>
   </p:timing>
 </p:sld>
 </file>

--- a/Visualize-Document-Infrastructure/ppt/VisualizeDocument.pptx
+++ b/Visualize-Document-Infrastructure/ppt/VisualizeDocument.pptx
@@ -19,11 +19,11 @@
     <p:sldId id="278" r:id="rId10"/>
     <p:sldId id="273" r:id="rId11"/>
     <p:sldId id="272" r:id="rId12"/>
-    <p:sldId id="265" r:id="rId13"/>
-    <p:sldId id="271" r:id="rId14"/>
-    <p:sldId id="277" r:id="rId15"/>
-    <p:sldId id="279" r:id="rId16"/>
-    <p:sldId id="264" r:id="rId17"/>
+    <p:sldId id="271" r:id="rId13"/>
+    <p:sldId id="277" r:id="rId14"/>
+    <p:sldId id="279" r:id="rId15"/>
+    <p:sldId id="264" r:id="rId16"/>
+    <p:sldId id="282" r:id="rId17"/>
   </p:sldIdLst>
   <p:sldSz cx="18288000" cy="10287000"/>
   <p:notesSz cx="6858000" cy="9144000"/>
@@ -232,7 +232,7 @@
           <a:p>
             <a:fld id="{5B82031E-CC76-4CD4-B9E1-CA1DF7176803}" type="datetimeFigureOut">
               <a:rPr lang="en-US" smtClean="0"/>
-              <a:t>9/14/2019</a:t>
+              <a:t>9/17/2019</a:t>
             </a:fld>
             <a:endParaRPr lang="en-US" dirty="0"/>
           </a:p>
@@ -648,7 +648,7 @@
           <a:p>
             <a:fld id="{0F488A43-E6D0-42D1-8646-D1BD11322CD2}" type="slidenum">
               <a:rPr lang="en-US" smtClean="0"/>
-              <a:t>13</a:t>
+              <a:t>12</a:t>
             </a:fld>
             <a:endParaRPr lang="en-US" dirty="0"/>
           </a:p>
@@ -732,7 +732,7 @@
           <a:p>
             <a:fld id="{0F488A43-E6D0-42D1-8646-D1BD11322CD2}" type="slidenum">
               <a:rPr lang="en-US" smtClean="0"/>
-              <a:t>14</a:t>
+              <a:t>13</a:t>
             </a:fld>
             <a:endParaRPr lang="en-US" dirty="0"/>
           </a:p>
@@ -931,7 +931,7 @@
             <a:fld id="{1D8BD707-D9CF-40AE-B4C6-C98DA3205C09}" type="datetimeFigureOut">
               <a:rPr lang="en-US" smtClean="0"/>
               <a:pPr/>
-              <a:t>9/14/2019</a:t>
+              <a:t>9/17/2019</a:t>
             </a:fld>
             <a:endParaRPr lang="en-US" dirty="0"/>
           </a:p>
@@ -1096,7 +1096,7 @@
             <a:fld id="{1D8BD707-D9CF-40AE-B4C6-C98DA3205C09}" type="datetimeFigureOut">
               <a:rPr lang="en-US" smtClean="0"/>
               <a:pPr/>
-              <a:t>9/14/2019</a:t>
+              <a:t>9/17/2019</a:t>
             </a:fld>
             <a:endParaRPr lang="en-US" dirty="0"/>
           </a:p>
@@ -1271,7 +1271,7 @@
             <a:fld id="{1D8BD707-D9CF-40AE-B4C6-C98DA3205C09}" type="datetimeFigureOut">
               <a:rPr lang="en-US" smtClean="0"/>
               <a:pPr/>
-              <a:t>9/14/2019</a:t>
+              <a:t>9/17/2019</a:t>
             </a:fld>
             <a:endParaRPr lang="en-US" dirty="0"/>
           </a:p>
@@ -1436,7 +1436,7 @@
             <a:fld id="{1D8BD707-D9CF-40AE-B4C6-C98DA3205C09}" type="datetimeFigureOut">
               <a:rPr lang="en-US" smtClean="0"/>
               <a:pPr/>
-              <a:t>9/14/2019</a:t>
+              <a:t>9/17/2019</a:t>
             </a:fld>
             <a:endParaRPr lang="en-US" dirty="0"/>
           </a:p>
@@ -1678,7 +1678,7 @@
             <a:fld id="{1D8BD707-D9CF-40AE-B4C6-C98DA3205C09}" type="datetimeFigureOut">
               <a:rPr lang="en-US" smtClean="0"/>
               <a:pPr/>
-              <a:t>9/14/2019</a:t>
+              <a:t>9/17/2019</a:t>
             </a:fld>
             <a:endParaRPr lang="en-US" dirty="0"/>
           </a:p>
@@ -1960,7 +1960,7 @@
             <a:fld id="{1D8BD707-D9CF-40AE-B4C6-C98DA3205C09}" type="datetimeFigureOut">
               <a:rPr lang="en-US" smtClean="0"/>
               <a:pPr/>
-              <a:t>9/14/2019</a:t>
+              <a:t>9/17/2019</a:t>
             </a:fld>
             <a:endParaRPr lang="en-US" dirty="0"/>
           </a:p>
@@ -2376,7 +2376,7 @@
             <a:fld id="{1D8BD707-D9CF-40AE-B4C6-C98DA3205C09}" type="datetimeFigureOut">
               <a:rPr lang="en-US" smtClean="0"/>
               <a:pPr/>
-              <a:t>9/14/2019</a:t>
+              <a:t>9/17/2019</a:t>
             </a:fld>
             <a:endParaRPr lang="en-US" dirty="0"/>
           </a:p>
@@ -2490,7 +2490,7 @@
             <a:fld id="{1D8BD707-D9CF-40AE-B4C6-C98DA3205C09}" type="datetimeFigureOut">
               <a:rPr lang="en-US" smtClean="0"/>
               <a:pPr/>
-              <a:t>9/14/2019</a:t>
+              <a:t>9/17/2019</a:t>
             </a:fld>
             <a:endParaRPr lang="en-US" dirty="0"/>
           </a:p>
@@ -2582,7 +2582,7 @@
             <a:fld id="{1D8BD707-D9CF-40AE-B4C6-C98DA3205C09}" type="datetimeFigureOut">
               <a:rPr lang="en-US" smtClean="0"/>
               <a:pPr/>
-              <a:t>9/14/2019</a:t>
+              <a:t>9/17/2019</a:t>
             </a:fld>
             <a:endParaRPr lang="en-US" dirty="0"/>
           </a:p>
@@ -2854,7 +2854,7 @@
             <a:fld id="{1D8BD707-D9CF-40AE-B4C6-C98DA3205C09}" type="datetimeFigureOut">
               <a:rPr lang="en-US" smtClean="0"/>
               <a:pPr/>
-              <a:t>9/14/2019</a:t>
+              <a:t>9/17/2019</a:t>
             </a:fld>
             <a:endParaRPr lang="en-US" dirty="0"/>
           </a:p>
@@ -3103,7 +3103,7 @@
             <a:fld id="{1D8BD707-D9CF-40AE-B4C6-C98DA3205C09}" type="datetimeFigureOut">
               <a:rPr lang="en-US" smtClean="0"/>
               <a:pPr/>
-              <a:t>9/14/2019</a:t>
+              <a:t>9/17/2019</a:t>
             </a:fld>
             <a:endParaRPr lang="en-US" dirty="0"/>
           </a:p>
@@ -3311,7 +3311,7 @@
             <a:fld id="{1D8BD707-D9CF-40AE-B4C6-C98DA3205C09}" type="datetimeFigureOut">
               <a:rPr lang="en-US" smtClean="0"/>
               <a:pPr/>
-              <a:t>9/14/2019</a:t>
+              <a:t>9/17/2019</a:t>
             </a:fld>
             <a:endParaRPr lang="en-US" dirty="0"/>
           </a:p>
@@ -3943,8 +3943,8 @@
         </p:blipFill>
         <p:spPr bwMode="auto">
           <a:xfrm>
-            <a:off x="6016581" y="1257300"/>
-            <a:ext cx="5495231" cy="3165483"/>
+            <a:off x="8168855" y="1656596"/>
+            <a:ext cx="3886870" cy="2239000"/>
           </a:xfrm>
           <a:prstGeom prst="rect">
             <a:avLst/>
@@ -4028,7 +4028,7 @@
         </p:nvSpPr>
         <p:spPr>
           <a:xfrm>
-            <a:off x="12782184" y="878984"/>
+            <a:off x="12590206" y="878984"/>
             <a:ext cx="5505816" cy="4524315"/>
           </a:xfrm>
           <a:prstGeom prst="rect">
@@ -4042,67 +4042,71 @@
           </a:bodyPr>
           <a:lstStyle/>
           <a:p>
-            <a:pPr marL="285750" indent="-285750">
-              <a:buFont typeface="Arial" panose="020B0604020202020204" pitchFamily="34" charset="0"/>
-              <a:buChar char="•"/>
+            <a:pPr marL="685800" indent="-685800">
+              <a:buFont typeface="Wingdings" panose="05000000000000000000" pitchFamily="2" charset="2"/>
+              <a:buChar char="§"/>
             </a:pPr>
             <a:r>
-              <a:rPr lang="en-US" sz="4800" b="1" dirty="0">
+              <a:rPr lang="en-US" sz="4800" dirty="0">
                 <a:latin typeface="Barlow Medium"/>
               </a:rPr>
               <a:t>Manual</a:t>
             </a:r>
           </a:p>
           <a:p>
-            <a:pPr marL="285750" indent="-285750">
-              <a:buFont typeface="Arial" panose="020B0604020202020204" pitchFamily="34" charset="0"/>
-              <a:buChar char="•"/>
+            <a:pPr marL="685800" indent="-685800">
+              <a:buFont typeface="Wingdings" panose="05000000000000000000" pitchFamily="2" charset="2"/>
+              <a:buChar char="§"/>
             </a:pPr>
             <a:r>
-              <a:rPr lang="en-US" sz="4800" b="1" dirty="0">
+              <a:rPr lang="en-US" sz="4800" dirty="0">
                 <a:latin typeface="Barlow Medium"/>
               </a:rPr>
               <a:t>Time consuming</a:t>
             </a:r>
           </a:p>
           <a:p>
-            <a:pPr marL="285750" indent="-285750">
-              <a:buFont typeface="Arial" panose="020B0604020202020204" pitchFamily="34" charset="0"/>
-              <a:buChar char="•"/>
+            <a:pPr marL="685800" indent="-685800">
+              <a:buFont typeface="Wingdings" panose="05000000000000000000" pitchFamily="2" charset="2"/>
+              <a:buChar char="§"/>
             </a:pPr>
             <a:r>
-              <a:rPr lang="en-US" sz="4800" b="1" dirty="0">
+              <a:rPr lang="en-US" sz="4800" dirty="0">
                 <a:latin typeface="Barlow Medium"/>
               </a:rPr>
               <a:t>Planning Phase</a:t>
             </a:r>
           </a:p>
           <a:p>
-            <a:pPr marL="285750" indent="-285750">
-              <a:buFont typeface="Arial" panose="020B0604020202020204" pitchFamily="34" charset="0"/>
-              <a:buChar char="•"/>
+            <a:pPr marL="685800" indent="-685800">
+              <a:buFont typeface="Wingdings" panose="05000000000000000000" pitchFamily="2" charset="2"/>
+              <a:buChar char="§"/>
             </a:pPr>
             <a:r>
-              <a:rPr lang="en-US" sz="4800" b="1" dirty="0">
+              <a:rPr lang="en-US" sz="4800" dirty="0">
                 <a:latin typeface="Barlow Medium"/>
               </a:rPr>
-              <a:t>Non-Techies</a:t>
-            </a:r>
-          </a:p>
-          <a:p>
-            <a:pPr marL="285750" indent="-285750">
-              <a:buFont typeface="Arial" panose="020B0604020202020204" pitchFamily="34" charset="0"/>
-              <a:buChar char="•"/>
+              <a:t>No Programming</a:t>
+            </a:r>
+          </a:p>
+          <a:p>
+            <a:pPr marL="685800" indent="-685800">
+              <a:buFont typeface="Wingdings" panose="05000000000000000000" pitchFamily="2" charset="2"/>
+              <a:buChar char="§"/>
             </a:pPr>
             <a:r>
-              <a:rPr lang="en-US" sz="4800" b="1" dirty="0">
+              <a:rPr lang="en-US" sz="4800" dirty="0">
                 <a:latin typeface="Barlow Medium"/>
               </a:rPr>
               <a:t>More Control</a:t>
             </a:r>
           </a:p>
           <a:p>
-            <a:endParaRPr lang="en-US" sz="4800" b="1" dirty="0"/>
+            <a:pPr marL="685800" indent="-685800">
+              <a:buFont typeface="Wingdings" panose="05000000000000000000" pitchFamily="2" charset="2"/>
+              <a:buChar char="§"/>
+            </a:pPr>
+            <a:endParaRPr lang="en-US" sz="4800" dirty="0"/>
           </a:p>
         </p:txBody>
       </p:sp>
@@ -4120,8 +4124,8 @@
         </p:nvSpPr>
         <p:spPr>
           <a:xfrm>
-            <a:off x="12764978" y="5455135"/>
-            <a:ext cx="5142022" cy="5262979"/>
+            <a:off x="12573000" y="5455135"/>
+            <a:ext cx="5599222" cy="4524315"/>
           </a:xfrm>
           <a:prstGeom prst="rect">
             <a:avLst/>
@@ -4134,76 +4138,158 @@
           </a:bodyPr>
           <a:lstStyle/>
           <a:p>
-            <a:pPr marL="285750" indent="-285750">
-              <a:buFont typeface="Arial" panose="020B0604020202020204" pitchFamily="34" charset="0"/>
-              <a:buChar char="•"/>
+            <a:pPr marL="685800" indent="-685800">
+              <a:buFont typeface="Wingdings" panose="05000000000000000000" pitchFamily="2" charset="2"/>
+              <a:buChar char="§"/>
             </a:pPr>
             <a:r>
-              <a:rPr lang="en-US" sz="4800" b="1" dirty="0">
+              <a:rPr lang="en-US" sz="4800" dirty="0">
                 <a:latin typeface="Barlow Medium"/>
               </a:rPr>
               <a:t>Automated</a:t>
             </a:r>
           </a:p>
           <a:p>
-            <a:pPr marL="285750" indent="-285750">
-              <a:buFont typeface="Arial" panose="020B0604020202020204" pitchFamily="34" charset="0"/>
-              <a:buChar char="•"/>
+            <a:pPr marL="685800" indent="-685800">
+              <a:buFont typeface="Wingdings" panose="05000000000000000000" pitchFamily="2" charset="2"/>
+              <a:buChar char="§"/>
             </a:pPr>
             <a:r>
-              <a:rPr lang="en-US" sz="4800" b="1" dirty="0">
+              <a:rPr lang="en-US" sz="4800" dirty="0">
                 <a:latin typeface="Barlow Medium"/>
               </a:rPr>
               <a:t>Maintainable</a:t>
             </a:r>
           </a:p>
           <a:p>
-            <a:pPr marL="285750" indent="-285750">
-              <a:buFont typeface="Arial" panose="020B0604020202020204" pitchFamily="34" charset="0"/>
-              <a:buChar char="•"/>
+            <a:pPr marL="685800" indent="-685800">
+              <a:buFont typeface="Wingdings" panose="05000000000000000000" pitchFamily="2" charset="2"/>
+              <a:buChar char="§"/>
             </a:pPr>
             <a:r>
-              <a:rPr lang="en-US" sz="4800" b="1" dirty="0">
+              <a:rPr lang="en-US" sz="4800" dirty="0">
                 <a:latin typeface="Barlow Medium"/>
               </a:rPr>
               <a:t>Live Infrastructure</a:t>
             </a:r>
           </a:p>
           <a:p>
-            <a:pPr marL="285750" indent="-285750">
-              <a:buFont typeface="Arial" panose="020B0604020202020204" pitchFamily="34" charset="0"/>
-              <a:buChar char="•"/>
+            <a:pPr marL="685800" indent="-685800">
+              <a:buFont typeface="Wingdings" panose="05000000000000000000" pitchFamily="2" charset="2"/>
+              <a:buChar char="§"/>
             </a:pPr>
             <a:r>
-              <a:rPr lang="en-US" sz="4800" b="1" dirty="0">
+              <a:rPr lang="en-US" sz="4800" dirty="0">
                 <a:latin typeface="Barlow Medium"/>
               </a:rPr>
               <a:t>Engineers &amp; </a:t>
             </a:r>
             <a:r>
-              <a:rPr lang="en-US" sz="4800" b="1" dirty="0" err="1">
+              <a:rPr lang="en-US" sz="4800" dirty="0" err="1">
                 <a:latin typeface="Barlow Medium"/>
               </a:rPr>
               <a:t>Devs</a:t>
             </a:r>
-            <a:endParaRPr lang="en-US" sz="4800" b="1" dirty="0">
+            <a:endParaRPr lang="en-US" sz="4800" dirty="0">
               <a:latin typeface="Barlow Medium"/>
             </a:endParaRPr>
           </a:p>
           <a:p>
-            <a:pPr marL="285750" indent="-285750">
-              <a:buFont typeface="Arial" panose="020B0604020202020204" pitchFamily="34" charset="0"/>
-              <a:buChar char="•"/>
+            <a:pPr marL="685800" indent="-685800">
+              <a:buFont typeface="Wingdings" panose="05000000000000000000" pitchFamily="2" charset="2"/>
+              <a:buChar char="§"/>
             </a:pPr>
             <a:r>
-              <a:rPr lang="en-US" sz="4800" b="1" dirty="0">
+              <a:rPr lang="en-US" sz="4800" dirty="0">
                 <a:latin typeface="Barlow Medium"/>
               </a:rPr>
               <a:t>Asset while troubleshooting</a:t>
             </a:r>
           </a:p>
-          <a:p>
-            <a:endParaRPr lang="en-US" sz="4800" b="1" dirty="0"/>
+        </p:txBody>
+      </p:sp>
+      <p:pic>
+        <p:nvPicPr>
+          <p:cNvPr id="1026" name="Picture 2" descr="Image result for draw.io">
+            <a:extLst>
+              <a:ext uri="{FF2B5EF4-FFF2-40B4-BE49-F238E27FC236}">
+                <a16:creationId xmlns:a16="http://schemas.microsoft.com/office/drawing/2014/main" id="{14DEFB73-AA1C-491B-B52F-B6D0426F579D}"/>
+              </a:ext>
+            </a:extLst>
+          </p:cNvPr>
+          <p:cNvPicPr>
+            <a:picLocks noChangeAspect="1" noChangeArrowheads="1"/>
+          </p:cNvPicPr>
+          <p:nvPr/>
+        </p:nvPicPr>
+        <p:blipFill>
+          <a:blip r:embed="rId7" cstate="print">
+            <a:extLst>
+              <a:ext uri="{28A0092B-C50C-407E-A947-70E740481C1C}">
+                <a14:useLocalDpi xmlns:a14="http://schemas.microsoft.com/office/drawing/2010/main" val="0"/>
+              </a:ext>
+            </a:extLst>
+          </a:blip>
+          <a:srcRect/>
+          <a:stretch>
+            <a:fillRect/>
+          </a:stretch>
+        </p:blipFill>
+        <p:spPr bwMode="auto">
+          <a:xfrm>
+            <a:off x="5458563" y="1718467"/>
+            <a:ext cx="2205833" cy="2205833"/>
+          </a:xfrm>
+          <a:prstGeom prst="rect">
+            <a:avLst/>
+          </a:prstGeom>
+          <a:noFill/>
+          <a:extLst>
+            <a:ext uri="{909E8E84-426E-40DD-AFC4-6F175D3DCCD1}">
+              <a14:hiddenFill xmlns:a14="http://schemas.microsoft.com/office/drawing/2010/main">
+                <a:solidFill>
+                  <a:srgbClr val="FFFFFF"/>
+                </a:solidFill>
+              </a14:hiddenFill>
+            </a:ext>
+          </a:extLst>
+        </p:spPr>
+      </p:pic>
+      <p:sp>
+        <p:nvSpPr>
+          <p:cNvPr id="2" name="TextBox 1">
+            <a:extLst>
+              <a:ext uri="{FF2B5EF4-FFF2-40B4-BE49-F238E27FC236}">
+                <a16:creationId xmlns:a16="http://schemas.microsoft.com/office/drawing/2014/main" id="{CF198E13-CCFD-4C65-A326-AA4D78AE601E}"/>
+              </a:ext>
+            </a:extLst>
+          </p:cNvPr>
+          <p:cNvSpPr txBox="1"/>
+          <p:nvPr/>
+        </p:nvSpPr>
+        <p:spPr>
+          <a:xfrm flipH="1">
+            <a:off x="4953000" y="3390900"/>
+            <a:ext cx="2743200" cy="553998"/>
+          </a:xfrm>
+          <a:prstGeom prst="rect">
+            <a:avLst/>
+          </a:prstGeom>
+          <a:noFill/>
+        </p:spPr>
+        <p:txBody>
+          <a:bodyPr wrap="square" rtlCol="0">
+            <a:spAutoFit/>
+          </a:bodyPr>
+          <a:lstStyle/>
+          <a:p>
+            <a:pPr lvl="2"/>
+            <a:r>
+              <a:rPr lang="en-US" sz="3000" b="1" dirty="0">
+                <a:latin typeface="Barlow Bold"/>
+              </a:rPr>
+              <a:t>Draw.io</a:t>
+            </a:r>
           </a:p>
         </p:txBody>
       </p:sp>
@@ -4268,33 +4354,15 @@
                                   </p:childTnLst>
                                 </p:cTn>
                               </p:par>
-                            </p:childTnLst>
-                          </p:cTn>
-                        </p:par>
-                      </p:childTnLst>
-                    </p:cTn>
-                  </p:par>
-                  <p:par>
-                    <p:cTn id="7" fill="hold">
-                      <p:stCondLst>
-                        <p:cond delay="indefinite"/>
-                      </p:stCondLst>
-                      <p:childTnLst>
-                        <p:par>
-                          <p:cTn id="8" fill="hold">
-                            <p:stCondLst>
-                              <p:cond delay="0"/>
-                            </p:stCondLst>
-                            <p:childTnLst>
                               <p:par>
-                                <p:cTn id="9" presetID="1" presetClass="entr" presetSubtype="0" fill="hold" nodeType="clickEffect">
+                                <p:cTn id="7" presetID="1" presetClass="entr" presetSubtype="0" fill="hold" nodeType="withEffect">
                                   <p:stCondLst>
                                     <p:cond delay="0"/>
                                   </p:stCondLst>
                                   <p:childTnLst>
                                     <p:set>
                                       <p:cBhvr>
-                                        <p:cTn id="10" dur="1" fill="hold">
+                                        <p:cTn id="8" dur="1" fill="hold">
                                           <p:stCondLst>
                                             <p:cond delay="0"/>
                                           </p:stCondLst>
@@ -4324,19 +4392,50 @@
                     </p:cTn>
                   </p:par>
                   <p:par>
-                    <p:cTn id="11" fill="hold">
+                    <p:cTn id="9" fill="hold">
                       <p:stCondLst>
                         <p:cond delay="indefinite"/>
                       </p:stCondLst>
                       <p:childTnLst>
                         <p:par>
-                          <p:cTn id="12" fill="hold">
+                          <p:cTn id="10" fill="hold">
                             <p:stCondLst>
                               <p:cond delay="0"/>
                             </p:stCondLst>
                             <p:childTnLst>
                               <p:par>
-                                <p:cTn id="13" presetID="1" presetClass="entr" presetSubtype="0" fill="hold" nodeType="clickEffect">
+                                <p:cTn id="11" presetID="1" presetClass="entr" presetSubtype="0" fill="hold" nodeType="clickEffect">
+                                  <p:stCondLst>
+                                    <p:cond delay="0"/>
+                                  </p:stCondLst>
+                                  <p:childTnLst>
+                                    <p:set>
+                                      <p:cBhvr>
+                                        <p:cTn id="12" dur="1" fill="hold">
+                                          <p:stCondLst>
+                                            <p:cond delay="0"/>
+                                          </p:stCondLst>
+                                        </p:cTn>
+                                        <p:tgtEl>
+                                          <p:spTgt spid="13">
+                                            <p:txEl>
+                                              <p:pRg st="1" end="1"/>
+                                            </p:txEl>
+                                          </p:spTgt>
+                                        </p:tgtEl>
+                                        <p:attrNameLst>
+                                          <p:attrName>style.visibility</p:attrName>
+                                        </p:attrNameLst>
+                                      </p:cBhvr>
+                                      <p:to>
+                                        <p:strVal val="visible"/>
+                                      </p:to>
+                                    </p:set>
+                                  </p:childTnLst>
+                                </p:cTn>
+                              </p:par>
+                              <p:par>
+                                <p:cTn id="13" presetID="1" presetClass="entr" presetSubtype="0" fill="hold" nodeType="withEffect">
                                   <p:stCondLst>
                                     <p:cond delay="0"/>
                                   </p:stCondLst>
@@ -4349,7 +4448,7 @@
                                           </p:stCondLst>
                                         </p:cTn>
                                         <p:tgtEl>
-                                          <p:spTgt spid="13">
+                                          <p:spTgt spid="14">
                                             <p:txEl>
                                               <p:pRg st="1" end="1"/>
                                             </p:txEl>
@@ -4398,9 +4497,9 @@
                                           </p:stCondLst>
                                         </p:cTn>
                                         <p:tgtEl>
-                                          <p:spTgt spid="14">
+                                          <p:spTgt spid="13">
                                             <p:txEl>
-                                              <p:pRg st="1" end="1"/>
+                                              <p:pRg st="2" end="2"/>
                                             </p:txEl>
                                           </p:spTgt>
                                         </p:tgtEl>
@@ -4415,39 +4514,21 @@
                                   </p:childTnLst>
                                 </p:cTn>
                               </p:par>
-                            </p:childTnLst>
-                          </p:cTn>
-                        </p:par>
-                      </p:childTnLst>
-                    </p:cTn>
-                  </p:par>
-                  <p:par>
-                    <p:cTn id="19" fill="hold">
-                      <p:stCondLst>
-                        <p:cond delay="indefinite"/>
-                      </p:stCondLst>
-                      <p:childTnLst>
-                        <p:par>
-                          <p:cTn id="20" fill="hold">
-                            <p:stCondLst>
-                              <p:cond delay="0"/>
-                            </p:stCondLst>
-                            <p:childTnLst>
                               <p:par>
-                                <p:cTn id="21" presetID="1" presetClass="entr" presetSubtype="0" fill="hold" nodeType="clickEffect">
+                                <p:cTn id="19" presetID="1" presetClass="entr" presetSubtype="0" fill="hold" nodeType="withEffect">
                                   <p:stCondLst>
                                     <p:cond delay="0"/>
                                   </p:stCondLst>
                                   <p:childTnLst>
                                     <p:set>
                                       <p:cBhvr>
-                                        <p:cTn id="22" dur="1" fill="hold">
+                                        <p:cTn id="20" dur="1" fill="hold">
                                           <p:stCondLst>
                                             <p:cond delay="0"/>
                                           </p:stCondLst>
                                         </p:cTn>
                                         <p:tgtEl>
-                                          <p:spTgt spid="13">
+                                          <p:spTgt spid="14">
                                             <p:txEl>
                                               <p:pRg st="2" end="2"/>
                                             </p:txEl>
@@ -4471,19 +4552,50 @@
                     </p:cTn>
                   </p:par>
                   <p:par>
-                    <p:cTn id="23" fill="hold">
+                    <p:cTn id="21" fill="hold">
                       <p:stCondLst>
                         <p:cond delay="indefinite"/>
                       </p:stCondLst>
                       <p:childTnLst>
                         <p:par>
-                          <p:cTn id="24" fill="hold">
+                          <p:cTn id="22" fill="hold">
                             <p:stCondLst>
                               <p:cond delay="0"/>
                             </p:stCondLst>
                             <p:childTnLst>
                               <p:par>
-                                <p:cTn id="25" presetID="1" presetClass="entr" presetSubtype="0" fill="hold" nodeType="clickEffect">
+                                <p:cTn id="23" presetID="1" presetClass="entr" presetSubtype="0" fill="hold" nodeType="clickEffect">
+                                  <p:stCondLst>
+                                    <p:cond delay="0"/>
+                                  </p:stCondLst>
+                                  <p:childTnLst>
+                                    <p:set>
+                                      <p:cBhvr>
+                                        <p:cTn id="24" dur="1" fill="hold">
+                                          <p:stCondLst>
+                                            <p:cond delay="0"/>
+                                          </p:stCondLst>
+                                        </p:cTn>
+                                        <p:tgtEl>
+                                          <p:spTgt spid="13">
+                                            <p:txEl>
+                                              <p:pRg st="3" end="3"/>
+                                            </p:txEl>
+                                          </p:spTgt>
+                                        </p:tgtEl>
+                                        <p:attrNameLst>
+                                          <p:attrName>style.visibility</p:attrName>
+                                        </p:attrNameLst>
+                                      </p:cBhvr>
+                                      <p:to>
+                                        <p:strVal val="visible"/>
+                                      </p:to>
+                                    </p:set>
+                                  </p:childTnLst>
+                                </p:cTn>
+                              </p:par>
+                              <p:par>
+                                <p:cTn id="25" presetID="1" presetClass="entr" presetSubtype="0" fill="hold" nodeType="withEffect">
                                   <p:stCondLst>
                                     <p:cond delay="0"/>
                                   </p:stCondLst>
@@ -4498,7 +4610,7 @@
                                         <p:tgtEl>
                                           <p:spTgt spid="14">
                                             <p:txEl>
-                                              <p:pRg st="2" end="2"/>
+                                              <p:pRg st="3" end="3"/>
                                             </p:txEl>
                                           </p:spTgt>
                                         </p:tgtEl>
@@ -4547,104 +4659,6 @@
                                         <p:tgtEl>
                                           <p:spTgt spid="13">
                                             <p:txEl>
-                                              <p:pRg st="3" end="3"/>
-                                            </p:txEl>
-                                          </p:spTgt>
-                                        </p:tgtEl>
-                                        <p:attrNameLst>
-                                          <p:attrName>style.visibility</p:attrName>
-                                        </p:attrNameLst>
-                                      </p:cBhvr>
-                                      <p:to>
-                                        <p:strVal val="visible"/>
-                                      </p:to>
-                                    </p:set>
-                                  </p:childTnLst>
-                                </p:cTn>
-                              </p:par>
-                            </p:childTnLst>
-                          </p:cTn>
-                        </p:par>
-                      </p:childTnLst>
-                    </p:cTn>
-                  </p:par>
-                  <p:par>
-                    <p:cTn id="31" fill="hold">
-                      <p:stCondLst>
-                        <p:cond delay="indefinite"/>
-                      </p:stCondLst>
-                      <p:childTnLst>
-                        <p:par>
-                          <p:cTn id="32" fill="hold">
-                            <p:stCondLst>
-                              <p:cond delay="0"/>
-                            </p:stCondLst>
-                            <p:childTnLst>
-                              <p:par>
-                                <p:cTn id="33" presetID="1" presetClass="entr" presetSubtype="0" fill="hold" nodeType="clickEffect">
-                                  <p:stCondLst>
-                                    <p:cond delay="0"/>
-                                  </p:stCondLst>
-                                  <p:childTnLst>
-                                    <p:set>
-                                      <p:cBhvr>
-                                        <p:cTn id="34" dur="1" fill="hold">
-                                          <p:stCondLst>
-                                            <p:cond delay="0"/>
-                                          </p:stCondLst>
-                                        </p:cTn>
-                                        <p:tgtEl>
-                                          <p:spTgt spid="14">
-                                            <p:txEl>
-                                              <p:pRg st="3" end="3"/>
-                                            </p:txEl>
-                                          </p:spTgt>
-                                        </p:tgtEl>
-                                        <p:attrNameLst>
-                                          <p:attrName>style.visibility</p:attrName>
-                                        </p:attrNameLst>
-                                      </p:cBhvr>
-                                      <p:to>
-                                        <p:strVal val="visible"/>
-                                      </p:to>
-                                    </p:set>
-                                  </p:childTnLst>
-                                </p:cTn>
-                              </p:par>
-                            </p:childTnLst>
-                          </p:cTn>
-                        </p:par>
-                      </p:childTnLst>
-                    </p:cTn>
-                  </p:par>
-                  <p:par>
-                    <p:cTn id="35" fill="hold">
-                      <p:stCondLst>
-                        <p:cond delay="indefinite"/>
-                      </p:stCondLst>
-                      <p:childTnLst>
-                        <p:par>
-                          <p:cTn id="36" fill="hold">
-                            <p:stCondLst>
-                              <p:cond delay="0"/>
-                            </p:stCondLst>
-                            <p:childTnLst>
-                              <p:par>
-                                <p:cTn id="37" presetID="1" presetClass="entr" presetSubtype="0" fill="hold" nodeType="clickEffect">
-                                  <p:stCondLst>
-                                    <p:cond delay="0"/>
-                                  </p:stCondLst>
-                                  <p:childTnLst>
-                                    <p:set>
-                                      <p:cBhvr>
-                                        <p:cTn id="38" dur="1" fill="hold">
-                                          <p:stCondLst>
-                                            <p:cond delay="0"/>
-                                          </p:stCondLst>
-                                        </p:cTn>
-                                        <p:tgtEl>
-                                          <p:spTgt spid="13">
-                                            <p:txEl>
                                               <p:pRg st="4" end="4"/>
                                             </p:txEl>
                                           </p:spTgt>
@@ -4660,33 +4674,15 @@
                                   </p:childTnLst>
                                 </p:cTn>
                               </p:par>
-                            </p:childTnLst>
-                          </p:cTn>
-                        </p:par>
-                      </p:childTnLst>
-                    </p:cTn>
-                  </p:par>
-                  <p:par>
-                    <p:cTn id="39" fill="hold">
-                      <p:stCondLst>
-                        <p:cond delay="indefinite"/>
-                      </p:stCondLst>
-                      <p:childTnLst>
-                        <p:par>
-                          <p:cTn id="40" fill="hold">
-                            <p:stCondLst>
-                              <p:cond delay="0"/>
-                            </p:stCondLst>
-                            <p:childTnLst>
                               <p:par>
-                                <p:cTn id="41" presetID="1" presetClass="entr" presetSubtype="0" fill="hold" nodeType="clickEffect">
+                                <p:cTn id="31" presetID="1" presetClass="entr" presetSubtype="0" fill="hold" nodeType="withEffect">
                                   <p:stCondLst>
                                     <p:cond delay="0"/>
                                   </p:stCondLst>
                                   <p:childTnLst>
                                     <p:set>
                                       <p:cBhvr>
-                                        <p:cTn id="42" dur="1" fill="hold">
+                                        <p:cTn id="32" dur="1" fill="hold">
                                           <p:stCondLst>
                                             <p:cond delay="0"/>
                                           </p:stCondLst>
@@ -4835,7 +4831,7 @@
         </p:nvSpPr>
         <p:spPr>
           <a:xfrm>
-            <a:off x="4419600" y="3238500"/>
+            <a:off x="675290" y="3547556"/>
             <a:ext cx="14595764" cy="5863144"/>
           </a:xfrm>
           <a:prstGeom prst="rect">
@@ -4909,6 +4905,51 @@
           </a:p>
         </p:txBody>
       </p:sp>
+      <p:pic>
+        <p:nvPicPr>
+          <p:cNvPr id="4" name="Picture 2">
+            <a:extLst>
+              <a:ext uri="{FF2B5EF4-FFF2-40B4-BE49-F238E27FC236}">
+                <a16:creationId xmlns:a16="http://schemas.microsoft.com/office/drawing/2014/main" id="{3370C160-E313-4D37-9F07-935A07060458}"/>
+              </a:ext>
+            </a:extLst>
+          </p:cNvPr>
+          <p:cNvPicPr>
+            <a:picLocks noChangeAspect="1" noChangeArrowheads="1"/>
+          </p:cNvPicPr>
+          <p:nvPr/>
+        </p:nvPicPr>
+        <p:blipFill rotWithShape="1">
+          <a:blip r:embed="rId3">
+            <a:extLst>
+              <a:ext uri="{28A0092B-C50C-407E-A947-70E740481C1C}">
+                <a14:useLocalDpi xmlns:a14="http://schemas.microsoft.com/office/drawing/2010/main" val="0"/>
+              </a:ext>
+            </a:extLst>
+          </a:blip>
+          <a:srcRect b="7247"/>
+          <a:stretch/>
+        </p:blipFill>
+        <p:spPr bwMode="auto">
+          <a:xfrm>
+            <a:off x="10287000" y="273462"/>
+            <a:ext cx="7696200" cy="9137238"/>
+          </a:xfrm>
+          <a:prstGeom prst="rect">
+            <a:avLst/>
+          </a:prstGeom>
+          <a:noFill/>
+          <a:extLst>
+            <a:ext uri="{909E8E84-426E-40DD-AFC4-6F175D3DCCD1}">
+              <a14:hiddenFill xmlns:a14="http://schemas.microsoft.com/office/drawing/2010/main">
+                <a:solidFill>
+                  <a:srgbClr val="FFFFFF"/>
+                </a:solidFill>
+              </a14:hiddenFill>
+            </a:ext>
+          </a:extLst>
+        </p:spPr>
+      </p:pic>
     </p:spTree>
     <p:extLst>
       <p:ext uri="{BB962C8B-B14F-4D97-AF65-F5344CB8AC3E}">
@@ -4939,55 +4980,93 @@
           <a:chExt cx="0" cy="0"/>
         </a:xfrm>
       </p:grpSpPr>
-      <p:pic>
-        <p:nvPicPr>
-          <p:cNvPr id="4" name="Picture 2">
+      <p:sp>
+        <p:nvSpPr>
+          <p:cNvPr id="3" name="TextBox 2">
             <a:extLst>
               <a:ext uri="{FF2B5EF4-FFF2-40B4-BE49-F238E27FC236}">
-                <a16:creationId xmlns:a16="http://schemas.microsoft.com/office/drawing/2014/main" id="{9BAD2AB0-21FC-4939-BEDF-115AD676D4DB}"/>
+                <a16:creationId xmlns:a16="http://schemas.microsoft.com/office/drawing/2014/main" id="{C715CFEE-4ED2-4F50-82E0-28DCD7D3614C}"/>
               </a:ext>
             </a:extLst>
           </p:cNvPr>
-          <p:cNvPicPr>
-            <a:picLocks noChangeAspect="1" noChangeArrowheads="1"/>
-          </p:cNvPicPr>
+          <p:cNvSpPr txBox="1"/>
           <p:nvPr/>
-        </p:nvPicPr>
-        <p:blipFill rotWithShape="1">
-          <a:blip r:embed="rId2">
-            <a:extLst>
-              <a:ext uri="{28A0092B-C50C-407E-A947-70E740481C1C}">
-                <a14:useLocalDpi xmlns:a14="http://schemas.microsoft.com/office/drawing/2010/main" val="0"/>
-              </a:ext>
-            </a:extLst>
-          </a:blip>
-          <a:srcRect b="7247"/>
-          <a:stretch/>
-        </p:blipFill>
-        <p:spPr bwMode="auto">
-          <a:xfrm>
-            <a:off x="5334000" y="419100"/>
-            <a:ext cx="7804005" cy="9265228"/>
+        </p:nvSpPr>
+        <p:spPr>
+          <a:xfrm>
+            <a:off x="3865418" y="2925200"/>
+            <a:ext cx="10557164" cy="4436599"/>
           </a:xfrm>
           <a:prstGeom prst="rect">
             <a:avLst/>
           </a:prstGeom>
           <a:noFill/>
-          <a:extLst>
-            <a:ext uri="{909E8E84-426E-40DD-AFC4-6F175D3DCCD1}">
-              <a14:hiddenFill xmlns:a14="http://schemas.microsoft.com/office/drawing/2010/main">
-                <a:solidFill>
-                  <a:srgbClr val="FFFFFF"/>
-                </a:solidFill>
-              </a14:hiddenFill>
-            </a:ext>
-          </a:extLst>
-        </p:spPr>
-      </p:pic>
+        </p:spPr>
+        <p:txBody>
+          <a:bodyPr wrap="square" rtlCol="0">
+            <a:spAutoFit/>
+          </a:bodyPr>
+          <a:lstStyle/>
+          <a:p>
+            <a:pPr algn="ctr">
+              <a:lnSpc>
+                <a:spcPts val="8400"/>
+              </a:lnSpc>
+              <a:spcBef>
+                <a:spcPct val="0"/>
+              </a:spcBef>
+            </a:pPr>
+            <a:r>
+              <a:rPr lang="en-US" sz="9000" b="1" spc="-126" dirty="0">
+                <a:latin typeface="Barlow Medium"/>
+              </a:rPr>
+              <a:t>DEMO – 1</a:t>
+            </a:r>
+            <a:br>
+              <a:rPr lang="en-US" sz="9000" b="1" spc="-126" dirty="0">
+                <a:latin typeface="Barlow Medium"/>
+              </a:rPr>
+            </a:br>
+            <a:br>
+              <a:rPr lang="en-US" sz="9000" b="1" spc="-126" dirty="0">
+                <a:latin typeface="Barlow Medium"/>
+              </a:rPr>
+            </a:br>
+            <a:r>
+              <a:rPr lang="en-US" sz="9000" b="1" spc="-126" dirty="0">
+                <a:latin typeface="Barlow Medium"/>
+              </a:rPr>
+              <a:t>Getting Started with </a:t>
+            </a:r>
+          </a:p>
+          <a:p>
+            <a:pPr algn="ctr">
+              <a:lnSpc>
+                <a:spcPts val="8400"/>
+              </a:lnSpc>
+              <a:spcBef>
+                <a:spcPct val="0"/>
+              </a:spcBef>
+            </a:pPr>
+            <a:r>
+              <a:rPr lang="en-US" sz="9000" b="1" spc="-126" dirty="0" err="1">
+                <a:latin typeface="Barlow Medium"/>
+              </a:rPr>
+              <a:t>PSGraph</a:t>
+            </a:r>
+            <a:r>
+              <a:rPr lang="en-US" sz="9000" b="1" spc="-126" dirty="0">
+                <a:latin typeface="Barlow Medium"/>
+              </a:rPr>
+              <a:t> Module</a:t>
+            </a:r>
+          </a:p>
+        </p:txBody>
+      </p:sp>
     </p:spTree>
     <p:extLst>
       <p:ext uri="{BB962C8B-B14F-4D97-AF65-F5344CB8AC3E}">
-        <p14:creationId xmlns:p14="http://schemas.microsoft.com/office/powerpoint/2010/main" val="1749754848"/>
+        <p14:creationId xmlns:p14="http://schemas.microsoft.com/office/powerpoint/2010/main" val="1571036666"/>
       </p:ext>
     </p:extLst>
   </p:cSld>
@@ -5029,7 +5108,7 @@
         <p:spPr>
           <a:xfrm>
             <a:off x="3865418" y="2925200"/>
-            <a:ext cx="10557164" cy="4436599"/>
+            <a:ext cx="10557164" cy="3359381"/>
           </a:xfrm>
           <a:prstGeom prst="rect">
             <a:avLst/>
@@ -5054,7 +5133,7 @@
               <a:rPr lang="en-US" sz="9000" b="1" spc="-126" dirty="0">
                 <a:latin typeface="Barlow Medium"/>
               </a:rPr>
-              <a:t>DEMO – 1</a:t>
+              <a:t>DEMO – 2</a:t>
             </a:r>
             <a:br>
               <a:rPr lang="en-US" sz="9000" b="1" spc="-126" dirty="0">
@@ -5070,29 +5149,7 @@
               <a:rPr lang="en-US" sz="9000" b="1" spc="-126" dirty="0">
                 <a:latin typeface="Barlow Medium"/>
               </a:rPr>
-              <a:t>Getting Started with </a:t>
-            </a:r>
-          </a:p>
-          <a:p>
-            <a:pPr algn="ctr">
-              <a:lnSpc>
-                <a:spcPts val="8400"/>
-              </a:lnSpc>
-              <a:spcBef>
-                <a:spcPct val="0"/>
-              </a:spcBef>
-            </a:pPr>
-            <a:r>
-              <a:rPr lang="en-US" sz="9000" b="1" spc="-126" dirty="0" err="1">
-                <a:latin typeface="Barlow Medium"/>
-              </a:rPr>
-              <a:t>PSGraph</a:t>
-            </a:r>
-            <a:r>
-              <a:rPr lang="en-US" sz="9000" b="1" spc="-126" dirty="0">
-                <a:latin typeface="Barlow Medium"/>
-              </a:rPr>
-              <a:t> Module</a:t>
+              <a:t>Advance Use cases</a:t>
             </a:r>
           </a:p>
         </p:txBody>
@@ -5100,7 +5157,7 @@
     </p:spTree>
     <p:extLst>
       <p:ext uri="{BB962C8B-B14F-4D97-AF65-F5344CB8AC3E}">
-        <p14:creationId xmlns:p14="http://schemas.microsoft.com/office/powerpoint/2010/main" val="1571036666"/>
+        <p14:creationId xmlns:p14="http://schemas.microsoft.com/office/powerpoint/2010/main" val="970419554"/>
       </p:ext>
     </p:extLst>
   </p:cSld>
@@ -5129,33 +5186,26 @@
       </p:grpSpPr>
       <p:sp>
         <p:nvSpPr>
-          <p:cNvPr id="3" name="TextBox 2">
-            <a:extLst>
-              <a:ext uri="{FF2B5EF4-FFF2-40B4-BE49-F238E27FC236}">
-                <a16:creationId xmlns:a16="http://schemas.microsoft.com/office/drawing/2014/main" id="{C715CFEE-4ED2-4F50-82E0-28DCD7D3614C}"/>
-              </a:ext>
-            </a:extLst>
-          </p:cNvPr>
+          <p:cNvPr id="2" name="TextBox 2"/>
           <p:cNvSpPr txBox="1"/>
           <p:nvPr/>
         </p:nvSpPr>
         <p:spPr>
           <a:xfrm>
-            <a:off x="3865418" y="2925200"/>
-            <a:ext cx="10557164" cy="3359381"/>
+            <a:off x="675290" y="75208"/>
+            <a:ext cx="7032041" cy="1034672"/>
           </a:xfrm>
           <a:prstGeom prst="rect">
             <a:avLst/>
           </a:prstGeom>
-          <a:noFill/>
-        </p:spPr>
-        <p:txBody>
-          <a:bodyPr wrap="square" rtlCol="0">
+        </p:spPr>
+        <p:txBody>
+          <a:bodyPr lIns="0" tIns="0" rIns="0" bIns="0" rtlCol="0" anchor="t">
             <a:spAutoFit/>
           </a:bodyPr>
           <a:lstStyle/>
           <a:p>
-            <a:pPr algn="ctr">
+            <a:pPr>
               <a:lnSpc>
                 <a:spcPts val="8400"/>
               </a:lnSpc>
@@ -5164,34 +5214,200 @@
               </a:spcBef>
             </a:pPr>
             <a:r>
-              <a:rPr lang="en-US" sz="9000" b="1" spc="-126" dirty="0">
+              <a:rPr lang="en-US" sz="6000" b="1" spc="-126" dirty="0">
+                <a:solidFill>
+                  <a:srgbClr val="000000"/>
+                </a:solidFill>
                 <a:latin typeface="Barlow Medium"/>
               </a:rPr>
-              <a:t>DEMO – 2</a:t>
+              <a:t>PS C: &gt;_   </a:t>
+            </a:r>
+            <a:r>
+              <a:rPr lang="en-US" sz="6000" b="1" spc="-126" dirty="0">
+                <a:solidFill>
+                  <a:srgbClr val="5271FF"/>
+                </a:solidFill>
+                <a:latin typeface="Barlow Medium"/>
+              </a:rPr>
+              <a:t>Get-Resource</a:t>
+            </a:r>
+          </a:p>
+        </p:txBody>
+      </p:sp>
+      <p:sp>
+        <p:nvSpPr>
+          <p:cNvPr id="4" name="TextBox 3">
+            <a:extLst>
+              <a:ext uri="{FF2B5EF4-FFF2-40B4-BE49-F238E27FC236}">
+                <a16:creationId xmlns:a16="http://schemas.microsoft.com/office/drawing/2014/main" id="{A8771B01-CC02-4D0F-969E-7B3AE6F28190}"/>
+              </a:ext>
+            </a:extLst>
+          </p:cNvPr>
+          <p:cNvSpPr txBox="1"/>
+          <p:nvPr/>
+        </p:nvSpPr>
+        <p:spPr>
+          <a:xfrm>
+            <a:off x="675290" y="1913385"/>
+            <a:ext cx="14107510" cy="8710077"/>
+          </a:xfrm>
+          <a:prstGeom prst="rect">
+            <a:avLst/>
+          </a:prstGeom>
+          <a:noFill/>
+        </p:spPr>
+        <p:txBody>
+          <a:bodyPr wrap="square" rtlCol="0">
+            <a:spAutoFit/>
+          </a:bodyPr>
+          <a:lstStyle/>
+          <a:p>
+            <a:pPr marL="285750" indent="-285750">
+              <a:buFont typeface="Arial" panose="020B0604020202020204" pitchFamily="34" charset="0"/>
+              <a:buChar char="•"/>
+            </a:pPr>
+            <a:r>
+              <a:rPr lang="en-US" sz="4000" dirty="0">
+                <a:latin typeface="Barlow Medium"/>
+              </a:rPr>
+              <a:t>Official Website of </a:t>
+            </a:r>
+            <a:r>
+              <a:rPr lang="en-US" sz="4000" dirty="0" err="1">
+                <a:latin typeface="Barlow Medium"/>
+              </a:rPr>
+              <a:t>GraphViz</a:t>
+            </a:r>
+            <a:r>
+              <a:rPr lang="en-US" sz="4000" dirty="0">
+                <a:latin typeface="Barlow Medium"/>
+              </a:rPr>
+              <a:t> </a:t>
+            </a:r>
+          </a:p>
+          <a:p>
+            <a:pPr lvl="2"/>
+            <a:r>
+              <a:rPr lang="en-US" sz="4000" dirty="0">
+                <a:hlinkClick r:id="rId2"/>
+              </a:rPr>
+              <a:t>https://www.graphviz.org/</a:t>
             </a:r>
             <a:br>
-              <a:rPr lang="en-US" sz="9000" b="1" spc="-126" dirty="0">
+              <a:rPr lang="en-US" sz="4000" dirty="0"/>
+            </a:br>
+            <a:endParaRPr lang="en-US" sz="4000" dirty="0">
+              <a:latin typeface="Barlow Medium"/>
+            </a:endParaRPr>
+          </a:p>
+          <a:p>
+            <a:pPr marL="285750" indent="-285750">
+              <a:buFont typeface="Arial" panose="020B0604020202020204" pitchFamily="34" charset="0"/>
+              <a:buChar char="•"/>
+            </a:pPr>
+            <a:r>
+              <a:rPr lang="en-US" sz="4000" dirty="0">
                 <a:latin typeface="Barlow Medium"/>
               </a:rPr>
+              <a:t>Use cases, API’s and Language Bindings</a:t>
+            </a:r>
+            <a:br>
+              <a:rPr lang="en-US" sz="4000" dirty="0">
+                <a:latin typeface="Barlow Medium"/>
+              </a:rPr>
             </a:br>
+            <a:r>
+              <a:rPr lang="en-US" sz="4000" dirty="0">
+                <a:latin typeface="Barlow Medium"/>
+              </a:rPr>
+              <a:t>	</a:t>
+            </a:r>
+            <a:r>
+              <a:rPr lang="en-US" sz="4000" dirty="0">
+                <a:hlinkClick r:id="rId3"/>
+              </a:rPr>
+              <a:t>https://github.com/CodeFreezr/awesome-graphviz</a:t>
+            </a:r>
             <a:br>
-              <a:rPr lang="en-US" sz="9000" b="1" spc="-126" dirty="0">
+              <a:rPr lang="en-US" sz="4000" dirty="0"/>
+            </a:br>
+            <a:endParaRPr lang="en-US" sz="4000" dirty="0"/>
+          </a:p>
+          <a:p>
+            <a:pPr marL="285750" indent="-285750">
+              <a:buFont typeface="Arial" panose="020B0604020202020204" pitchFamily="34" charset="0"/>
+              <a:buChar char="•"/>
+            </a:pPr>
+            <a:r>
+              <a:rPr lang="en-US" sz="4000" dirty="0" err="1">
                 <a:latin typeface="Barlow Medium"/>
               </a:rPr>
-            </a:br>
-            <a:r>
-              <a:rPr lang="en-US" sz="9000" b="1" spc="-126" dirty="0">
+              <a:t>PSGraph</a:t>
+            </a:r>
+            <a:r>
+              <a:rPr lang="en-US" sz="4000" dirty="0">
                 <a:latin typeface="Barlow Medium"/>
               </a:rPr>
-              <a:t>Advance Use cases</a:t>
-            </a:r>
+              <a:t> Documentation</a:t>
+            </a:r>
+          </a:p>
+          <a:p>
+            <a:pPr lvl="2"/>
+            <a:r>
+              <a:rPr lang="en-US" sz="4000" dirty="0">
+                <a:hlinkClick r:id="rId4"/>
+              </a:rPr>
+              <a:t>https://psgraph.readthedocs.io</a:t>
+            </a:r>
+            <a:endParaRPr lang="en-US" sz="4000" dirty="0"/>
+          </a:p>
+          <a:p>
+            <a:endParaRPr lang="en-US" sz="4000" dirty="0"/>
+          </a:p>
+          <a:p>
+            <a:pPr marL="285750" indent="-285750">
+              <a:buFont typeface="Arial" panose="020B0604020202020204" pitchFamily="34" charset="0"/>
+              <a:buChar char="•"/>
+            </a:pPr>
+            <a:r>
+              <a:rPr lang="en-US" sz="4000" dirty="0">
+                <a:latin typeface="Barlow Medium"/>
+              </a:rPr>
+              <a:t>Slides</a:t>
+            </a:r>
+          </a:p>
+          <a:p>
+            <a:pPr lvl="2"/>
+            <a:r>
+              <a:rPr lang="en-US" sz="4000" dirty="0">
+                <a:hlinkClick r:id="rId5"/>
+              </a:rPr>
+              <a:t>https://github.com/prateekkumarsingh/presentations</a:t>
+            </a:r>
+            <a:endParaRPr lang="en-US" sz="4000" dirty="0"/>
+          </a:p>
+          <a:p>
+            <a:pPr lvl="2"/>
+            <a:endParaRPr lang="en-US" sz="4000" dirty="0"/>
+          </a:p>
+          <a:p>
+            <a:pPr lvl="2"/>
+            <a:endParaRPr lang="en-US" sz="4000" dirty="0">
+              <a:latin typeface="Barlow Medium"/>
+            </a:endParaRPr>
+          </a:p>
+          <a:p>
+            <a:pPr lvl="2"/>
+            <a:endParaRPr lang="en-US" sz="4000" dirty="0">
+              <a:latin typeface="Barlow Medium"/>
+            </a:endParaRPr>
           </a:p>
         </p:txBody>
       </p:sp>
     </p:spTree>
     <p:extLst>
       <p:ext uri="{BB962C8B-B14F-4D97-AF65-F5344CB8AC3E}">
-        <p14:creationId xmlns:p14="http://schemas.microsoft.com/office/powerpoint/2010/main" val="970419554"/>
+        <p14:creationId xmlns:p14="http://schemas.microsoft.com/office/powerpoint/2010/main" val="4152927526"/>
       </p:ext>
     </p:extLst>
   </p:cSld>
@@ -5202,492 +5418,6 @@
 </file>
 
 <file path=ppt/slides/slide15.xml><?xml version="1.0" encoding="utf-8"?>
-<p:sld xmlns:a="http://schemas.openxmlformats.org/drawingml/2006/main" xmlns:r="http://schemas.openxmlformats.org/officeDocument/2006/relationships" xmlns:p="http://schemas.openxmlformats.org/presentationml/2006/main">
-  <p:cSld>
-    <p:spTree>
-      <p:nvGrpSpPr>
-        <p:cNvPr id="1" name=""/>
-        <p:cNvGrpSpPr/>
-        <p:nvPr/>
-      </p:nvGrpSpPr>
-      <p:grpSpPr>
-        <a:xfrm>
-          <a:off x="0" y="0"/>
-          <a:ext cx="0" cy="0"/>
-          <a:chOff x="0" y="0"/>
-          <a:chExt cx="0" cy="0"/>
-        </a:xfrm>
-      </p:grpSpPr>
-      <p:sp>
-        <p:nvSpPr>
-          <p:cNvPr id="2" name="TextBox 2"/>
-          <p:cNvSpPr txBox="1"/>
-          <p:nvPr/>
-        </p:nvSpPr>
-        <p:spPr>
-          <a:xfrm>
-            <a:off x="675290" y="75208"/>
-            <a:ext cx="7032041" cy="1034672"/>
-          </a:xfrm>
-          <a:prstGeom prst="rect">
-            <a:avLst/>
-          </a:prstGeom>
-        </p:spPr>
-        <p:txBody>
-          <a:bodyPr lIns="0" tIns="0" rIns="0" bIns="0" rtlCol="0" anchor="t">
-            <a:spAutoFit/>
-          </a:bodyPr>
-          <a:lstStyle/>
-          <a:p>
-            <a:pPr>
-              <a:lnSpc>
-                <a:spcPts val="8400"/>
-              </a:lnSpc>
-              <a:spcBef>
-                <a:spcPct val="0"/>
-              </a:spcBef>
-            </a:pPr>
-            <a:r>
-              <a:rPr lang="en-US" sz="6000" b="1" spc="-126" dirty="0">
-                <a:solidFill>
-                  <a:srgbClr val="000000"/>
-                </a:solidFill>
-                <a:latin typeface="Barlow Medium"/>
-              </a:rPr>
-              <a:t>PS C: &gt;_   </a:t>
-            </a:r>
-            <a:r>
-              <a:rPr lang="en-US" sz="6000" b="1" spc="-126" dirty="0">
-                <a:solidFill>
-                  <a:srgbClr val="5271FF"/>
-                </a:solidFill>
-                <a:latin typeface="Barlow Medium"/>
-              </a:rPr>
-              <a:t>Get-Resource</a:t>
-            </a:r>
-          </a:p>
-        </p:txBody>
-      </p:sp>
-      <p:sp>
-        <p:nvSpPr>
-          <p:cNvPr id="4" name="TextBox 3">
-            <a:extLst>
-              <a:ext uri="{FF2B5EF4-FFF2-40B4-BE49-F238E27FC236}">
-                <a16:creationId xmlns:a16="http://schemas.microsoft.com/office/drawing/2014/main" id="{A8771B01-CC02-4D0F-969E-7B3AE6F28190}"/>
-              </a:ext>
-            </a:extLst>
-          </p:cNvPr>
-          <p:cNvSpPr txBox="1"/>
-          <p:nvPr/>
-        </p:nvSpPr>
-        <p:spPr>
-          <a:xfrm>
-            <a:off x="675290" y="1913385"/>
-            <a:ext cx="14107510" cy="5016758"/>
-          </a:xfrm>
-          <a:prstGeom prst="rect">
-            <a:avLst/>
-          </a:prstGeom>
-          <a:noFill/>
-        </p:spPr>
-        <p:txBody>
-          <a:bodyPr wrap="square" rtlCol="0">
-            <a:spAutoFit/>
-          </a:bodyPr>
-          <a:lstStyle/>
-          <a:p>
-            <a:pPr marL="285750" indent="-285750">
-              <a:buFont typeface="Arial" panose="020B0604020202020204" pitchFamily="34" charset="0"/>
-              <a:buChar char="•"/>
-            </a:pPr>
-            <a:r>
-              <a:rPr lang="en-US" sz="4000" dirty="0">
-                <a:latin typeface="Barlow Medium"/>
-              </a:rPr>
-              <a:t>Official Website of </a:t>
-            </a:r>
-            <a:r>
-              <a:rPr lang="en-US" sz="4000" dirty="0" err="1">
-                <a:latin typeface="Barlow Medium"/>
-              </a:rPr>
-              <a:t>GraphViz</a:t>
-            </a:r>
-            <a:r>
-              <a:rPr lang="en-US" sz="4000" dirty="0">
-                <a:latin typeface="Barlow Medium"/>
-              </a:rPr>
-              <a:t> </a:t>
-            </a:r>
-          </a:p>
-          <a:p>
-            <a:pPr lvl="2"/>
-            <a:r>
-              <a:rPr lang="en-US" sz="4000" dirty="0">
-                <a:hlinkClick r:id="rId2"/>
-              </a:rPr>
-              <a:t>https://www.graphviz.org/</a:t>
-            </a:r>
-            <a:br>
-              <a:rPr lang="en-US" sz="4000" dirty="0"/>
-            </a:br>
-            <a:endParaRPr lang="en-US" sz="4000" dirty="0">
-              <a:latin typeface="Barlow Medium"/>
-            </a:endParaRPr>
-          </a:p>
-          <a:p>
-            <a:pPr marL="285750" indent="-285750">
-              <a:buFont typeface="Arial" panose="020B0604020202020204" pitchFamily="34" charset="0"/>
-              <a:buChar char="•"/>
-            </a:pPr>
-            <a:r>
-              <a:rPr lang="en-US" sz="4000" dirty="0">
-                <a:latin typeface="Barlow Medium"/>
-              </a:rPr>
-              <a:t>Use cases, API’s and Language Bindings</a:t>
-            </a:r>
-            <a:br>
-              <a:rPr lang="en-US" sz="4000" dirty="0">
-                <a:latin typeface="Barlow Medium"/>
-              </a:rPr>
-            </a:br>
-            <a:r>
-              <a:rPr lang="en-US" sz="4000" dirty="0">
-                <a:latin typeface="Barlow Medium"/>
-              </a:rPr>
-              <a:t>	</a:t>
-            </a:r>
-            <a:r>
-              <a:rPr lang="en-US" sz="4000" dirty="0">
-                <a:hlinkClick r:id="rId3"/>
-              </a:rPr>
-              <a:t>https://github.com/CodeFreezr/awesome-graphviz</a:t>
-            </a:r>
-            <a:br>
-              <a:rPr lang="en-US" sz="4000" dirty="0"/>
-            </a:br>
-            <a:endParaRPr lang="en-US" sz="4000" dirty="0"/>
-          </a:p>
-          <a:p>
-            <a:pPr marL="285750" indent="-285750">
-              <a:buFont typeface="Arial" panose="020B0604020202020204" pitchFamily="34" charset="0"/>
-              <a:buChar char="•"/>
-            </a:pPr>
-            <a:r>
-              <a:rPr lang="en-US" sz="4000" dirty="0" err="1">
-                <a:latin typeface="Barlow Medium"/>
-              </a:rPr>
-              <a:t>PSGraph</a:t>
-            </a:r>
-            <a:r>
-              <a:rPr lang="en-US" sz="4000" dirty="0">
-                <a:latin typeface="Barlow Medium"/>
-              </a:rPr>
-              <a:t> Documentation</a:t>
-            </a:r>
-          </a:p>
-          <a:p>
-            <a:pPr lvl="2"/>
-            <a:r>
-              <a:rPr lang="en-US" sz="4000" dirty="0">
-                <a:hlinkClick r:id="rId4"/>
-              </a:rPr>
-              <a:t>https://psgraph.readthedocs.io</a:t>
-            </a:r>
-            <a:endParaRPr lang="en-US" sz="4000" dirty="0">
-              <a:latin typeface="Barlow Medium"/>
-            </a:endParaRPr>
-          </a:p>
-        </p:txBody>
-      </p:sp>
-    </p:spTree>
-    <p:extLst>
-      <p:ext uri="{BB962C8B-B14F-4D97-AF65-F5344CB8AC3E}">
-        <p14:creationId xmlns:p14="http://schemas.microsoft.com/office/powerpoint/2010/main" val="4152927526"/>
-      </p:ext>
-    </p:extLst>
-  </p:cSld>
-  <p:clrMapOvr>
-    <a:masterClrMapping/>
-  </p:clrMapOvr>
-  <p:timing>
-    <p:tnLst>
-      <p:par>
-        <p:cTn id="1" dur="indefinite" restart="never" nodeType="tmRoot">
-          <p:childTnLst>
-            <p:seq concurrent="1" nextAc="seek">
-              <p:cTn id="2" dur="indefinite" nodeType="mainSeq">
-                <p:childTnLst>
-                  <p:par>
-                    <p:cTn id="3" fill="hold">
-                      <p:stCondLst>
-                        <p:cond delay="indefinite"/>
-                      </p:stCondLst>
-                      <p:childTnLst>
-                        <p:par>
-                          <p:cTn id="4" fill="hold">
-                            <p:stCondLst>
-                              <p:cond delay="0"/>
-                            </p:stCondLst>
-                            <p:childTnLst>
-                              <p:par>
-                                <p:cTn id="5" presetID="1" presetClass="entr" presetSubtype="0" fill="hold" nodeType="clickEffect">
-                                  <p:stCondLst>
-                                    <p:cond delay="0"/>
-                                  </p:stCondLst>
-                                  <p:childTnLst>
-                                    <p:set>
-                                      <p:cBhvr>
-                                        <p:cTn id="6" dur="1" fill="hold">
-                                          <p:stCondLst>
-                                            <p:cond delay="0"/>
-                                          </p:stCondLst>
-                                        </p:cTn>
-                                        <p:tgtEl>
-                                          <p:spTgt spid="4">
-                                            <p:txEl>
-                                              <p:pRg st="0" end="0"/>
-                                            </p:txEl>
-                                          </p:spTgt>
-                                        </p:tgtEl>
-                                        <p:attrNameLst>
-                                          <p:attrName>style.visibility</p:attrName>
-                                        </p:attrNameLst>
-                                      </p:cBhvr>
-                                      <p:to>
-                                        <p:strVal val="visible"/>
-                                      </p:to>
-                                    </p:set>
-                                  </p:childTnLst>
-                                </p:cTn>
-                              </p:par>
-                            </p:childTnLst>
-                          </p:cTn>
-                        </p:par>
-                      </p:childTnLst>
-                    </p:cTn>
-                  </p:par>
-                  <p:par>
-                    <p:cTn id="7" fill="hold">
-                      <p:stCondLst>
-                        <p:cond delay="indefinite"/>
-                      </p:stCondLst>
-                      <p:childTnLst>
-                        <p:par>
-                          <p:cTn id="8" fill="hold">
-                            <p:stCondLst>
-                              <p:cond delay="0"/>
-                            </p:stCondLst>
-                            <p:childTnLst>
-                              <p:par>
-                                <p:cTn id="9" presetID="1" presetClass="entr" presetSubtype="0" fill="hold" nodeType="clickEffect">
-                                  <p:stCondLst>
-                                    <p:cond delay="0"/>
-                                  </p:stCondLst>
-                                  <p:childTnLst>
-                                    <p:set>
-                                      <p:cBhvr>
-                                        <p:cTn id="10" dur="1" fill="hold">
-                                          <p:stCondLst>
-                                            <p:cond delay="0"/>
-                                          </p:stCondLst>
-                                        </p:cTn>
-                                        <p:tgtEl>
-                                          <p:spTgt spid="4">
-                                            <p:txEl>
-                                              <p:pRg st="1" end="1"/>
-                                            </p:txEl>
-                                          </p:spTgt>
-                                        </p:tgtEl>
-                                        <p:attrNameLst>
-                                          <p:attrName>style.visibility</p:attrName>
-                                        </p:attrNameLst>
-                                      </p:cBhvr>
-                                      <p:to>
-                                        <p:strVal val="visible"/>
-                                      </p:to>
-                                    </p:set>
-                                  </p:childTnLst>
-                                </p:cTn>
-                              </p:par>
-                            </p:childTnLst>
-                          </p:cTn>
-                        </p:par>
-                      </p:childTnLst>
-                    </p:cTn>
-                  </p:par>
-                  <p:par>
-                    <p:cTn id="11" fill="hold">
-                      <p:stCondLst>
-                        <p:cond delay="indefinite"/>
-                      </p:stCondLst>
-                      <p:childTnLst>
-                        <p:par>
-                          <p:cTn id="12" fill="hold">
-                            <p:stCondLst>
-                              <p:cond delay="0"/>
-                            </p:stCondLst>
-                            <p:childTnLst>
-                              <p:par>
-                                <p:cTn id="13" presetID="1" presetClass="entr" presetSubtype="0" fill="hold" nodeType="clickEffect">
-                                  <p:stCondLst>
-                                    <p:cond delay="0"/>
-                                  </p:stCondLst>
-                                  <p:childTnLst>
-                                    <p:set>
-                                      <p:cBhvr>
-                                        <p:cTn id="14" dur="1" fill="hold">
-                                          <p:stCondLst>
-                                            <p:cond delay="0"/>
-                                          </p:stCondLst>
-                                        </p:cTn>
-                                        <p:tgtEl>
-                                          <p:spTgt spid="4">
-                                            <p:txEl>
-                                              <p:pRg st="2" end="2"/>
-                                            </p:txEl>
-                                          </p:spTgt>
-                                        </p:tgtEl>
-                                        <p:attrNameLst>
-                                          <p:attrName>style.visibility</p:attrName>
-                                        </p:attrNameLst>
-                                      </p:cBhvr>
-                                      <p:to>
-                                        <p:strVal val="visible"/>
-                                      </p:to>
-                                    </p:set>
-                                  </p:childTnLst>
-                                </p:cTn>
-                              </p:par>
-                            </p:childTnLst>
-                          </p:cTn>
-                        </p:par>
-                      </p:childTnLst>
-                    </p:cTn>
-                  </p:par>
-                  <p:par>
-                    <p:cTn id="15" fill="hold">
-                      <p:stCondLst>
-                        <p:cond delay="indefinite"/>
-                      </p:stCondLst>
-                      <p:childTnLst>
-                        <p:par>
-                          <p:cTn id="16" fill="hold">
-                            <p:stCondLst>
-                              <p:cond delay="0"/>
-                            </p:stCondLst>
-                            <p:childTnLst>
-                              <p:par>
-                                <p:cTn id="17" presetID="1" presetClass="entr" presetSubtype="0" fill="hold" nodeType="clickEffect">
-                                  <p:stCondLst>
-                                    <p:cond delay="0"/>
-                                  </p:stCondLst>
-                                  <p:childTnLst>
-                                    <p:set>
-                                      <p:cBhvr>
-                                        <p:cTn id="18" dur="1" fill="hold">
-                                          <p:stCondLst>
-                                            <p:cond delay="0"/>
-                                          </p:stCondLst>
-                                        </p:cTn>
-                                        <p:tgtEl>
-                                          <p:spTgt spid="4">
-                                            <p:txEl>
-                                              <p:pRg st="3" end="3"/>
-                                            </p:txEl>
-                                          </p:spTgt>
-                                        </p:tgtEl>
-                                        <p:attrNameLst>
-                                          <p:attrName>style.visibility</p:attrName>
-                                        </p:attrNameLst>
-                                      </p:cBhvr>
-                                      <p:to>
-                                        <p:strVal val="visible"/>
-                                      </p:to>
-                                    </p:set>
-                                  </p:childTnLst>
-                                </p:cTn>
-                              </p:par>
-                            </p:childTnLst>
-                          </p:cTn>
-                        </p:par>
-                      </p:childTnLst>
-                    </p:cTn>
-                  </p:par>
-                  <p:par>
-                    <p:cTn id="19" fill="hold">
-                      <p:stCondLst>
-                        <p:cond delay="indefinite"/>
-                      </p:stCondLst>
-                      <p:childTnLst>
-                        <p:par>
-                          <p:cTn id="20" fill="hold">
-                            <p:stCondLst>
-                              <p:cond delay="0"/>
-                            </p:stCondLst>
-                            <p:childTnLst>
-                              <p:par>
-                                <p:cTn id="21" presetID="1" presetClass="entr" presetSubtype="0" fill="hold" nodeType="clickEffect">
-                                  <p:stCondLst>
-                                    <p:cond delay="0"/>
-                                  </p:stCondLst>
-                                  <p:childTnLst>
-                                    <p:set>
-                                      <p:cBhvr>
-                                        <p:cTn id="22" dur="1" fill="hold">
-                                          <p:stCondLst>
-                                            <p:cond delay="0"/>
-                                          </p:stCondLst>
-                                        </p:cTn>
-                                        <p:tgtEl>
-                                          <p:spTgt spid="4">
-                                            <p:txEl>
-                                              <p:pRg st="4" end="4"/>
-                                            </p:txEl>
-                                          </p:spTgt>
-                                        </p:tgtEl>
-                                        <p:attrNameLst>
-                                          <p:attrName>style.visibility</p:attrName>
-                                        </p:attrNameLst>
-                                      </p:cBhvr>
-                                      <p:to>
-                                        <p:strVal val="visible"/>
-                                      </p:to>
-                                    </p:set>
-                                  </p:childTnLst>
-                                </p:cTn>
-                              </p:par>
-                            </p:childTnLst>
-                          </p:cTn>
-                        </p:par>
-                      </p:childTnLst>
-                    </p:cTn>
-                  </p:par>
-                </p:childTnLst>
-              </p:cTn>
-              <p:prevCondLst>
-                <p:cond evt="onPrev" delay="0">
-                  <p:tgtEl>
-                    <p:sldTgt/>
-                  </p:tgtEl>
-                </p:cond>
-              </p:prevCondLst>
-              <p:nextCondLst>
-                <p:cond evt="onNext" delay="0">
-                  <p:tgtEl>
-                    <p:sldTgt/>
-                  </p:tgtEl>
-                </p:cond>
-              </p:nextCondLst>
-            </p:seq>
-          </p:childTnLst>
-        </p:cTn>
-      </p:par>
-    </p:tnLst>
-  </p:timing>
-</p:sld>
-</file>
-
-<file path=ppt/slides/slide16.xml><?xml version="1.0" encoding="utf-8"?>
 <p:sld xmlns:a="http://schemas.openxmlformats.org/drawingml/2006/main" xmlns:r="http://schemas.openxmlformats.org/officeDocument/2006/relationships" xmlns:p="http://schemas.openxmlformats.org/presentationml/2006/main">
   <p:cSld>
     <p:bg>
@@ -5806,7 +5536,7 @@
 </p:sld>
 </file>
 
-<file path=ppt/slides/slide2.xml><?xml version="1.0" encoding="utf-8"?>
+<file path=ppt/slides/slide16.xml><?xml version="1.0" encoding="utf-8"?>
 <p:sld xmlns:a="http://schemas.openxmlformats.org/drawingml/2006/main" xmlns:r="http://schemas.openxmlformats.org/officeDocument/2006/relationships" xmlns:p="http://schemas.openxmlformats.org/presentationml/2006/main">
   <p:cSld>
     <p:spTree>
@@ -6742,6 +6472,954 @@
         </p:txBody>
       </p:sp>
     </p:spTree>
+    <p:extLst>
+      <p:ext uri="{BB962C8B-B14F-4D97-AF65-F5344CB8AC3E}">
+        <p14:creationId xmlns:p14="http://schemas.microsoft.com/office/powerpoint/2010/main" val="1264062369"/>
+      </p:ext>
+    </p:extLst>
+  </p:cSld>
+  <p:clrMapOvr>
+    <a:masterClrMapping/>
+  </p:clrMapOvr>
+</p:sld>
+</file>
+
+<file path=ppt/slides/slide2.xml><?xml version="1.0" encoding="utf-8"?>
+<p:sld xmlns:a="http://schemas.openxmlformats.org/drawingml/2006/main" xmlns:r="http://schemas.openxmlformats.org/officeDocument/2006/relationships" xmlns:p="http://schemas.openxmlformats.org/presentationml/2006/main">
+  <p:cSld>
+    <p:spTree>
+      <p:nvGrpSpPr>
+        <p:cNvPr id="1" name=""/>
+        <p:cNvGrpSpPr/>
+        <p:nvPr/>
+      </p:nvGrpSpPr>
+      <p:grpSpPr>
+        <a:xfrm>
+          <a:off x="0" y="0"/>
+          <a:ext cx="0" cy="0"/>
+          <a:chOff x="0" y="0"/>
+          <a:chExt cx="0" cy="0"/>
+        </a:xfrm>
+      </p:grpSpPr>
+      <p:sp>
+        <p:nvSpPr>
+          <p:cNvPr id="2" name="TextBox 2"/>
+          <p:cNvSpPr txBox="1"/>
+          <p:nvPr/>
+        </p:nvSpPr>
+        <p:spPr>
+          <a:xfrm>
+            <a:off x="13186073" y="7186451"/>
+            <a:ext cx="17598727" cy="596603"/>
+          </a:xfrm>
+          <a:prstGeom prst="rect">
+            <a:avLst/>
+          </a:prstGeom>
+        </p:spPr>
+        <p:txBody>
+          <a:bodyPr lIns="0" tIns="0" rIns="0" bIns="0" rtlCol="0" anchor="t">
+            <a:spAutoFit/>
+          </a:bodyPr>
+          <a:lstStyle/>
+          <a:p>
+            <a:pPr>
+              <a:lnSpc>
+                <a:spcPts val="4812"/>
+              </a:lnSpc>
+              <a:spcBef>
+                <a:spcPct val="0"/>
+              </a:spcBef>
+            </a:pPr>
+            <a:r>
+              <a:rPr lang="en-US" sz="3437" b="1" dirty="0">
+                <a:solidFill>
+                  <a:srgbClr val="000000"/>
+                </a:solidFill>
+                <a:latin typeface="Barlow Bold"/>
+              </a:rPr>
+              <a:t>/SINGHPRATEIK</a:t>
+            </a:r>
+          </a:p>
+        </p:txBody>
+      </p:sp>
+      <p:sp>
+        <p:nvSpPr>
+          <p:cNvPr id="3" name="TextBox 3"/>
+          <p:cNvSpPr txBox="1"/>
+          <p:nvPr/>
+        </p:nvSpPr>
+        <p:spPr>
+          <a:xfrm>
+            <a:off x="12420600" y="8423276"/>
+            <a:ext cx="17751098" cy="582178"/>
+          </a:xfrm>
+          <a:prstGeom prst="rect">
+            <a:avLst/>
+          </a:prstGeom>
+        </p:spPr>
+        <p:txBody>
+          <a:bodyPr lIns="0" tIns="0" rIns="0" bIns="0" rtlCol="0" anchor="t">
+            <a:spAutoFit/>
+          </a:bodyPr>
+          <a:lstStyle/>
+          <a:p>
+            <a:pPr>
+              <a:lnSpc>
+                <a:spcPts val="4780"/>
+              </a:lnSpc>
+              <a:spcBef>
+                <a:spcPct val="0"/>
+              </a:spcBef>
+            </a:pPr>
+            <a:r>
+              <a:rPr lang="en-US" sz="3414" b="1" spc="-71" dirty="0">
+                <a:solidFill>
+                  <a:srgbClr val="000000"/>
+                </a:solidFill>
+                <a:latin typeface="Barlow Bold"/>
+              </a:rPr>
+              <a:t>        /RIDICULOUSLYCURIOUS  </a:t>
+            </a:r>
+          </a:p>
+        </p:txBody>
+      </p:sp>
+      <p:pic>
+        <p:nvPicPr>
+          <p:cNvPr id="4" name="Picture 4"/>
+          <p:cNvPicPr>
+            <a:picLocks noChangeAspect="1"/>
+          </p:cNvPicPr>
+          <p:nvPr/>
+        </p:nvPicPr>
+        <p:blipFill>
+          <a:blip r:embed="rId2"/>
+          <a:srcRect/>
+          <a:stretch>
+            <a:fillRect/>
+          </a:stretch>
+        </p:blipFill>
+        <p:spPr>
+          <a:xfrm>
+            <a:off x="12215709" y="7048500"/>
+            <a:ext cx="909696" cy="909696"/>
+          </a:xfrm>
+          <a:prstGeom prst="rect">
+            <a:avLst/>
+          </a:prstGeom>
+        </p:spPr>
+      </p:pic>
+      <p:pic>
+        <p:nvPicPr>
+          <p:cNvPr id="5" name="Picture 5"/>
+          <p:cNvPicPr>
+            <a:picLocks noChangeAspect="1"/>
+          </p:cNvPicPr>
+          <p:nvPr/>
+        </p:nvPicPr>
+        <p:blipFill>
+          <a:blip r:embed="rId3"/>
+          <a:srcRect/>
+          <a:stretch>
+            <a:fillRect/>
+          </a:stretch>
+        </p:blipFill>
+        <p:spPr>
+          <a:xfrm>
+            <a:off x="12348732" y="7834718"/>
+            <a:ext cx="594077" cy="580472"/>
+          </a:xfrm>
+          <a:prstGeom prst="rect">
+            <a:avLst/>
+          </a:prstGeom>
+        </p:spPr>
+      </p:pic>
+      <p:pic>
+        <p:nvPicPr>
+          <p:cNvPr id="6" name="Picture 6"/>
+          <p:cNvPicPr>
+            <a:picLocks noChangeAspect="1"/>
+          </p:cNvPicPr>
+          <p:nvPr/>
+        </p:nvPicPr>
+        <p:blipFill>
+          <a:blip r:embed="rId4"/>
+          <a:srcRect/>
+          <a:stretch>
+            <a:fillRect/>
+          </a:stretch>
+        </p:blipFill>
+        <p:spPr>
+          <a:xfrm>
+            <a:off x="11836423" y="8181642"/>
+            <a:ext cx="1618696" cy="1214022"/>
+          </a:xfrm>
+          <a:prstGeom prst="rect">
+            <a:avLst/>
+          </a:prstGeom>
+        </p:spPr>
+      </p:pic>
+      <p:sp>
+        <p:nvSpPr>
+          <p:cNvPr id="7" name="TextBox 7"/>
+          <p:cNvSpPr txBox="1"/>
+          <p:nvPr/>
+        </p:nvSpPr>
+        <p:spPr>
+          <a:xfrm>
+            <a:off x="13163277" y="7810500"/>
+            <a:ext cx="17598727" cy="596603"/>
+          </a:xfrm>
+          <a:prstGeom prst="rect">
+            <a:avLst/>
+          </a:prstGeom>
+        </p:spPr>
+        <p:txBody>
+          <a:bodyPr lIns="0" tIns="0" rIns="0" bIns="0" rtlCol="0" anchor="t">
+            <a:spAutoFit/>
+          </a:bodyPr>
+          <a:lstStyle/>
+          <a:p>
+            <a:pPr>
+              <a:lnSpc>
+                <a:spcPts val="4812"/>
+              </a:lnSpc>
+              <a:spcBef>
+                <a:spcPct val="0"/>
+              </a:spcBef>
+            </a:pPr>
+            <a:r>
+              <a:rPr lang="en-US" sz="3437" b="1" dirty="0">
+                <a:solidFill>
+                  <a:srgbClr val="000000"/>
+                </a:solidFill>
+                <a:latin typeface="Barlow Bold"/>
+              </a:rPr>
+              <a:t>/PRATEEKKUMARSINGH</a:t>
+            </a:r>
+          </a:p>
+        </p:txBody>
+      </p:sp>
+      <p:pic>
+        <p:nvPicPr>
+          <p:cNvPr id="8" name="Picture 8"/>
+          <p:cNvPicPr>
+            <a:picLocks noChangeAspect="1"/>
+          </p:cNvPicPr>
+          <p:nvPr/>
+        </p:nvPicPr>
+        <p:blipFill>
+          <a:blip r:embed="rId5"/>
+          <a:srcRect/>
+          <a:stretch>
+            <a:fillRect/>
+          </a:stretch>
+        </p:blipFill>
+        <p:spPr>
+          <a:xfrm>
+            <a:off x="12645771" y="502835"/>
+            <a:ext cx="5068850" cy="5068850"/>
+          </a:xfrm>
+          <a:prstGeom prst="rect">
+            <a:avLst/>
+          </a:prstGeom>
+        </p:spPr>
+      </p:pic>
+      <p:pic>
+        <p:nvPicPr>
+          <p:cNvPr id="9" name="Picture 9"/>
+          <p:cNvPicPr>
+            <a:picLocks noChangeAspect="1"/>
+          </p:cNvPicPr>
+          <p:nvPr/>
+        </p:nvPicPr>
+        <p:blipFill>
+          <a:blip r:embed="rId6"/>
+          <a:srcRect/>
+          <a:stretch>
+            <a:fillRect/>
+          </a:stretch>
+        </p:blipFill>
+        <p:spPr>
+          <a:xfrm>
+            <a:off x="754083" y="5571685"/>
+            <a:ext cx="2602742" cy="4164388"/>
+          </a:xfrm>
+          <a:prstGeom prst="rect">
+            <a:avLst/>
+          </a:prstGeom>
+        </p:spPr>
+      </p:pic>
+      <p:pic>
+        <p:nvPicPr>
+          <p:cNvPr id="10" name="Picture 10"/>
+          <p:cNvPicPr>
+            <a:picLocks noChangeAspect="1"/>
+          </p:cNvPicPr>
+          <p:nvPr/>
+        </p:nvPicPr>
+        <p:blipFill>
+          <a:blip r:embed="rId7"/>
+          <a:srcRect/>
+          <a:stretch>
+            <a:fillRect/>
+          </a:stretch>
+        </p:blipFill>
+        <p:spPr>
+          <a:xfrm>
+            <a:off x="7075643" y="5571685"/>
+            <a:ext cx="3206579" cy="4164388"/>
+          </a:xfrm>
+          <a:prstGeom prst="rect">
+            <a:avLst/>
+          </a:prstGeom>
+        </p:spPr>
+      </p:pic>
+      <p:sp>
+        <p:nvSpPr>
+          <p:cNvPr id="11" name="TextBox 11"/>
+          <p:cNvSpPr txBox="1"/>
+          <p:nvPr/>
+        </p:nvSpPr>
+        <p:spPr>
+          <a:xfrm>
+            <a:off x="754083" y="4562111"/>
+            <a:ext cx="4071132" cy="565821"/>
+          </a:xfrm>
+          <a:prstGeom prst="rect">
+            <a:avLst/>
+          </a:prstGeom>
+        </p:spPr>
+        <p:txBody>
+          <a:bodyPr lIns="0" tIns="0" rIns="0" bIns="0" rtlCol="0" anchor="t">
+            <a:spAutoFit/>
+          </a:bodyPr>
+          <a:lstStyle/>
+          <a:p>
+            <a:pPr>
+              <a:lnSpc>
+                <a:spcPts val="4628"/>
+              </a:lnSpc>
+              <a:spcBef>
+                <a:spcPct val="0"/>
+              </a:spcBef>
+            </a:pPr>
+            <a:r>
+              <a:rPr lang="en-US" sz="3306" b="1" spc="-69" dirty="0">
+                <a:solidFill>
+                  <a:srgbClr val="000000"/>
+                </a:solidFill>
+                <a:latin typeface="Barlow Bold"/>
+              </a:rPr>
+              <a:t>BOOKS AUTHORED</a:t>
+            </a:r>
+          </a:p>
+        </p:txBody>
+      </p:sp>
+      <p:sp>
+        <p:nvSpPr>
+          <p:cNvPr id="12" name="TextBox 12"/>
+          <p:cNvSpPr txBox="1"/>
+          <p:nvPr/>
+        </p:nvSpPr>
+        <p:spPr>
+          <a:xfrm>
+            <a:off x="6995221" y="4562111"/>
+            <a:ext cx="5819056" cy="565821"/>
+          </a:xfrm>
+          <a:prstGeom prst="rect">
+            <a:avLst/>
+          </a:prstGeom>
+        </p:spPr>
+        <p:txBody>
+          <a:bodyPr lIns="0" tIns="0" rIns="0" bIns="0" rtlCol="0" anchor="t">
+            <a:spAutoFit/>
+          </a:bodyPr>
+          <a:lstStyle/>
+          <a:p>
+            <a:pPr>
+              <a:lnSpc>
+                <a:spcPts val="4628"/>
+              </a:lnSpc>
+              <a:spcBef>
+                <a:spcPct val="0"/>
+              </a:spcBef>
+            </a:pPr>
+            <a:r>
+              <a:rPr lang="en-US" sz="3306" b="1" spc="-69" dirty="0">
+                <a:solidFill>
+                  <a:srgbClr val="000000"/>
+                </a:solidFill>
+                <a:latin typeface="Barlow Bold"/>
+              </a:rPr>
+              <a:t>CONTRIBUTING AUTHOR</a:t>
+            </a:r>
+          </a:p>
+        </p:txBody>
+      </p:sp>
+      <p:sp>
+        <p:nvSpPr>
+          <p:cNvPr id="13" name="TextBox 13"/>
+          <p:cNvSpPr txBox="1"/>
+          <p:nvPr/>
+        </p:nvSpPr>
+        <p:spPr>
+          <a:xfrm>
+            <a:off x="754083" y="1671854"/>
+            <a:ext cx="4071132" cy="565821"/>
+          </a:xfrm>
+          <a:prstGeom prst="rect">
+            <a:avLst/>
+          </a:prstGeom>
+        </p:spPr>
+        <p:txBody>
+          <a:bodyPr lIns="0" tIns="0" rIns="0" bIns="0" rtlCol="0" anchor="t">
+            <a:spAutoFit/>
+          </a:bodyPr>
+          <a:lstStyle/>
+          <a:p>
+            <a:pPr>
+              <a:lnSpc>
+                <a:spcPts val="4628"/>
+              </a:lnSpc>
+              <a:spcBef>
+                <a:spcPct val="0"/>
+              </a:spcBef>
+            </a:pPr>
+            <a:r>
+              <a:rPr lang="en-US" sz="3306" b="1" spc="-69" dirty="0">
+                <a:solidFill>
+                  <a:srgbClr val="000000"/>
+                </a:solidFill>
+                <a:latin typeface="Barlow Bold"/>
+              </a:rPr>
+              <a:t>TECH. WRITER FOR</a:t>
+            </a:r>
+          </a:p>
+        </p:txBody>
+      </p:sp>
+      <p:pic>
+        <p:nvPicPr>
+          <p:cNvPr id="14" name="Picture 14"/>
+          <p:cNvPicPr>
+            <a:picLocks noChangeAspect="1"/>
+          </p:cNvPicPr>
+          <p:nvPr/>
+        </p:nvPicPr>
+        <p:blipFill>
+          <a:blip r:embed="rId8"/>
+          <a:srcRect t="9670" b="9670"/>
+          <a:stretch>
+            <a:fillRect/>
+          </a:stretch>
+        </p:blipFill>
+        <p:spPr>
+          <a:xfrm>
+            <a:off x="3584436" y="2791362"/>
+            <a:ext cx="2572085" cy="1068426"/>
+          </a:xfrm>
+          <a:prstGeom prst="rect">
+            <a:avLst/>
+          </a:prstGeom>
+        </p:spPr>
+      </p:pic>
+      <p:pic>
+        <p:nvPicPr>
+          <p:cNvPr id="15" name="Picture 15"/>
+          <p:cNvPicPr>
+            <a:picLocks noChangeAspect="1"/>
+          </p:cNvPicPr>
+          <p:nvPr/>
+        </p:nvPicPr>
+        <p:blipFill>
+          <a:blip r:embed="rId9"/>
+          <a:srcRect/>
+          <a:stretch>
+            <a:fillRect/>
+          </a:stretch>
+        </p:blipFill>
+        <p:spPr>
+          <a:xfrm>
+            <a:off x="754083" y="2791362"/>
+            <a:ext cx="2704875" cy="1068426"/>
+          </a:xfrm>
+          <a:prstGeom prst="rect">
+            <a:avLst/>
+          </a:prstGeom>
+        </p:spPr>
+      </p:pic>
+      <p:pic>
+        <p:nvPicPr>
+          <p:cNvPr id="16" name="Picture 16"/>
+          <p:cNvPicPr>
+            <a:picLocks noChangeAspect="1"/>
+          </p:cNvPicPr>
+          <p:nvPr/>
+        </p:nvPicPr>
+        <p:blipFill>
+          <a:blip r:embed="rId10"/>
+          <a:srcRect t="4017" b="4017"/>
+          <a:stretch>
+            <a:fillRect/>
+          </a:stretch>
+        </p:blipFill>
+        <p:spPr>
+          <a:xfrm>
+            <a:off x="6288023" y="2791362"/>
+            <a:ext cx="2718690" cy="1075100"/>
+          </a:xfrm>
+          <a:prstGeom prst="rect">
+            <a:avLst/>
+          </a:prstGeom>
+        </p:spPr>
+      </p:pic>
+      <p:pic>
+        <p:nvPicPr>
+          <p:cNvPr id="17" name="Picture 17"/>
+          <p:cNvPicPr>
+            <a:picLocks noChangeAspect="1"/>
+          </p:cNvPicPr>
+          <p:nvPr/>
+        </p:nvPicPr>
+        <p:blipFill>
+          <a:blip r:embed="rId11"/>
+          <a:srcRect/>
+          <a:stretch>
+            <a:fillRect/>
+          </a:stretch>
+        </p:blipFill>
+        <p:spPr>
+          <a:xfrm>
+            <a:off x="12144168" y="6367584"/>
+            <a:ext cx="998686" cy="1079660"/>
+          </a:xfrm>
+          <a:prstGeom prst="rect">
+            <a:avLst/>
+          </a:prstGeom>
+        </p:spPr>
+      </p:pic>
+      <p:sp>
+        <p:nvSpPr>
+          <p:cNvPr id="18" name="TextBox 18"/>
+          <p:cNvSpPr txBox="1"/>
+          <p:nvPr/>
+        </p:nvSpPr>
+        <p:spPr>
+          <a:xfrm>
+            <a:off x="13142854" y="6532295"/>
+            <a:ext cx="3331871" cy="598593"/>
+          </a:xfrm>
+          <a:prstGeom prst="rect">
+            <a:avLst/>
+          </a:prstGeom>
+        </p:spPr>
+        <p:txBody>
+          <a:bodyPr lIns="0" tIns="0" rIns="0" bIns="0" rtlCol="0" anchor="t">
+            <a:spAutoFit/>
+          </a:bodyPr>
+          <a:lstStyle/>
+          <a:p>
+            <a:pPr algn="r">
+              <a:lnSpc>
+                <a:spcPts val="4816"/>
+              </a:lnSpc>
+              <a:spcBef>
+                <a:spcPct val="0"/>
+              </a:spcBef>
+            </a:pPr>
+            <a:r>
+              <a:rPr lang="en-US" sz="3440" b="1" spc="-72" dirty="0">
+                <a:solidFill>
+                  <a:srgbClr val="000000"/>
+                </a:solidFill>
+                <a:latin typeface="Barlow Bold"/>
+              </a:rPr>
+              <a:t>RIDICURIOUS.COM</a:t>
+            </a:r>
+          </a:p>
+        </p:txBody>
+      </p:sp>
+      <p:grpSp>
+        <p:nvGrpSpPr>
+          <p:cNvPr id="19" name="Group 19"/>
+          <p:cNvGrpSpPr/>
+          <p:nvPr/>
+        </p:nvGrpSpPr>
+        <p:grpSpPr>
+          <a:xfrm>
+            <a:off x="12906930" y="4712521"/>
+            <a:ext cx="859164" cy="859164"/>
+            <a:chOff x="0" y="0"/>
+            <a:chExt cx="6350000" cy="6350000"/>
+          </a:xfrm>
+        </p:grpSpPr>
+        <p:sp>
+          <p:nvSpPr>
+            <p:cNvPr id="20" name="Freeform 20"/>
+            <p:cNvSpPr/>
+            <p:nvPr/>
+          </p:nvSpPr>
+          <p:spPr>
+            <a:xfrm>
+              <a:off x="14167" y="0"/>
+              <a:ext cx="6321665" cy="6350000"/>
+            </a:xfrm>
+            <a:custGeom>
+              <a:avLst/>
+              <a:gdLst/>
+              <a:ahLst/>
+              <a:cxnLst/>
+              <a:rect l="l" t="t" r="r" b="b"/>
+              <a:pathLst>
+                <a:path w="6321665" h="6350000">
+                  <a:moveTo>
+                    <a:pt x="3160833" y="0"/>
+                  </a:moveTo>
+                  <a:lnTo>
+                    <a:pt x="3160833" y="0"/>
+                  </a:lnTo>
+                  <a:cubicBezTo>
+                    <a:pt x="4908795" y="7817"/>
+                    <a:pt x="6321666" y="1427021"/>
+                    <a:pt x="6321666" y="3175000"/>
+                  </a:cubicBezTo>
+                  <a:cubicBezTo>
+                    <a:pt x="6321666" y="4922979"/>
+                    <a:pt x="4908795" y="6342183"/>
+                    <a:pt x="3160833" y="6350000"/>
+                  </a:cubicBezTo>
+                  <a:cubicBezTo>
+                    <a:pt x="1412871" y="6342183"/>
+                    <a:pt x="0" y="4922979"/>
+                    <a:pt x="0" y="3175000"/>
+                  </a:cubicBezTo>
+                  <a:cubicBezTo>
+                    <a:pt x="0" y="1427021"/>
+                    <a:pt x="1412871" y="7817"/>
+                    <a:pt x="3160833" y="0"/>
+                  </a:cubicBezTo>
+                  <a:close/>
+                </a:path>
+              </a:pathLst>
+            </a:custGeom>
+            <a:solidFill>
+              <a:srgbClr val="000000"/>
+            </a:solidFill>
+          </p:spPr>
+        </p:sp>
+      </p:grpSp>
+      <p:grpSp>
+        <p:nvGrpSpPr>
+          <p:cNvPr id="21" name="Group 21"/>
+          <p:cNvGrpSpPr/>
+          <p:nvPr/>
+        </p:nvGrpSpPr>
+        <p:grpSpPr>
+          <a:xfrm>
+            <a:off x="16668383" y="4712521"/>
+            <a:ext cx="859164" cy="859164"/>
+            <a:chOff x="0" y="0"/>
+            <a:chExt cx="6350000" cy="6350000"/>
+          </a:xfrm>
+        </p:grpSpPr>
+        <p:sp>
+          <p:nvSpPr>
+            <p:cNvPr id="22" name="Freeform 22"/>
+            <p:cNvSpPr/>
+            <p:nvPr/>
+          </p:nvSpPr>
+          <p:spPr>
+            <a:xfrm>
+              <a:off x="14167" y="0"/>
+              <a:ext cx="6321665" cy="6350000"/>
+            </a:xfrm>
+            <a:custGeom>
+              <a:avLst/>
+              <a:gdLst/>
+              <a:ahLst/>
+              <a:cxnLst/>
+              <a:rect l="l" t="t" r="r" b="b"/>
+              <a:pathLst>
+                <a:path w="6321665" h="6350000">
+                  <a:moveTo>
+                    <a:pt x="3160833" y="0"/>
+                  </a:moveTo>
+                  <a:lnTo>
+                    <a:pt x="3160833" y="0"/>
+                  </a:lnTo>
+                  <a:cubicBezTo>
+                    <a:pt x="4908795" y="7817"/>
+                    <a:pt x="6321666" y="1427021"/>
+                    <a:pt x="6321666" y="3175000"/>
+                  </a:cubicBezTo>
+                  <a:cubicBezTo>
+                    <a:pt x="6321666" y="4922979"/>
+                    <a:pt x="4908795" y="6342183"/>
+                    <a:pt x="3160833" y="6350000"/>
+                  </a:cubicBezTo>
+                  <a:cubicBezTo>
+                    <a:pt x="1412871" y="6342183"/>
+                    <a:pt x="0" y="4922979"/>
+                    <a:pt x="0" y="3175000"/>
+                  </a:cubicBezTo>
+                  <a:cubicBezTo>
+                    <a:pt x="0" y="1427021"/>
+                    <a:pt x="1412871" y="7817"/>
+                    <a:pt x="3160833" y="0"/>
+                  </a:cubicBezTo>
+                  <a:close/>
+                </a:path>
+              </a:pathLst>
+            </a:custGeom>
+            <a:solidFill>
+              <a:srgbClr val="000000"/>
+            </a:solidFill>
+          </p:spPr>
+        </p:sp>
+      </p:grpSp>
+      <p:grpSp>
+        <p:nvGrpSpPr>
+          <p:cNvPr id="23" name="Group 23"/>
+          <p:cNvGrpSpPr/>
+          <p:nvPr/>
+        </p:nvGrpSpPr>
+        <p:grpSpPr>
+          <a:xfrm>
+            <a:off x="13336512" y="4707393"/>
+            <a:ext cx="3781850" cy="861005"/>
+            <a:chOff x="0" y="0"/>
+            <a:chExt cx="818145" cy="186265"/>
+          </a:xfrm>
+        </p:grpSpPr>
+        <p:sp>
+          <p:nvSpPr>
+            <p:cNvPr id="24" name="Freeform 24"/>
+            <p:cNvSpPr/>
+            <p:nvPr/>
+          </p:nvSpPr>
+          <p:spPr>
+            <a:xfrm>
+              <a:off x="0" y="0"/>
+              <a:ext cx="818145" cy="186265"/>
+            </a:xfrm>
+            <a:custGeom>
+              <a:avLst/>
+              <a:gdLst/>
+              <a:ahLst/>
+              <a:cxnLst/>
+              <a:rect l="l" t="t" r="r" b="b"/>
+              <a:pathLst>
+                <a:path w="818145" h="186265">
+                  <a:moveTo>
+                    <a:pt x="0" y="0"/>
+                  </a:moveTo>
+                  <a:lnTo>
+                    <a:pt x="818145" y="0"/>
+                  </a:lnTo>
+                  <a:lnTo>
+                    <a:pt x="818145" y="186265"/>
+                  </a:lnTo>
+                  <a:lnTo>
+                    <a:pt x="0" y="186265"/>
+                  </a:lnTo>
+                  <a:close/>
+                </a:path>
+              </a:pathLst>
+            </a:custGeom>
+            <a:solidFill>
+              <a:srgbClr val="000000"/>
+            </a:solidFill>
+          </p:spPr>
+        </p:sp>
+      </p:grpSp>
+      <p:pic>
+        <p:nvPicPr>
+          <p:cNvPr id="25" name="Picture 25"/>
+          <p:cNvPicPr>
+            <a:picLocks noChangeAspect="1"/>
+          </p:cNvPicPr>
+          <p:nvPr/>
+        </p:nvPicPr>
+        <p:blipFill>
+          <a:blip r:embed="rId12"/>
+          <a:srcRect/>
+          <a:stretch>
+            <a:fillRect/>
+          </a:stretch>
+        </p:blipFill>
+        <p:spPr>
+          <a:xfrm>
+            <a:off x="3527794" y="5571685"/>
+            <a:ext cx="2602742" cy="4164388"/>
+          </a:xfrm>
+          <a:prstGeom prst="rect">
+            <a:avLst/>
+          </a:prstGeom>
+        </p:spPr>
+      </p:pic>
+      <p:pic>
+        <p:nvPicPr>
+          <p:cNvPr id="26" name="Picture 26"/>
+          <p:cNvPicPr>
+            <a:picLocks noChangeAspect="1"/>
+          </p:cNvPicPr>
+          <p:nvPr/>
+        </p:nvPicPr>
+        <p:blipFill>
+          <a:blip r:embed="rId13"/>
+          <a:srcRect l="13433" r="15352" b="37542"/>
+          <a:stretch>
+            <a:fillRect/>
+          </a:stretch>
+        </p:blipFill>
+        <p:spPr>
+          <a:xfrm>
+            <a:off x="12229009" y="9124663"/>
+            <a:ext cx="833524" cy="562894"/>
+          </a:xfrm>
+          <a:prstGeom prst="rect">
+            <a:avLst/>
+          </a:prstGeom>
+        </p:spPr>
+      </p:pic>
+      <p:sp>
+        <p:nvSpPr>
+          <p:cNvPr id="27" name="TextBox 27"/>
+          <p:cNvSpPr txBox="1"/>
+          <p:nvPr/>
+        </p:nvSpPr>
+        <p:spPr>
+          <a:xfrm>
+            <a:off x="13343769" y="4782453"/>
+            <a:ext cx="5128315" cy="690958"/>
+          </a:xfrm>
+          <a:prstGeom prst="rect">
+            <a:avLst/>
+          </a:prstGeom>
+        </p:spPr>
+        <p:txBody>
+          <a:bodyPr wrap="square" lIns="0" tIns="0" rIns="0" bIns="0" rtlCol="0" anchor="t">
+            <a:spAutoFit/>
+          </a:bodyPr>
+          <a:lstStyle/>
+          <a:p>
+            <a:pPr>
+              <a:lnSpc>
+                <a:spcPts val="5563"/>
+              </a:lnSpc>
+              <a:spcBef>
+                <a:spcPct val="0"/>
+              </a:spcBef>
+            </a:pPr>
+            <a:r>
+              <a:rPr lang="en-US" sz="4500" spc="-83" dirty="0">
+                <a:solidFill>
+                  <a:srgbClr val="D9D9D9"/>
+                </a:solidFill>
+                <a:latin typeface="Barlow Bold"/>
+              </a:rPr>
+              <a:t>PRATEEK  SINGH</a:t>
+            </a:r>
+          </a:p>
+        </p:txBody>
+      </p:sp>
+      <p:sp>
+        <p:nvSpPr>
+          <p:cNvPr id="28" name="TextBox 28"/>
+          <p:cNvSpPr txBox="1"/>
+          <p:nvPr/>
+        </p:nvSpPr>
+        <p:spPr>
+          <a:xfrm>
+            <a:off x="675290" y="75208"/>
+            <a:ext cx="7693772" cy="1032105"/>
+          </a:xfrm>
+          <a:prstGeom prst="rect">
+            <a:avLst/>
+          </a:prstGeom>
+        </p:spPr>
+        <p:txBody>
+          <a:bodyPr lIns="0" tIns="0" rIns="0" bIns="0" rtlCol="0" anchor="t">
+            <a:spAutoFit/>
+          </a:bodyPr>
+          <a:lstStyle/>
+          <a:p>
+            <a:pPr>
+              <a:lnSpc>
+                <a:spcPts val="8400"/>
+              </a:lnSpc>
+              <a:spcBef>
+                <a:spcPct val="0"/>
+              </a:spcBef>
+            </a:pPr>
+            <a:r>
+              <a:rPr lang="en-US" sz="6000" b="1" spc="-126" dirty="0">
+                <a:solidFill>
+                  <a:srgbClr val="000000"/>
+                </a:solidFill>
+                <a:latin typeface="Barlow Medium"/>
+              </a:rPr>
+              <a:t>PS C: &gt;_ </a:t>
+            </a:r>
+            <a:r>
+              <a:rPr lang="en-US" sz="6000" b="1" spc="-126" dirty="0" err="1">
+                <a:solidFill>
+                  <a:srgbClr val="5271FF"/>
+                </a:solidFill>
+                <a:latin typeface="Barlow Medium"/>
+              </a:rPr>
+              <a:t>whoami</a:t>
+            </a:r>
+            <a:endParaRPr lang="en-US" sz="6000" b="1" spc="-126" dirty="0">
+              <a:solidFill>
+                <a:srgbClr val="5271FF"/>
+              </a:solidFill>
+              <a:latin typeface="Barlow Medium"/>
+            </a:endParaRPr>
+          </a:p>
+        </p:txBody>
+      </p:sp>
+      <p:sp>
+        <p:nvSpPr>
+          <p:cNvPr id="29" name="TextBox 29"/>
+          <p:cNvSpPr txBox="1"/>
+          <p:nvPr/>
+        </p:nvSpPr>
+        <p:spPr>
+          <a:xfrm>
+            <a:off x="13106568" y="9124663"/>
+            <a:ext cx="17438750" cy="586298"/>
+          </a:xfrm>
+          <a:prstGeom prst="rect">
+            <a:avLst/>
+          </a:prstGeom>
+        </p:spPr>
+        <p:txBody>
+          <a:bodyPr lIns="0" tIns="0" rIns="0" bIns="0" rtlCol="0" anchor="t">
+            <a:spAutoFit/>
+          </a:bodyPr>
+          <a:lstStyle/>
+          <a:p>
+            <a:pPr>
+              <a:lnSpc>
+                <a:spcPts val="4730"/>
+              </a:lnSpc>
+              <a:spcBef>
+                <a:spcPct val="0"/>
+              </a:spcBef>
+            </a:pPr>
+            <a:r>
+              <a:rPr lang="en-US" sz="3379" b="1" dirty="0">
+                <a:solidFill>
+                  <a:srgbClr val="000000"/>
+                </a:solidFill>
+                <a:latin typeface="Barlow Bold"/>
+              </a:rPr>
+              <a:t>LEANPUB.COM/B/BOOKS</a:t>
+            </a:r>
+          </a:p>
+        </p:txBody>
+      </p:sp>
+    </p:spTree>
   </p:cSld>
   <p:clrMapOvr>
     <a:masterClrMapping/>
@@ -6816,7 +7494,7 @@
         </p:nvSpPr>
         <p:spPr>
           <a:xfrm>
-            <a:off x="2874818" y="2606273"/>
+            <a:off x="2667000" y="2588955"/>
             <a:ext cx="12954000" cy="2554545"/>
           </a:xfrm>
           <a:prstGeom prst="rect">
@@ -6959,33 +7637,6 @@
                                           </p:stCondLst>
                                         </p:cTn>
                                         <p:tgtEl>
-                                          <p:spTgt spid="2"/>
-                                        </p:tgtEl>
-                                        <p:attrNameLst>
-                                          <p:attrName>style.visibility</p:attrName>
-                                        </p:attrNameLst>
-                                      </p:cBhvr>
-                                      <p:to>
-                                        <p:strVal val="visible"/>
-                                      </p:to>
-                                    </p:set>
-                                  </p:childTnLst>
-                                </p:cTn>
-                              </p:par>
-                              <p:par>
-                                <p:cTn id="7" presetID="1" presetClass="entr" presetSubtype="0" fill="hold" grpId="0" nodeType="withEffect">
-                                  <p:stCondLst>
-                                    <p:cond delay="0"/>
-                                  </p:stCondLst>
-                                  <p:childTnLst>
-                                    <p:set>
-                                      <p:cBhvr>
-                                        <p:cTn id="8" dur="1" fill="hold">
-                                          <p:stCondLst>
-                                            <p:cond delay="0"/>
-                                          </p:stCondLst>
-                                        </p:cTn>
-                                        <p:tgtEl>
                                           <p:spTgt spid="3"/>
                                         </p:tgtEl>
                                         <p:attrNameLst>
@@ -6994,51 +7645,6 @@
                                       </p:cBhvr>
                                       <p:to>
                                         <p:strVal val="visible"/>
-                                      </p:to>
-                                    </p:set>
-                                  </p:childTnLst>
-                                </p:cTn>
-                              </p:par>
-                            </p:childTnLst>
-                          </p:cTn>
-                        </p:par>
-                      </p:childTnLst>
-                    </p:cTn>
-                  </p:par>
-                  <p:par>
-                    <p:cTn id="9" fill="hold">
-                      <p:stCondLst>
-                        <p:cond delay="indefinite"/>
-                      </p:stCondLst>
-                      <p:childTnLst>
-                        <p:par>
-                          <p:cTn id="10" fill="hold">
-                            <p:stCondLst>
-                              <p:cond delay="0"/>
-                            </p:stCondLst>
-                            <p:childTnLst>
-                              <p:par>
-                                <p:cTn id="11" presetID="1" presetClass="exit" presetSubtype="0" fill="hold" grpId="1" nodeType="clickEffect">
-                                  <p:stCondLst>
-                                    <p:cond delay="0"/>
-                                  </p:stCondLst>
-                                  <p:childTnLst>
-                                    <p:set>
-                                      <p:cBhvr>
-                                        <p:cTn id="12" dur="1" fill="hold">
-                                          <p:stCondLst>
-                                            <p:cond delay="0"/>
-                                          </p:stCondLst>
-                                        </p:cTn>
-                                        <p:tgtEl>
-                                          <p:spTgt spid="2"/>
-                                        </p:tgtEl>
-                                        <p:attrNameLst>
-                                          <p:attrName>style.visibility</p:attrName>
-                                        </p:attrNameLst>
-                                      </p:cBhvr>
-                                      <p:to>
-                                        <p:strVal val="hidden"/>
                                       </p:to>
                                     </p:set>
                                   </p:childTnLst>
@@ -7072,8 +7678,6 @@
       </p:par>
     </p:tnLst>
     <p:bldLst>
-      <p:bldP spid="2" grpId="0"/>
-      <p:bldP spid="2" grpId="1"/>
       <p:bldP spid="3" grpId="0"/>
     </p:bldLst>
   </p:timing>
@@ -7175,8 +7779,8 @@
         </p:nvSpPr>
         <p:spPr>
           <a:xfrm>
-            <a:off x="647581" y="1109880"/>
-            <a:ext cx="14280692" cy="9556462"/>
+            <a:off x="566984" y="2095500"/>
+            <a:ext cx="15130215" cy="6478697"/>
           </a:xfrm>
           <a:prstGeom prst="rect">
             <a:avLst/>
@@ -7321,18 +7925,6 @@
             </a:r>
           </a:p>
           <a:p>
-            <a:pPr marL="1600200" lvl="2" indent="-685800">
-              <a:buFont typeface="Arial" panose="020B0604020202020204" pitchFamily="34" charset="0"/>
-              <a:buChar char="•"/>
-            </a:pPr>
-            <a:r>
-              <a:rPr lang="en-US" sz="3500" i="1" dirty="0">
-                <a:latin typeface="Barlow Medium"/>
-              </a:rPr>
-              <a:t>AD Group membership</a:t>
-            </a:r>
-          </a:p>
-          <a:p>
             <a:pPr marL="685800" indent="-685800">
               <a:buFont typeface="Arial" panose="020B0604020202020204" pitchFamily="34" charset="0"/>
               <a:buChar char="•"/>
@@ -7355,49 +7947,6 @@
               </a:rPr>
               <a:t>Azure Resource Group Topology diagram</a:t>
             </a:r>
-          </a:p>
-          <a:p>
-            <a:pPr marL="685800" indent="-685800">
-              <a:buFont typeface="Arial" panose="020B0604020202020204" pitchFamily="34" charset="0"/>
-              <a:buChar char="•"/>
-            </a:pPr>
-            <a:r>
-              <a:rPr lang="en-US" sz="4000" dirty="0">
-                <a:latin typeface="Barlow Medium"/>
-              </a:rPr>
-              <a:t>Bonus Content</a:t>
-            </a:r>
-          </a:p>
-          <a:p>
-            <a:pPr marL="1600200" lvl="2" indent="-685800">
-              <a:buFont typeface="Arial" panose="020B0604020202020204" pitchFamily="34" charset="0"/>
-              <a:buChar char="•"/>
-            </a:pPr>
-            <a:r>
-              <a:rPr lang="en-US" sz="3500" i="1" dirty="0">
-                <a:latin typeface="Barlow Medium"/>
-              </a:rPr>
-              <a:t>Trace Route</a:t>
-            </a:r>
-          </a:p>
-          <a:p>
-            <a:pPr marL="1600200" lvl="2" indent="-685800">
-              <a:buFont typeface="Arial" panose="020B0604020202020204" pitchFamily="34" charset="0"/>
-              <a:buChar char="•"/>
-            </a:pPr>
-            <a:r>
-              <a:rPr lang="en-US" sz="3500" i="1" dirty="0">
-                <a:latin typeface="Barlow Medium"/>
-              </a:rPr>
-              <a:t>Email header analysis</a:t>
-            </a:r>
-          </a:p>
-          <a:p>
-            <a:pPr marL="342900" indent="-342900">
-              <a:buFont typeface="+mj-lt"/>
-              <a:buAutoNum type="arabicPeriod"/>
-            </a:pPr>
-            <a:endParaRPr lang="en-US" sz="4500" dirty="0"/>
           </a:p>
         </p:txBody>
       </p:sp>
@@ -7759,15 +8308,33 @@
                                   </p:childTnLst>
                                 </p:cTn>
                               </p:par>
+                            </p:childTnLst>
+                          </p:cTn>
+                        </p:par>
+                      </p:childTnLst>
+                    </p:cTn>
+                  </p:par>
+                  <p:par>
+                    <p:cTn id="29" fill="hold">
+                      <p:stCondLst>
+                        <p:cond delay="indefinite"/>
+                      </p:stCondLst>
+                      <p:childTnLst>
+                        <p:par>
+                          <p:cTn id="30" fill="hold">
+                            <p:stCondLst>
+                              <p:cond delay="0"/>
+                            </p:stCondLst>
+                            <p:childTnLst>
                               <p:par>
-                                <p:cTn id="29" presetID="1" presetClass="entr" presetSubtype="0" fill="hold" nodeType="withEffect">
+                                <p:cTn id="31" presetID="1" presetClass="entr" presetSubtype="0" fill="hold" nodeType="clickEffect">
                                   <p:stCondLst>
                                     <p:cond delay="0"/>
                                   </p:stCondLst>
                                   <p:childTnLst>
                                     <p:set>
                                       <p:cBhvr>
-                                        <p:cTn id="30" dur="1" fill="hold">
+                                        <p:cTn id="32" dur="1" fill="hold">
                                           <p:stCondLst>
                                             <p:cond delay="0"/>
                                           </p:stCondLst>
@@ -7797,26 +8364,26 @@
                     </p:cTn>
                   </p:par>
                   <p:par>
-                    <p:cTn id="31" fill="hold">
+                    <p:cTn id="33" fill="hold">
                       <p:stCondLst>
                         <p:cond delay="indefinite"/>
                       </p:stCondLst>
                       <p:childTnLst>
                         <p:par>
-                          <p:cTn id="32" fill="hold">
+                          <p:cTn id="34" fill="hold">
                             <p:stCondLst>
                               <p:cond delay="0"/>
                             </p:stCondLst>
                             <p:childTnLst>
                               <p:par>
-                                <p:cTn id="33" presetID="1" presetClass="entr" presetSubtype="0" fill="hold" nodeType="clickEffect">
+                                <p:cTn id="35" presetID="1" presetClass="entr" presetSubtype="0" fill="hold" nodeType="clickEffect">
                                   <p:stCondLst>
                                     <p:cond delay="0"/>
                                   </p:stCondLst>
                                   <p:childTnLst>
                                     <p:set>
                                       <p:cBhvr>
-                                        <p:cTn id="34" dur="1" fill="hold">
+                                        <p:cTn id="36" dur="1" fill="hold">
                                           <p:stCondLst>
                                             <p:cond delay="0"/>
                                           </p:stCondLst>
@@ -7825,166 +8392,6 @@
                                           <p:spTgt spid="3">
                                             <p:txEl>
                                               <p:pRg st="10" end="10"/>
-                                            </p:txEl>
-                                          </p:spTgt>
-                                        </p:tgtEl>
-                                        <p:attrNameLst>
-                                          <p:attrName>style.visibility</p:attrName>
-                                        </p:attrNameLst>
-                                      </p:cBhvr>
-                                      <p:to>
-                                        <p:strVal val="visible"/>
-                                      </p:to>
-                                    </p:set>
-                                  </p:childTnLst>
-                                </p:cTn>
-                              </p:par>
-                            </p:childTnLst>
-                          </p:cTn>
-                        </p:par>
-                      </p:childTnLst>
-                    </p:cTn>
-                  </p:par>
-                  <p:par>
-                    <p:cTn id="35" fill="hold">
-                      <p:stCondLst>
-                        <p:cond delay="indefinite"/>
-                      </p:stCondLst>
-                      <p:childTnLst>
-                        <p:par>
-                          <p:cTn id="36" fill="hold">
-                            <p:stCondLst>
-                              <p:cond delay="0"/>
-                            </p:stCondLst>
-                            <p:childTnLst>
-                              <p:par>
-                                <p:cTn id="37" presetID="1" presetClass="entr" presetSubtype="0" fill="hold" nodeType="clickEffect">
-                                  <p:stCondLst>
-                                    <p:cond delay="0"/>
-                                  </p:stCondLst>
-                                  <p:childTnLst>
-                                    <p:set>
-                                      <p:cBhvr>
-                                        <p:cTn id="38" dur="1" fill="hold">
-                                          <p:stCondLst>
-                                            <p:cond delay="0"/>
-                                          </p:stCondLst>
-                                        </p:cTn>
-                                        <p:tgtEl>
-                                          <p:spTgt spid="3">
-                                            <p:txEl>
-                                              <p:pRg st="11" end="11"/>
-                                            </p:txEl>
-                                          </p:spTgt>
-                                        </p:tgtEl>
-                                        <p:attrNameLst>
-                                          <p:attrName>style.visibility</p:attrName>
-                                        </p:attrNameLst>
-                                      </p:cBhvr>
-                                      <p:to>
-                                        <p:strVal val="visible"/>
-                                      </p:to>
-                                    </p:set>
-                                  </p:childTnLst>
-                                </p:cTn>
-                              </p:par>
-                            </p:childTnLst>
-                          </p:cTn>
-                        </p:par>
-                      </p:childTnLst>
-                    </p:cTn>
-                  </p:par>
-                  <p:par>
-                    <p:cTn id="39" fill="hold">
-                      <p:stCondLst>
-                        <p:cond delay="indefinite"/>
-                      </p:stCondLst>
-                      <p:childTnLst>
-                        <p:par>
-                          <p:cTn id="40" fill="hold">
-                            <p:stCondLst>
-                              <p:cond delay="0"/>
-                            </p:stCondLst>
-                            <p:childTnLst>
-                              <p:par>
-                                <p:cTn id="41" presetID="1" presetClass="entr" presetSubtype="0" fill="hold" nodeType="clickEffect">
-                                  <p:stCondLst>
-                                    <p:cond delay="0"/>
-                                  </p:stCondLst>
-                                  <p:childTnLst>
-                                    <p:set>
-                                      <p:cBhvr>
-                                        <p:cTn id="42" dur="1" fill="hold">
-                                          <p:stCondLst>
-                                            <p:cond delay="0"/>
-                                          </p:stCondLst>
-                                        </p:cTn>
-                                        <p:tgtEl>
-                                          <p:spTgt spid="3">
-                                            <p:txEl>
-                                              <p:pRg st="12" end="12"/>
-                                            </p:txEl>
-                                          </p:spTgt>
-                                        </p:tgtEl>
-                                        <p:attrNameLst>
-                                          <p:attrName>style.visibility</p:attrName>
-                                        </p:attrNameLst>
-                                      </p:cBhvr>
-                                      <p:to>
-                                        <p:strVal val="visible"/>
-                                      </p:to>
-                                    </p:set>
-                                  </p:childTnLst>
-                                </p:cTn>
-                              </p:par>
-                              <p:par>
-                                <p:cTn id="43" presetID="1" presetClass="entr" presetSubtype="0" fill="hold" nodeType="withEffect">
-                                  <p:stCondLst>
-                                    <p:cond delay="0"/>
-                                  </p:stCondLst>
-                                  <p:childTnLst>
-                                    <p:set>
-                                      <p:cBhvr>
-                                        <p:cTn id="44" dur="1" fill="hold">
-                                          <p:stCondLst>
-                                            <p:cond delay="0"/>
-                                          </p:stCondLst>
-                                        </p:cTn>
-                                        <p:tgtEl>
-                                          <p:spTgt spid="3">
-                                            <p:txEl>
-                                              <p:pRg st="13" end="13"/>
-                                            </p:txEl>
-                                          </p:spTgt>
-                                        </p:tgtEl>
-                                        <p:attrNameLst>
-                                          <p:attrName>style.visibility</p:attrName>
-                                        </p:attrNameLst>
-                                      </p:cBhvr>
-                                      <p:to>
-                                        <p:strVal val="visible"/>
-                                      </p:to>
-                                    </p:set>
-                                  </p:childTnLst>
-                                </p:cTn>
-                              </p:par>
-                              <p:par>
-                                <p:cTn id="45" presetID="1" presetClass="entr" presetSubtype="0" fill="hold" nodeType="withEffect">
-                                  <p:stCondLst>
-                                    <p:cond delay="0"/>
-                                  </p:stCondLst>
-                                  <p:childTnLst>
-                                    <p:set>
-                                      <p:cBhvr>
-                                        <p:cTn id="46" dur="1" fill="hold">
-                                          <p:stCondLst>
-                                            <p:cond delay="0"/>
-                                          </p:stCondLst>
-                                        </p:cTn>
-                                        <p:tgtEl>
-                                          <p:spTgt spid="3">
-                                            <p:txEl>
-                                              <p:pRg st="14" end="14"/>
                                             </p:txEl>
                                           </p:spTgt>
                                         </p:tgtEl>
@@ -9465,6 +9872,9 @@
           <a:lstStyle/>
           <a:p>
             <a:pPr marL="285750" indent="-285750">
+              <a:lnSpc>
+                <a:spcPct val="150000"/>
+              </a:lnSpc>
               <a:buFont typeface="Arial" panose="020B0604020202020204" pitchFamily="34" charset="0"/>
               <a:buChar char="•"/>
             </a:pPr>
@@ -9472,33 +9882,8 @@
               <a:rPr lang="en-US" sz="4000" dirty="0">
                 <a:latin typeface="Barlow Medium"/>
               </a:rPr>
-              <a:t>Open sourced on </a:t>
-            </a:r>
-            <a:r>
-              <a:rPr lang="en-US" sz="4000" dirty="0" err="1">
-                <a:latin typeface="Barlow Medium"/>
-              </a:rPr>
-              <a:t>Github</a:t>
-            </a:r>
-            <a:br>
-              <a:rPr lang="en-US" sz="4000" dirty="0">
-                <a:latin typeface="Barlow Medium"/>
-              </a:rPr>
-            </a:br>
-            <a:r>
-              <a:rPr lang="en-US" sz="4000" dirty="0">
-                <a:hlinkClick r:id="rId2"/>
-              </a:rPr>
-              <a:t>https://github.com/KevinMarquette/PSGraph</a:t>
-            </a:r>
-            <a:br>
-              <a:rPr lang="en-US" sz="4000" dirty="0">
-                <a:latin typeface="Barlow Medium"/>
-              </a:rPr>
-            </a:br>
-            <a:endParaRPr lang="en-US" sz="4000" dirty="0">
-              <a:latin typeface="Barlow Medium"/>
-            </a:endParaRPr>
+              <a:t>PowerShell based Graph visualization</a:t>
+            </a:r>
           </a:p>
           <a:p>
             <a:pPr marL="285750" indent="-285750">
@@ -9512,7 +9897,19 @@
               <a:rPr lang="en-US" sz="4000" dirty="0">
                 <a:latin typeface="Barlow Medium"/>
               </a:rPr>
-              <a:t>Cross platform (Win, Linux and MacOS)</a:t>
+              <a:t>Built upon </a:t>
+            </a:r>
+            <a:r>
+              <a:rPr lang="en-US" sz="4000" dirty="0" err="1">
+                <a:latin typeface="Barlow Medium"/>
+              </a:rPr>
+              <a:t>GraphViz</a:t>
+            </a:r>
+            <a:r>
+              <a:rPr lang="en-US" sz="4000" dirty="0">
+                <a:latin typeface="Barlow Medium"/>
+              </a:rPr>
+              <a:t> Engine</a:t>
             </a:r>
           </a:p>
           <a:p>
@@ -9527,8 +9924,28 @@
               <a:rPr lang="en-US" sz="4000" dirty="0">
                 <a:latin typeface="Barlow Medium"/>
               </a:rPr>
-              <a:t>PowerShell based Graph visualization</a:t>
-            </a:r>
+              <a:t>Open sourced on </a:t>
+            </a:r>
+            <a:r>
+              <a:rPr lang="en-US" sz="4000" dirty="0" err="1">
+                <a:latin typeface="Barlow Medium"/>
+              </a:rPr>
+              <a:t>Github</a:t>
+            </a:r>
+            <a:br>
+              <a:rPr lang="en-US" sz="4000" dirty="0">
+                <a:latin typeface="Barlow Medium"/>
+              </a:rPr>
+            </a:br>
+            <a:r>
+              <a:rPr lang="en-US" sz="4000" dirty="0">
+                <a:hlinkClick r:id="rId2"/>
+              </a:rPr>
+              <a:t>https://github.com/KevinMarquette/PSGraph</a:t>
+            </a:r>
+            <a:endParaRPr lang="en-US" sz="4000" dirty="0">
+              <a:latin typeface="Barlow Medium"/>
+            </a:endParaRPr>
           </a:p>
           <a:p>
             <a:pPr marL="285750" indent="-285750">
@@ -9542,19 +9959,7 @@
               <a:rPr lang="en-US" sz="4000" dirty="0">
                 <a:latin typeface="Barlow Medium"/>
               </a:rPr>
-              <a:t>Built upon </a:t>
-            </a:r>
-            <a:r>
-              <a:rPr lang="en-US" sz="4000" dirty="0" err="1">
-                <a:latin typeface="Barlow Medium"/>
-              </a:rPr>
-              <a:t>GraphViz</a:t>
-            </a:r>
-            <a:r>
-              <a:rPr lang="en-US" sz="4000" dirty="0">
-                <a:latin typeface="Barlow Medium"/>
-              </a:rPr>
-              <a:t> Engine</a:t>
+              <a:t>Cross platform (Win, Linux and MacOS)</a:t>
             </a:r>
           </a:p>
           <a:p>
@@ -9794,7 +10199,11 @@
                                           </p:stCondLst>
                                         </p:cTn>
                                         <p:tgtEl>
-                                          <p:spTgt spid="12"/>
+                                          <p:spTgt spid="3">
+                                            <p:txEl>
+                                              <p:pRg st="1" end="1"/>
+                                            </p:txEl>
+                                          </p:spTgt>
                                         </p:tgtEl>
                                         <p:attrNameLst>
                                           <p:attrName>style.visibility</p:attrName>
@@ -9841,9 +10250,36 @@
                                         <p:tgtEl>
                                           <p:spTgt spid="3">
                                             <p:txEl>
-                                              <p:pRg st="1" end="1"/>
+                                              <p:pRg st="2" end="2"/>
                                             </p:txEl>
                                           </p:spTgt>
+                                        </p:tgtEl>
+                                        <p:attrNameLst>
+                                          <p:attrName>style.visibility</p:attrName>
+                                        </p:attrNameLst>
+                                      </p:cBhvr>
+                                      <p:to>
+                                        <p:strVal val="visible"/>
+                                      </p:to>
+                                    </p:set>
+                                  </p:childTnLst>
+                                </p:cTn>
+                              </p:par>
+                              <p:par>
+                                <p:cTn id="15" presetID="1" presetClass="entr" presetSubtype="0" fill="hold" nodeType="withEffect">
+                                  <p:stCondLst>
+                                    <p:cond delay="0"/>
+                                  </p:stCondLst>
+                                  <p:childTnLst>
+                                    <p:set>
+                                      <p:cBhvr>
+                                        <p:cTn id="16" dur="1" fill="hold">
+                                          <p:stCondLst>
+                                            <p:cond delay="0"/>
+                                          </p:stCondLst>
+                                        </p:cTn>
+                                        <p:tgtEl>
+                                          <p:spTgt spid="12"/>
                                         </p:tgtEl>
                                         <p:attrNameLst>
                                           <p:attrName>style.visibility</p:attrName>
@@ -9863,75 +10299,26 @@
                     </p:cTn>
                   </p:par>
                   <p:par>
-                    <p:cTn id="15" fill="hold">
+                    <p:cTn id="17" fill="hold">
                       <p:stCondLst>
                         <p:cond delay="indefinite"/>
                       </p:stCondLst>
                       <p:childTnLst>
                         <p:par>
-                          <p:cTn id="16" fill="hold">
+                          <p:cTn id="18" fill="hold">
                             <p:stCondLst>
                               <p:cond delay="0"/>
                             </p:stCondLst>
                             <p:childTnLst>
                               <p:par>
-                                <p:cTn id="17" presetID="1" presetClass="entr" presetSubtype="0" fill="hold" nodeType="clickEffect">
+                                <p:cTn id="19" presetID="1" presetClass="entr" presetSubtype="0" fill="hold" nodeType="clickEffect">
                                   <p:stCondLst>
                                     <p:cond delay="0"/>
                                   </p:stCondLst>
                                   <p:childTnLst>
                                     <p:set>
                                       <p:cBhvr>
-                                        <p:cTn id="18" dur="1" fill="hold">
-                                          <p:stCondLst>
-                                            <p:cond delay="0"/>
-                                          </p:stCondLst>
-                                        </p:cTn>
-                                        <p:tgtEl>
-                                          <p:spTgt spid="3">
-                                            <p:txEl>
-                                              <p:pRg st="2" end="2"/>
-                                            </p:txEl>
-                                          </p:spTgt>
-                                        </p:tgtEl>
-                                        <p:attrNameLst>
-                                          <p:attrName>style.visibility</p:attrName>
-                                        </p:attrNameLst>
-                                      </p:cBhvr>
-                                      <p:to>
-                                        <p:strVal val="visible"/>
-                                      </p:to>
-                                    </p:set>
-                                  </p:childTnLst>
-                                </p:cTn>
-                              </p:par>
-                            </p:childTnLst>
-                          </p:cTn>
-                        </p:par>
-                      </p:childTnLst>
-                    </p:cTn>
-                  </p:par>
-                  <p:par>
-                    <p:cTn id="19" fill="hold">
-                      <p:stCondLst>
-                        <p:cond delay="indefinite"/>
-                      </p:stCondLst>
-                      <p:childTnLst>
-                        <p:par>
-                          <p:cTn id="20" fill="hold">
-                            <p:stCondLst>
-                              <p:cond delay="0"/>
-                            </p:stCondLst>
-                            <p:childTnLst>
-                              <p:par>
-                                <p:cTn id="21" presetID="1" presetClass="entr" presetSubtype="0" fill="hold" nodeType="clickEffect">
-                                  <p:stCondLst>
-                                    <p:cond delay="0"/>
-                                  </p:stCondLst>
-                                  <p:childTnLst>
-                                    <p:set>
-                                      <p:cBhvr>
-                                        <p:cTn id="22" dur="1" fill="hold">
+                                        <p:cTn id="20" dur="1" fill="hold">
                                           <p:stCondLst>
                                             <p:cond delay="0"/>
                                           </p:stCondLst>
@@ -9961,26 +10348,26 @@
                     </p:cTn>
                   </p:par>
                   <p:par>
-                    <p:cTn id="23" fill="hold">
+                    <p:cTn id="21" fill="hold">
                       <p:stCondLst>
                         <p:cond delay="indefinite"/>
                       </p:stCondLst>
                       <p:childTnLst>
                         <p:par>
-                          <p:cTn id="24" fill="hold">
+                          <p:cTn id="22" fill="hold">
                             <p:stCondLst>
                               <p:cond delay="0"/>
                             </p:stCondLst>
                             <p:childTnLst>
                               <p:par>
-                                <p:cTn id="25" presetID="1" presetClass="entr" presetSubtype="0" fill="hold" nodeType="clickEffect">
+                                <p:cTn id="23" presetID="1" presetClass="entr" presetSubtype="0" fill="hold" nodeType="clickEffect">
                                   <p:stCondLst>
                                     <p:cond delay="0"/>
                                   </p:stCondLst>
                                   <p:childTnLst>
                                     <p:set>
                                       <p:cBhvr>
-                                        <p:cTn id="26" dur="1" fill="hold">
+                                        <p:cTn id="24" dur="1" fill="hold">
                                           <p:stCondLst>
                                             <p:cond delay="0"/>
                                           </p:stCondLst>
@@ -11601,7 +11988,7 @@
                 </a:solidFill>
                 <a:latin typeface="Barlow Medium"/>
               </a:rPr>
-              <a:t>Abraham Maslow’s </a:t>
+              <a:t>Abraham Maslow </a:t>
             </a:r>
           </a:p>
           <a:p>
@@ -11625,6 +12012,48 @@
               </a:solidFill>
               <a:latin typeface="Barlow Medium"/>
             </a:endParaRPr>
+          </a:p>
+        </p:txBody>
+      </p:sp>
+      <p:sp>
+        <p:nvSpPr>
+          <p:cNvPr id="8" name="TextBox 7">
+            <a:extLst>
+              <a:ext uri="{FF2B5EF4-FFF2-40B4-BE49-F238E27FC236}">
+                <a16:creationId xmlns:a16="http://schemas.microsoft.com/office/drawing/2014/main" id="{EFDB8603-094C-4A31-B638-AA1C7161FE3B}"/>
+              </a:ext>
+            </a:extLst>
+          </p:cNvPr>
+          <p:cNvSpPr txBox="1"/>
+          <p:nvPr/>
+        </p:nvSpPr>
+        <p:spPr>
+          <a:xfrm>
+            <a:off x="4800600" y="6815718"/>
+            <a:ext cx="11811000" cy="1323439"/>
+          </a:xfrm>
+          <a:prstGeom prst="rect">
+            <a:avLst/>
+          </a:prstGeom>
+          <a:noFill/>
+        </p:spPr>
+        <p:txBody>
+          <a:bodyPr wrap="square" rtlCol="0">
+            <a:spAutoFit/>
+          </a:bodyPr>
+          <a:lstStyle/>
+          <a:p>
+            <a:r>
+              <a:rPr lang="en-US" sz="8000" dirty="0">
+                <a:solidFill>
+                  <a:schemeClr val="accent1">
+                    <a:lumMod val="75000"/>
+                  </a:schemeClr>
+                </a:solidFill>
+                <a:latin typeface="Barlow Medium"/>
+              </a:rPr>
+              <a:t>Law of Instrument</a:t>
+            </a:r>
           </a:p>
         </p:txBody>
       </p:sp>
@@ -11715,6 +12144,33 @@
                                   </p:childTnLst>
                                 </p:cTn>
                               </p:par>
+                              <p:par>
+                                <p:cTn id="9" presetID="1" presetClass="entr" presetSubtype="0" fill="hold" grpId="0" nodeType="withEffect">
+                                  <p:stCondLst>
+                                    <p:cond delay="0"/>
+                                  </p:stCondLst>
+                                  <p:childTnLst>
+                                    <p:set>
+                                      <p:cBhvr>
+                                        <p:cTn id="10" dur="1" fill="hold">
+                                          <p:stCondLst>
+                                            <p:cond delay="0"/>
+                                          </p:stCondLst>
+                                        </p:cTn>
+                                        <p:tgtEl>
+                                          <p:spTgt spid="8"/>
+                                        </p:tgtEl>
+                                        <p:attrNameLst>
+                                          <p:attrName>style.visibility</p:attrName>
+                                        </p:attrNameLst>
+                                      </p:cBhvr>
+                                      <p:to>
+                                        <p:strVal val="visible"/>
+                                      </p:to>
+                                    </p:set>
+                                  </p:childTnLst>
+                                </p:cTn>
+                              </p:par>
                             </p:childTnLst>
                           </p:cTn>
                         </p:par>
@@ -11722,26 +12178,26 @@
                     </p:cTn>
                   </p:par>
                   <p:par>
-                    <p:cTn id="9" fill="hold">
+                    <p:cTn id="11" fill="hold">
                       <p:stCondLst>
                         <p:cond delay="indefinite"/>
                       </p:stCondLst>
                       <p:childTnLst>
                         <p:par>
-                          <p:cTn id="10" fill="hold">
+                          <p:cTn id="12" fill="hold">
                             <p:stCondLst>
                               <p:cond delay="0"/>
                             </p:stCondLst>
                             <p:childTnLst>
                               <p:par>
-                                <p:cTn id="11" presetID="1" presetClass="exit" presetSubtype="0" fill="hold" grpId="1" nodeType="clickEffect">
+                                <p:cTn id="13" presetID="1" presetClass="exit" presetSubtype="0" fill="hold" grpId="1" nodeType="clickEffect">
                                   <p:stCondLst>
                                     <p:cond delay="0"/>
                                   </p:stCondLst>
                                   <p:childTnLst>
                                     <p:set>
                                       <p:cBhvr>
-                                        <p:cTn id="12" dur="1" fill="hold">
+                                        <p:cTn id="14" dur="1" fill="hold">
                                           <p:stCondLst>
                                             <p:cond delay="0"/>
                                           </p:stCondLst>
@@ -11761,14 +12217,14 @@
                                 </p:cTn>
                               </p:par>
                               <p:par>
-                                <p:cTn id="13" presetID="1" presetClass="entr" presetSubtype="0" fill="hold" grpId="0" nodeType="withEffect">
+                                <p:cTn id="15" presetID="1" presetClass="entr" presetSubtype="0" fill="hold" grpId="0" nodeType="withEffect">
                                   <p:stCondLst>
                                     <p:cond delay="0"/>
                                   </p:stCondLst>
                                   <p:childTnLst>
                                     <p:set>
                                       <p:cBhvr>
-                                        <p:cTn id="14" dur="1" fill="hold">
+                                        <p:cTn id="16" dur="1" fill="hold">
                                           <p:stCondLst>
                                             <p:cond delay="0"/>
                                           </p:stCondLst>
@@ -11794,26 +12250,53 @@
                     </p:cTn>
                   </p:par>
                   <p:par>
-                    <p:cTn id="15" fill="hold">
+                    <p:cTn id="17" fill="hold">
                       <p:stCondLst>
                         <p:cond delay="indefinite"/>
                       </p:stCondLst>
                       <p:childTnLst>
                         <p:par>
-                          <p:cTn id="16" fill="hold">
+                          <p:cTn id="18" fill="hold">
                             <p:stCondLst>
                               <p:cond delay="0"/>
                             </p:stCondLst>
                             <p:childTnLst>
                               <p:par>
-                                <p:cTn id="17" presetID="1" presetClass="entr" presetSubtype="0" fill="hold" nodeType="clickEffect">
+                                <p:cTn id="19" presetID="1" presetClass="exit" presetSubtype="0" fill="hold" grpId="1" nodeType="clickEffect">
                                   <p:stCondLst>
                                     <p:cond delay="0"/>
                                   </p:stCondLst>
                                   <p:childTnLst>
                                     <p:set>
                                       <p:cBhvr>
-                                        <p:cTn id="18" dur="1" fill="hold">
+                                        <p:cTn id="20" dur="1" fill="hold">
+                                          <p:stCondLst>
+                                            <p:cond delay="0"/>
+                                          </p:stCondLst>
+                                        </p:cTn>
+                                        <p:tgtEl>
+                                          <p:spTgt spid="8"/>
+                                        </p:tgtEl>
+                                        <p:attrNameLst>
+                                          <p:attrName>style.visibility</p:attrName>
+                                        </p:attrNameLst>
+                                      </p:cBhvr>
+                                      <p:to>
+                                        <p:strVal val="hidden"/>
+                                      </p:to>
+                                    </p:set>
+                                  </p:childTnLst>
+                                </p:cTn>
+                              </p:par>
+                              <p:par>
+                                <p:cTn id="21" presetID="1" presetClass="entr" presetSubtype="0" fill="hold" nodeType="withEffect">
+                                  <p:stCondLst>
+                                    <p:cond delay="0"/>
+                                  </p:stCondLst>
+                                  <p:childTnLst>
+                                    <p:set>
+                                      <p:cBhvr>
+                                        <p:cTn id="22" dur="1" fill="hold">
                                           <p:stCondLst>
                                             <p:cond delay="0"/>
                                           </p:stCondLst>
@@ -11843,26 +12326,26 @@
                     </p:cTn>
                   </p:par>
                   <p:par>
-                    <p:cTn id="19" fill="hold">
+                    <p:cTn id="23" fill="hold">
                       <p:stCondLst>
                         <p:cond delay="indefinite"/>
                       </p:stCondLst>
                       <p:childTnLst>
                         <p:par>
-                          <p:cTn id="20" fill="hold">
+                          <p:cTn id="24" fill="hold">
                             <p:stCondLst>
                               <p:cond delay="0"/>
                             </p:stCondLst>
                             <p:childTnLst>
                               <p:par>
-                                <p:cTn id="21" presetID="1" presetClass="entr" presetSubtype="0" fill="hold" nodeType="clickEffect">
+                                <p:cTn id="25" presetID="1" presetClass="entr" presetSubtype="0" fill="hold" nodeType="clickEffect">
                                   <p:stCondLst>
                                     <p:cond delay="0"/>
                                   </p:stCondLst>
                                   <p:childTnLst>
                                     <p:set>
                                       <p:cBhvr>
-                                        <p:cTn id="22" dur="1" fill="hold">
+                                        <p:cTn id="26" dur="1" fill="hold">
                                           <p:stCondLst>
                                             <p:cond delay="0"/>
                                           </p:stCondLst>
@@ -11917,6 +12400,8 @@
       <p:bldP spid="17" grpId="0"/>
       <p:bldP spid="17" grpId="1"/>
       <p:bldP spid="12" grpId="0"/>
+      <p:bldP spid="8" grpId="0"/>
+      <p:bldP spid="8" grpId="1"/>
     </p:bldLst>
   </p:timing>
 </p:sld>

--- a/Visualize-Document-Infrastructure/ppt/VisualizeDocument.pptx
+++ b/Visualize-Document-Infrastructure/ppt/VisualizeDocument.pptx
@@ -232,7 +232,7 @@
           <a:p>
             <a:fld id="{5B82031E-CC76-4CD4-B9E1-CA1DF7176803}" type="datetimeFigureOut">
               <a:rPr lang="en-US" smtClean="0"/>
-              <a:t>9/17/2019</a:t>
+              <a:t>9/19/2019</a:t>
             </a:fld>
             <a:endParaRPr lang="en-US" dirty="0"/>
           </a:p>
@@ -931,7 +931,7 @@
             <a:fld id="{1D8BD707-D9CF-40AE-B4C6-C98DA3205C09}" type="datetimeFigureOut">
               <a:rPr lang="en-US" smtClean="0"/>
               <a:pPr/>
-              <a:t>9/17/2019</a:t>
+              <a:t>9/19/2019</a:t>
             </a:fld>
             <a:endParaRPr lang="en-US" dirty="0"/>
           </a:p>
@@ -1096,7 +1096,7 @@
             <a:fld id="{1D8BD707-D9CF-40AE-B4C6-C98DA3205C09}" type="datetimeFigureOut">
               <a:rPr lang="en-US" smtClean="0"/>
               <a:pPr/>
-              <a:t>9/17/2019</a:t>
+              <a:t>9/19/2019</a:t>
             </a:fld>
             <a:endParaRPr lang="en-US" dirty="0"/>
           </a:p>
@@ -1271,7 +1271,7 @@
             <a:fld id="{1D8BD707-D9CF-40AE-B4C6-C98DA3205C09}" type="datetimeFigureOut">
               <a:rPr lang="en-US" smtClean="0"/>
               <a:pPr/>
-              <a:t>9/17/2019</a:t>
+              <a:t>9/19/2019</a:t>
             </a:fld>
             <a:endParaRPr lang="en-US" dirty="0"/>
           </a:p>
@@ -1436,7 +1436,7 @@
             <a:fld id="{1D8BD707-D9CF-40AE-B4C6-C98DA3205C09}" type="datetimeFigureOut">
               <a:rPr lang="en-US" smtClean="0"/>
               <a:pPr/>
-              <a:t>9/17/2019</a:t>
+              <a:t>9/19/2019</a:t>
             </a:fld>
             <a:endParaRPr lang="en-US" dirty="0"/>
           </a:p>
@@ -1678,7 +1678,7 @@
             <a:fld id="{1D8BD707-D9CF-40AE-B4C6-C98DA3205C09}" type="datetimeFigureOut">
               <a:rPr lang="en-US" smtClean="0"/>
               <a:pPr/>
-              <a:t>9/17/2019</a:t>
+              <a:t>9/19/2019</a:t>
             </a:fld>
             <a:endParaRPr lang="en-US" dirty="0"/>
           </a:p>
@@ -1960,7 +1960,7 @@
             <a:fld id="{1D8BD707-D9CF-40AE-B4C6-C98DA3205C09}" type="datetimeFigureOut">
               <a:rPr lang="en-US" smtClean="0"/>
               <a:pPr/>
-              <a:t>9/17/2019</a:t>
+              <a:t>9/19/2019</a:t>
             </a:fld>
             <a:endParaRPr lang="en-US" dirty="0"/>
           </a:p>
@@ -2376,7 +2376,7 @@
             <a:fld id="{1D8BD707-D9CF-40AE-B4C6-C98DA3205C09}" type="datetimeFigureOut">
               <a:rPr lang="en-US" smtClean="0"/>
               <a:pPr/>
-              <a:t>9/17/2019</a:t>
+              <a:t>9/19/2019</a:t>
             </a:fld>
             <a:endParaRPr lang="en-US" dirty="0"/>
           </a:p>
@@ -2490,7 +2490,7 @@
             <a:fld id="{1D8BD707-D9CF-40AE-B4C6-C98DA3205C09}" type="datetimeFigureOut">
               <a:rPr lang="en-US" smtClean="0"/>
               <a:pPr/>
-              <a:t>9/17/2019</a:t>
+              <a:t>9/19/2019</a:t>
             </a:fld>
             <a:endParaRPr lang="en-US" dirty="0"/>
           </a:p>
@@ -2582,7 +2582,7 @@
             <a:fld id="{1D8BD707-D9CF-40AE-B4C6-C98DA3205C09}" type="datetimeFigureOut">
               <a:rPr lang="en-US" smtClean="0"/>
               <a:pPr/>
-              <a:t>9/17/2019</a:t>
+              <a:t>9/19/2019</a:t>
             </a:fld>
             <a:endParaRPr lang="en-US" dirty="0"/>
           </a:p>
@@ -2854,7 +2854,7 @@
             <a:fld id="{1D8BD707-D9CF-40AE-B4C6-C98DA3205C09}" type="datetimeFigureOut">
               <a:rPr lang="en-US" smtClean="0"/>
               <a:pPr/>
-              <a:t>9/17/2019</a:t>
+              <a:t>9/19/2019</a:t>
             </a:fld>
             <a:endParaRPr lang="en-US" dirty="0"/>
           </a:p>
@@ -3103,7 +3103,7 @@
             <a:fld id="{1D8BD707-D9CF-40AE-B4C6-C98DA3205C09}" type="datetimeFigureOut">
               <a:rPr lang="en-US" smtClean="0"/>
               <a:pPr/>
-              <a:t>9/17/2019</a:t>
+              <a:t>9/19/2019</a:t>
             </a:fld>
             <a:endParaRPr lang="en-US" dirty="0"/>
           </a:p>
@@ -3311,7 +3311,7 @@
             <a:fld id="{1D8BD707-D9CF-40AE-B4C6-C98DA3205C09}" type="datetimeFigureOut">
               <a:rPr lang="en-US" smtClean="0"/>
               <a:pPr/>
-              <a:t>9/17/2019</a:t>
+              <a:t>9/19/2019</a:t>
             </a:fld>
             <a:endParaRPr lang="en-US" dirty="0"/>
           </a:p>

--- a/Visualize-Document-Infrastructure/ppt/VisualizeDocument.pptx
+++ b/Visualize-Document-Infrastructure/ppt/VisualizeDocument.pptx
@@ -232,7 +232,7 @@
           <a:p>
             <a:fld id="{5B82031E-CC76-4CD4-B9E1-CA1DF7176803}" type="datetimeFigureOut">
               <a:rPr lang="en-US" smtClean="0"/>
-              <a:t>9/19/2019</a:t>
+              <a:t>9/20/2019</a:t>
             </a:fld>
             <a:endParaRPr lang="en-US" dirty="0"/>
           </a:p>
@@ -931,7 +931,7 @@
             <a:fld id="{1D8BD707-D9CF-40AE-B4C6-C98DA3205C09}" type="datetimeFigureOut">
               <a:rPr lang="en-US" smtClean="0"/>
               <a:pPr/>
-              <a:t>9/19/2019</a:t>
+              <a:t>9/20/2019</a:t>
             </a:fld>
             <a:endParaRPr lang="en-US" dirty="0"/>
           </a:p>
@@ -1096,7 +1096,7 @@
             <a:fld id="{1D8BD707-D9CF-40AE-B4C6-C98DA3205C09}" type="datetimeFigureOut">
               <a:rPr lang="en-US" smtClean="0"/>
               <a:pPr/>
-              <a:t>9/19/2019</a:t>
+              <a:t>9/20/2019</a:t>
             </a:fld>
             <a:endParaRPr lang="en-US" dirty="0"/>
           </a:p>
@@ -1271,7 +1271,7 @@
             <a:fld id="{1D8BD707-D9CF-40AE-B4C6-C98DA3205C09}" type="datetimeFigureOut">
               <a:rPr lang="en-US" smtClean="0"/>
               <a:pPr/>
-              <a:t>9/19/2019</a:t>
+              <a:t>9/20/2019</a:t>
             </a:fld>
             <a:endParaRPr lang="en-US" dirty="0"/>
           </a:p>
@@ -1436,7 +1436,7 @@
             <a:fld id="{1D8BD707-D9CF-40AE-B4C6-C98DA3205C09}" type="datetimeFigureOut">
               <a:rPr lang="en-US" smtClean="0"/>
               <a:pPr/>
-              <a:t>9/19/2019</a:t>
+              <a:t>9/20/2019</a:t>
             </a:fld>
             <a:endParaRPr lang="en-US" dirty="0"/>
           </a:p>
@@ -1678,7 +1678,7 @@
             <a:fld id="{1D8BD707-D9CF-40AE-B4C6-C98DA3205C09}" type="datetimeFigureOut">
               <a:rPr lang="en-US" smtClean="0"/>
               <a:pPr/>
-              <a:t>9/19/2019</a:t>
+              <a:t>9/20/2019</a:t>
             </a:fld>
             <a:endParaRPr lang="en-US" dirty="0"/>
           </a:p>
@@ -1960,7 +1960,7 @@
             <a:fld id="{1D8BD707-D9CF-40AE-B4C6-C98DA3205C09}" type="datetimeFigureOut">
               <a:rPr lang="en-US" smtClean="0"/>
               <a:pPr/>
-              <a:t>9/19/2019</a:t>
+              <a:t>9/20/2019</a:t>
             </a:fld>
             <a:endParaRPr lang="en-US" dirty="0"/>
           </a:p>
@@ -2376,7 +2376,7 @@
             <a:fld id="{1D8BD707-D9CF-40AE-B4C6-C98DA3205C09}" type="datetimeFigureOut">
               <a:rPr lang="en-US" smtClean="0"/>
               <a:pPr/>
-              <a:t>9/19/2019</a:t>
+              <a:t>9/20/2019</a:t>
             </a:fld>
             <a:endParaRPr lang="en-US" dirty="0"/>
           </a:p>
@@ -2490,7 +2490,7 @@
             <a:fld id="{1D8BD707-D9CF-40AE-B4C6-C98DA3205C09}" type="datetimeFigureOut">
               <a:rPr lang="en-US" smtClean="0"/>
               <a:pPr/>
-              <a:t>9/19/2019</a:t>
+              <a:t>9/20/2019</a:t>
             </a:fld>
             <a:endParaRPr lang="en-US" dirty="0"/>
           </a:p>
@@ -2582,7 +2582,7 @@
             <a:fld id="{1D8BD707-D9CF-40AE-B4C6-C98DA3205C09}" type="datetimeFigureOut">
               <a:rPr lang="en-US" smtClean="0"/>
               <a:pPr/>
-              <a:t>9/19/2019</a:t>
+              <a:t>9/20/2019</a:t>
             </a:fld>
             <a:endParaRPr lang="en-US" dirty="0"/>
           </a:p>
@@ -2854,7 +2854,7 @@
             <a:fld id="{1D8BD707-D9CF-40AE-B4C6-C98DA3205C09}" type="datetimeFigureOut">
               <a:rPr lang="en-US" smtClean="0"/>
               <a:pPr/>
-              <a:t>9/19/2019</a:t>
+              <a:t>9/20/2019</a:t>
             </a:fld>
             <a:endParaRPr lang="en-US" dirty="0"/>
           </a:p>
@@ -3103,7 +3103,7 @@
             <a:fld id="{1D8BD707-D9CF-40AE-B4C6-C98DA3205C09}" type="datetimeFigureOut">
               <a:rPr lang="en-US" smtClean="0"/>
               <a:pPr/>
-              <a:t>9/19/2019</a:t>
+              <a:t>9/20/2019</a:t>
             </a:fld>
             <a:endParaRPr lang="en-US" dirty="0"/>
           </a:p>
@@ -3311,7 +3311,7 @@
             <a:fld id="{1D8BD707-D9CF-40AE-B4C6-C98DA3205C09}" type="datetimeFigureOut">
               <a:rPr lang="en-US" smtClean="0"/>
               <a:pPr/>
-              <a:t>9/19/2019</a:t>
+              <a:t>9/20/2019</a:t>
             </a:fld>
             <a:endParaRPr lang="en-US" dirty="0"/>
           </a:p>
@@ -4086,7 +4086,7 @@
               <a:rPr lang="en-US" sz="4800" dirty="0">
                 <a:latin typeface="Barlow Medium"/>
               </a:rPr>
-              <a:t>No Programming</a:t>
+              <a:t>No Scripting</a:t>
             </a:r>
           </a:p>
           <a:p>
@@ -7849,7 +7849,7 @@
               <a:rPr lang="en-US" sz="3500" i="1" dirty="0">
                 <a:latin typeface="Barlow Medium"/>
               </a:rPr>
-              <a:t>Abstract Syntax Tree</a:t>
+              <a:t>Directory Tree visualization</a:t>
             </a:r>
           </a:p>
           <a:p>
@@ -7861,7 +7861,7 @@
               <a:rPr lang="en-US" sz="3500" i="1" dirty="0">
                 <a:latin typeface="Barlow Medium"/>
               </a:rPr>
-              <a:t>Tree Size visualization</a:t>
+              <a:t>Netstat local-remote port visualization</a:t>
             </a:r>
           </a:p>
           <a:p>
@@ -9843,6 +9843,42 @@
           <a:chExt cx="0" cy="0"/>
         </a:xfrm>
       </p:grpSpPr>
+      <p:pic>
+        <p:nvPicPr>
+          <p:cNvPr id="4" name="Picture 3" descr="A close up of a logo&#10;&#10;Description automatically generated">
+            <a:extLst>
+              <a:ext uri="{FF2B5EF4-FFF2-40B4-BE49-F238E27FC236}">
+                <a16:creationId xmlns:a16="http://schemas.microsoft.com/office/drawing/2014/main" id="{052B73F5-CE4E-4966-BA43-F3F9F9B25556}"/>
+              </a:ext>
+            </a:extLst>
+          </p:cNvPr>
+          <p:cNvPicPr>
+            <a:picLocks noChangeAspect="1"/>
+          </p:cNvPicPr>
+          <p:nvPr/>
+        </p:nvPicPr>
+        <p:blipFill>
+          <a:blip r:embed="rId2">
+            <a:extLst>
+              <a:ext uri="{28A0092B-C50C-407E-A947-70E740481C1C}">
+                <a14:useLocalDpi xmlns:a14="http://schemas.microsoft.com/office/drawing/2010/main" val="0"/>
+              </a:ext>
+            </a:extLst>
+          </a:blip>
+          <a:stretch>
+            <a:fillRect/>
+          </a:stretch>
+        </p:blipFill>
+        <p:spPr>
+          <a:xfrm>
+            <a:off x="1143" y="643"/>
+            <a:ext cx="18285714" cy="10285714"/>
+          </a:xfrm>
+          <a:prstGeom prst="rect">
+            <a:avLst/>
+          </a:prstGeom>
+        </p:spPr>
+      </p:pic>
       <p:sp>
         <p:nvSpPr>
           <p:cNvPr id="3" name="TextBox 2">
@@ -9939,7 +9975,7 @@
             </a:br>
             <a:r>
               <a:rPr lang="en-US" sz="4000" dirty="0">
-                <a:hlinkClick r:id="rId2"/>
+                <a:hlinkClick r:id="rId3"/>
               </a:rPr>
               <a:t>https://github.com/KevinMarquette/PSGraph</a:t>
             </a:r>
@@ -10005,7 +10041,7 @@
           <p:nvPr/>
         </p:nvPicPr>
         <p:blipFill rotWithShape="1">
-          <a:blip r:embed="rId3">
+          <a:blip r:embed="rId4">
             <a:extLst>
               <a:ext uri="{28A0092B-C50C-407E-A947-70E740481C1C}">
                 <a14:useLocalDpi xmlns:a14="http://schemas.microsoft.com/office/drawing/2010/main" val="0"/>
